--- a/어메이징 첵스.pptx
+++ b/어메이징 첵스.pptx
@@ -4,13 +4,22 @@
   <p:sldMasterIdLst>
     <p:sldMasterId id="2147483672" r:id="rId1"/>
   </p:sldMasterIdLst>
+  <p:notesMasterIdLst>
+    <p:notesMasterId r:id="rId14"/>
+  </p:notesMasterIdLst>
   <p:sldIdLst>
     <p:sldId id="256" r:id="rId2"/>
     <p:sldId id="257" r:id="rId3"/>
     <p:sldId id="258" r:id="rId4"/>
     <p:sldId id="259" r:id="rId5"/>
     <p:sldId id="260" r:id="rId6"/>
-    <p:sldId id="261" r:id="rId7"/>
+    <p:sldId id="266" r:id="rId7"/>
+    <p:sldId id="267" r:id="rId8"/>
+    <p:sldId id="261" r:id="rId9"/>
+    <p:sldId id="262" r:id="rId10"/>
+    <p:sldId id="263" r:id="rId11"/>
+    <p:sldId id="264" r:id="rId12"/>
+    <p:sldId id="265" r:id="rId13"/>
   </p:sldIdLst>
   <p:sldSz cx="9144000" cy="6858000" type="screen4x3"/>
   <p:notesSz cx="6858000" cy="9144000"/>
@@ -117,6 +126,5270 @@
 </p:presentation>
 </file>
 
+<file path=ppt/diagrams/colors1.xml><?xml version="1.0" encoding="utf-8"?>
+<dgm:colorsDef xmlns:dgm="http://schemas.openxmlformats.org/drawingml/2006/diagram" xmlns:a="http://schemas.openxmlformats.org/drawingml/2006/main" uniqueId="urn:microsoft.com/office/officeart/2005/8/colors/accent3_4">
+  <dgm:title val=""/>
+  <dgm:desc val=""/>
+  <dgm:catLst>
+    <dgm:cat type="accent3" pri="11400"/>
+  </dgm:catLst>
+  <dgm:styleLbl name="node0">
+    <dgm:fillClrLst meth="cycle">
+      <a:schemeClr val="accent3">
+        <a:shade val="60000"/>
+      </a:schemeClr>
+    </dgm:fillClrLst>
+    <dgm:linClrLst meth="repeat">
+      <a:schemeClr val="lt1"/>
+    </dgm:linClrLst>
+    <dgm:effectClrLst/>
+    <dgm:txLinClrLst/>
+    <dgm:txFillClrLst/>
+    <dgm:txEffectClrLst/>
+  </dgm:styleLbl>
+  <dgm:styleLbl name="node1">
+    <dgm:fillClrLst meth="cycle">
+      <a:schemeClr val="accent3">
+        <a:shade val="50000"/>
+      </a:schemeClr>
+      <a:schemeClr val="accent3">
+        <a:tint val="55000"/>
+      </a:schemeClr>
+    </dgm:fillClrLst>
+    <dgm:linClrLst meth="repeat">
+      <a:schemeClr val="lt1"/>
+    </dgm:linClrLst>
+    <dgm:effectClrLst/>
+    <dgm:txLinClrLst/>
+    <dgm:txFillClrLst/>
+    <dgm:txEffectClrLst/>
+  </dgm:styleLbl>
+  <dgm:styleLbl name="alignNode1">
+    <dgm:fillClrLst meth="cycle">
+      <a:schemeClr val="accent3">
+        <a:shade val="50000"/>
+      </a:schemeClr>
+      <a:schemeClr val="accent3">
+        <a:tint val="55000"/>
+      </a:schemeClr>
+    </dgm:fillClrLst>
+    <dgm:linClrLst meth="cycle">
+      <a:schemeClr val="accent3">
+        <a:shade val="50000"/>
+      </a:schemeClr>
+      <a:schemeClr val="accent3">
+        <a:tint val="55000"/>
+      </a:schemeClr>
+    </dgm:linClrLst>
+    <dgm:effectClrLst/>
+    <dgm:txLinClrLst/>
+    <dgm:txFillClrLst/>
+    <dgm:txEffectClrLst/>
+  </dgm:styleLbl>
+  <dgm:styleLbl name="lnNode1">
+    <dgm:fillClrLst meth="cycle">
+      <a:schemeClr val="accent3">
+        <a:shade val="50000"/>
+      </a:schemeClr>
+      <a:schemeClr val="accent3">
+        <a:tint val="55000"/>
+      </a:schemeClr>
+    </dgm:fillClrLst>
+    <dgm:linClrLst meth="repeat">
+      <a:schemeClr val="lt1"/>
+    </dgm:linClrLst>
+    <dgm:effectClrLst/>
+    <dgm:txLinClrLst/>
+    <dgm:txFillClrLst/>
+    <dgm:txEffectClrLst/>
+  </dgm:styleLbl>
+  <dgm:styleLbl name="vennNode1">
+    <dgm:fillClrLst meth="cycle">
+      <a:schemeClr val="accent3">
+        <a:shade val="80000"/>
+        <a:alpha val="50000"/>
+      </a:schemeClr>
+      <a:schemeClr val="accent3">
+        <a:tint val="50000"/>
+        <a:alpha val="50000"/>
+      </a:schemeClr>
+    </dgm:fillClrLst>
+    <dgm:linClrLst meth="repeat">
+      <a:schemeClr val="lt1"/>
+    </dgm:linClrLst>
+    <dgm:effectClrLst/>
+    <dgm:txLinClrLst/>
+    <dgm:txFillClrLst/>
+    <dgm:txEffectClrLst/>
+  </dgm:styleLbl>
+  <dgm:styleLbl name="node2">
+    <dgm:fillClrLst>
+      <a:schemeClr val="accent3">
+        <a:shade val="80000"/>
+      </a:schemeClr>
+    </dgm:fillClrLst>
+    <dgm:linClrLst meth="repeat">
+      <a:schemeClr val="lt1"/>
+    </dgm:linClrLst>
+    <dgm:effectClrLst/>
+    <dgm:txLinClrLst/>
+    <dgm:txFillClrLst/>
+    <dgm:txEffectClrLst/>
+  </dgm:styleLbl>
+  <dgm:styleLbl name="node3">
+    <dgm:fillClrLst>
+      <a:schemeClr val="accent3">
+        <a:tint val="99000"/>
+      </a:schemeClr>
+    </dgm:fillClrLst>
+    <dgm:linClrLst meth="repeat">
+      <a:schemeClr val="lt1"/>
+    </dgm:linClrLst>
+    <dgm:effectClrLst/>
+    <dgm:txLinClrLst/>
+    <dgm:txFillClrLst/>
+    <dgm:txEffectClrLst/>
+  </dgm:styleLbl>
+  <dgm:styleLbl name="node4">
+    <dgm:fillClrLst>
+      <a:schemeClr val="accent3">
+        <a:tint val="70000"/>
+      </a:schemeClr>
+    </dgm:fillClrLst>
+    <dgm:linClrLst meth="repeat">
+      <a:schemeClr val="lt1"/>
+    </dgm:linClrLst>
+    <dgm:effectClrLst/>
+    <dgm:txLinClrLst/>
+    <dgm:txFillClrLst/>
+    <dgm:txEffectClrLst/>
+  </dgm:styleLbl>
+  <dgm:styleLbl name="fgImgPlace1">
+    <dgm:fillClrLst>
+      <a:schemeClr val="accent3">
+        <a:tint val="50000"/>
+      </a:schemeClr>
+      <a:schemeClr val="accent3">
+        <a:tint val="55000"/>
+      </a:schemeClr>
+    </dgm:fillClrLst>
+    <dgm:linClrLst meth="repeat">
+      <a:schemeClr val="lt1"/>
+    </dgm:linClrLst>
+    <dgm:effectClrLst/>
+    <dgm:txLinClrLst/>
+    <dgm:txFillClrLst meth="repeat">
+      <a:schemeClr val="lt1"/>
+    </dgm:txFillClrLst>
+    <dgm:txEffectClrLst/>
+  </dgm:styleLbl>
+  <dgm:styleLbl name="alignImgPlace1">
+    <dgm:fillClrLst>
+      <a:schemeClr val="accent3">
+        <a:tint val="50000"/>
+      </a:schemeClr>
+      <a:schemeClr val="accent3">
+        <a:tint val="55000"/>
+      </a:schemeClr>
+    </dgm:fillClrLst>
+    <dgm:linClrLst meth="repeat">
+      <a:schemeClr val="lt1"/>
+    </dgm:linClrLst>
+    <dgm:effectClrLst/>
+    <dgm:txLinClrLst/>
+    <dgm:txFillClrLst meth="repeat">
+      <a:schemeClr val="lt1"/>
+    </dgm:txFillClrLst>
+    <dgm:txEffectClrLst/>
+  </dgm:styleLbl>
+  <dgm:styleLbl name="bgImgPlace1">
+    <dgm:fillClrLst>
+      <a:schemeClr val="accent3">
+        <a:tint val="50000"/>
+      </a:schemeClr>
+      <a:schemeClr val="accent3">
+        <a:tint val="55000"/>
+      </a:schemeClr>
+    </dgm:fillClrLst>
+    <dgm:linClrLst meth="repeat">
+      <a:schemeClr val="lt1"/>
+    </dgm:linClrLst>
+    <dgm:effectClrLst/>
+    <dgm:txLinClrLst/>
+    <dgm:txFillClrLst meth="repeat">
+      <a:schemeClr val="lt1"/>
+    </dgm:txFillClrLst>
+    <dgm:txEffectClrLst/>
+  </dgm:styleLbl>
+  <dgm:styleLbl name="sibTrans2D1">
+    <dgm:fillClrLst meth="cycle">
+      <a:schemeClr val="accent3">
+        <a:shade val="90000"/>
+      </a:schemeClr>
+      <a:schemeClr val="accent3">
+        <a:tint val="50000"/>
+      </a:schemeClr>
+    </dgm:fillClrLst>
+    <dgm:linClrLst meth="cycle">
+      <a:schemeClr val="accent3">
+        <a:shade val="90000"/>
+      </a:schemeClr>
+      <a:schemeClr val="accent3">
+        <a:tint val="50000"/>
+      </a:schemeClr>
+    </dgm:linClrLst>
+    <dgm:effectClrLst/>
+    <dgm:txLinClrLst/>
+    <dgm:txFillClrLst/>
+    <dgm:txEffectClrLst/>
+  </dgm:styleLbl>
+  <dgm:styleLbl name="fgSibTrans2D1">
+    <dgm:fillClrLst meth="cycle">
+      <a:schemeClr val="accent3">
+        <a:shade val="90000"/>
+      </a:schemeClr>
+      <a:schemeClr val="accent3">
+        <a:tint val="50000"/>
+      </a:schemeClr>
+    </dgm:fillClrLst>
+    <dgm:linClrLst meth="cycle">
+      <a:schemeClr val="accent3">
+        <a:shade val="90000"/>
+      </a:schemeClr>
+      <a:schemeClr val="accent3">
+        <a:tint val="50000"/>
+      </a:schemeClr>
+    </dgm:linClrLst>
+    <dgm:effectClrLst/>
+    <dgm:txLinClrLst/>
+    <dgm:txFillClrLst/>
+    <dgm:txEffectClrLst/>
+  </dgm:styleLbl>
+  <dgm:styleLbl name="bgSibTrans2D1">
+    <dgm:fillClrLst meth="cycle">
+      <a:schemeClr val="accent3">
+        <a:shade val="90000"/>
+      </a:schemeClr>
+      <a:schemeClr val="accent3">
+        <a:tint val="50000"/>
+      </a:schemeClr>
+    </dgm:fillClrLst>
+    <dgm:linClrLst meth="cycle">
+      <a:schemeClr val="accent3">
+        <a:shade val="90000"/>
+      </a:schemeClr>
+      <a:schemeClr val="accent3">
+        <a:tint val="50000"/>
+      </a:schemeClr>
+    </dgm:linClrLst>
+    <dgm:effectClrLst/>
+    <dgm:txLinClrLst/>
+    <dgm:txFillClrLst/>
+    <dgm:txEffectClrLst/>
+  </dgm:styleLbl>
+  <dgm:styleLbl name="sibTrans1D1">
+    <dgm:fillClrLst meth="cycle">
+      <a:schemeClr val="accent3">
+        <a:shade val="90000"/>
+      </a:schemeClr>
+      <a:schemeClr val="accent3">
+        <a:tint val="50000"/>
+      </a:schemeClr>
+    </dgm:fillClrLst>
+    <dgm:linClrLst meth="cycle">
+      <a:schemeClr val="accent3">
+        <a:shade val="90000"/>
+      </a:schemeClr>
+      <a:schemeClr val="accent3">
+        <a:tint val="50000"/>
+      </a:schemeClr>
+    </dgm:linClrLst>
+    <dgm:effectClrLst/>
+    <dgm:txLinClrLst/>
+    <dgm:txFillClrLst meth="repeat">
+      <a:schemeClr val="tx1"/>
+    </dgm:txFillClrLst>
+    <dgm:txEffectClrLst/>
+  </dgm:styleLbl>
+  <dgm:styleLbl name="callout">
+    <dgm:fillClrLst meth="repeat">
+      <a:schemeClr val="accent3"/>
+    </dgm:fillClrLst>
+    <dgm:linClrLst meth="repeat">
+      <a:schemeClr val="accent3"/>
+    </dgm:linClrLst>
+    <dgm:effectClrLst/>
+    <dgm:txLinClrLst/>
+    <dgm:txFillClrLst meth="repeat">
+      <a:schemeClr val="tx1"/>
+    </dgm:txFillClrLst>
+    <dgm:txEffectClrLst/>
+  </dgm:styleLbl>
+  <dgm:styleLbl name="asst0">
+    <dgm:fillClrLst meth="repeat">
+      <a:schemeClr val="accent3">
+        <a:shade val="80000"/>
+      </a:schemeClr>
+    </dgm:fillClrLst>
+    <dgm:linClrLst meth="repeat">
+      <a:schemeClr val="lt1"/>
+    </dgm:linClrLst>
+    <dgm:effectClrLst/>
+    <dgm:txLinClrLst/>
+    <dgm:txFillClrLst/>
+    <dgm:txEffectClrLst/>
+  </dgm:styleLbl>
+  <dgm:styleLbl name="asst1">
+    <dgm:fillClrLst meth="repeat">
+      <a:schemeClr val="accent3">
+        <a:shade val="80000"/>
+      </a:schemeClr>
+    </dgm:fillClrLst>
+    <dgm:linClrLst meth="repeat">
+      <a:schemeClr val="lt1"/>
+    </dgm:linClrLst>
+    <dgm:effectClrLst/>
+    <dgm:txLinClrLst/>
+    <dgm:txFillClrLst/>
+    <dgm:txEffectClrLst/>
+  </dgm:styleLbl>
+  <dgm:styleLbl name="asst2">
+    <dgm:fillClrLst>
+      <a:schemeClr val="accent3">
+        <a:tint val="90000"/>
+      </a:schemeClr>
+    </dgm:fillClrLst>
+    <dgm:linClrLst meth="repeat">
+      <a:schemeClr val="lt1"/>
+    </dgm:linClrLst>
+    <dgm:effectClrLst/>
+    <dgm:txLinClrLst/>
+    <dgm:txFillClrLst/>
+    <dgm:txEffectClrLst/>
+  </dgm:styleLbl>
+  <dgm:styleLbl name="asst3">
+    <dgm:fillClrLst>
+      <a:schemeClr val="accent3">
+        <a:tint val="70000"/>
+      </a:schemeClr>
+    </dgm:fillClrLst>
+    <dgm:linClrLst meth="repeat">
+      <a:schemeClr val="lt1"/>
+    </dgm:linClrLst>
+    <dgm:effectClrLst/>
+    <dgm:txLinClrLst/>
+    <dgm:txFillClrLst/>
+    <dgm:txEffectClrLst/>
+  </dgm:styleLbl>
+  <dgm:styleLbl name="asst4">
+    <dgm:fillClrLst>
+      <a:schemeClr val="accent3">
+        <a:tint val="50000"/>
+      </a:schemeClr>
+    </dgm:fillClrLst>
+    <dgm:linClrLst meth="repeat">
+      <a:schemeClr val="lt1"/>
+    </dgm:linClrLst>
+    <dgm:effectClrLst/>
+    <dgm:txLinClrLst/>
+    <dgm:txFillClrLst/>
+    <dgm:txEffectClrLst/>
+  </dgm:styleLbl>
+  <dgm:styleLbl name="parChTrans2D1">
+    <dgm:fillClrLst meth="repeat">
+      <a:schemeClr val="accent3">
+        <a:tint val="60000"/>
+      </a:schemeClr>
+    </dgm:fillClrLst>
+    <dgm:linClrLst meth="repeat">
+      <a:schemeClr val="accent3">
+        <a:shade val="80000"/>
+      </a:schemeClr>
+    </dgm:linClrLst>
+    <dgm:effectClrLst/>
+    <dgm:txLinClrLst/>
+    <dgm:txFillClrLst/>
+    <dgm:txEffectClrLst/>
+  </dgm:styleLbl>
+  <dgm:styleLbl name="parChTrans2D2">
+    <dgm:fillClrLst meth="repeat">
+      <a:schemeClr val="accent3">
+        <a:tint val="90000"/>
+      </a:schemeClr>
+    </dgm:fillClrLst>
+    <dgm:linClrLst meth="repeat">
+      <a:schemeClr val="accent3">
+        <a:tint val="90000"/>
+      </a:schemeClr>
+    </dgm:linClrLst>
+    <dgm:effectClrLst/>
+    <dgm:txLinClrLst/>
+    <dgm:txFillClrLst/>
+    <dgm:txEffectClrLst/>
+  </dgm:styleLbl>
+  <dgm:styleLbl name="parChTrans2D3">
+    <dgm:fillClrLst meth="repeat">
+      <a:schemeClr val="accent3">
+        <a:tint val="70000"/>
+      </a:schemeClr>
+    </dgm:fillClrLst>
+    <dgm:linClrLst meth="repeat">
+      <a:schemeClr val="accent3">
+        <a:tint val="70000"/>
+      </a:schemeClr>
+    </dgm:linClrLst>
+    <dgm:effectClrLst/>
+    <dgm:txLinClrLst/>
+    <dgm:txFillClrLst/>
+    <dgm:txEffectClrLst/>
+  </dgm:styleLbl>
+  <dgm:styleLbl name="parChTrans2D4">
+    <dgm:fillClrLst meth="repeat">
+      <a:schemeClr val="accent3">
+        <a:tint val="50000"/>
+      </a:schemeClr>
+    </dgm:fillClrLst>
+    <dgm:linClrLst meth="repeat">
+      <a:schemeClr val="accent3">
+        <a:tint val="50000"/>
+      </a:schemeClr>
+    </dgm:linClrLst>
+    <dgm:effectClrLst/>
+    <dgm:txLinClrLst/>
+    <dgm:txFillClrLst meth="repeat">
+      <a:schemeClr val="dk1"/>
+    </dgm:txFillClrLst>
+    <dgm:txEffectClrLst/>
+  </dgm:styleLbl>
+  <dgm:styleLbl name="parChTrans1D1">
+    <dgm:fillClrLst meth="repeat">
+      <a:schemeClr val="accent3">
+        <a:shade val="80000"/>
+      </a:schemeClr>
+    </dgm:fillClrLst>
+    <dgm:linClrLst meth="repeat">
+      <a:schemeClr val="accent3">
+        <a:shade val="80000"/>
+      </a:schemeClr>
+    </dgm:linClrLst>
+    <dgm:effectClrLst/>
+    <dgm:txLinClrLst/>
+    <dgm:txFillClrLst meth="repeat">
+      <a:schemeClr val="tx1"/>
+    </dgm:txFillClrLst>
+    <dgm:txEffectClrLst/>
+  </dgm:styleLbl>
+  <dgm:styleLbl name="parChTrans1D2">
+    <dgm:fillClrLst meth="repeat">
+      <a:schemeClr val="accent3">
+        <a:tint val="90000"/>
+      </a:schemeClr>
+    </dgm:fillClrLst>
+    <dgm:linClrLst meth="repeat">
+      <a:schemeClr val="accent3">
+        <a:tint val="90000"/>
+      </a:schemeClr>
+    </dgm:linClrLst>
+    <dgm:effectClrLst/>
+    <dgm:txLinClrLst/>
+    <dgm:txFillClrLst meth="repeat">
+      <a:schemeClr val="tx1"/>
+    </dgm:txFillClrLst>
+    <dgm:txEffectClrLst/>
+  </dgm:styleLbl>
+  <dgm:styleLbl name="parChTrans1D3">
+    <dgm:fillClrLst meth="repeat">
+      <a:schemeClr val="accent3">
+        <a:tint val="70000"/>
+      </a:schemeClr>
+    </dgm:fillClrLst>
+    <dgm:linClrLst meth="repeat">
+      <a:schemeClr val="accent3">
+        <a:tint val="70000"/>
+      </a:schemeClr>
+    </dgm:linClrLst>
+    <dgm:effectClrLst/>
+    <dgm:txLinClrLst/>
+    <dgm:txFillClrLst meth="repeat">
+      <a:schemeClr val="tx1"/>
+    </dgm:txFillClrLst>
+    <dgm:txEffectClrLst/>
+  </dgm:styleLbl>
+  <dgm:styleLbl name="parChTrans1D4">
+    <dgm:fillClrLst meth="repeat">
+      <a:schemeClr val="accent3">
+        <a:tint val="50000"/>
+      </a:schemeClr>
+    </dgm:fillClrLst>
+    <dgm:linClrLst meth="repeat">
+      <a:schemeClr val="accent3">
+        <a:tint val="50000"/>
+      </a:schemeClr>
+    </dgm:linClrLst>
+    <dgm:effectClrLst/>
+    <dgm:txLinClrLst/>
+    <dgm:txFillClrLst meth="repeat">
+      <a:schemeClr val="tx1"/>
+    </dgm:txFillClrLst>
+    <dgm:txEffectClrLst/>
+  </dgm:styleLbl>
+  <dgm:styleLbl name="fgAcc1">
+    <dgm:fillClrLst meth="repeat">
+      <a:schemeClr val="lt1">
+        <a:alpha val="90000"/>
+      </a:schemeClr>
+    </dgm:fillClrLst>
+    <dgm:linClrLst meth="cycle">
+      <a:schemeClr val="accent3">
+        <a:shade val="50000"/>
+      </a:schemeClr>
+      <a:schemeClr val="accent3">
+        <a:tint val="55000"/>
+      </a:schemeClr>
+    </dgm:linClrLst>
+    <dgm:effectClrLst/>
+    <dgm:txLinClrLst/>
+    <dgm:txFillClrLst meth="repeat">
+      <a:schemeClr val="dk1"/>
+    </dgm:txFillClrLst>
+    <dgm:txEffectClrLst/>
+  </dgm:styleLbl>
+  <dgm:styleLbl name="conFgAcc1">
+    <dgm:fillClrLst meth="repeat">
+      <a:schemeClr val="lt1">
+        <a:alpha val="90000"/>
+      </a:schemeClr>
+    </dgm:fillClrLst>
+    <dgm:linClrLst meth="cycle">
+      <a:schemeClr val="accent3">
+        <a:shade val="50000"/>
+      </a:schemeClr>
+      <a:schemeClr val="accent3">
+        <a:tint val="55000"/>
+      </a:schemeClr>
+    </dgm:linClrLst>
+    <dgm:effectClrLst/>
+    <dgm:txLinClrLst/>
+    <dgm:txFillClrLst meth="repeat">
+      <a:schemeClr val="dk1"/>
+    </dgm:txFillClrLst>
+    <dgm:txEffectClrLst/>
+  </dgm:styleLbl>
+  <dgm:styleLbl name="alignAcc1">
+    <dgm:fillClrLst meth="repeat">
+      <a:schemeClr val="lt1">
+        <a:alpha val="90000"/>
+      </a:schemeClr>
+    </dgm:fillClrLst>
+    <dgm:linClrLst meth="cycle">
+      <a:schemeClr val="accent3">
+        <a:shade val="50000"/>
+      </a:schemeClr>
+      <a:schemeClr val="accent3">
+        <a:tint val="55000"/>
+      </a:schemeClr>
+    </dgm:linClrLst>
+    <dgm:effectClrLst/>
+    <dgm:txLinClrLst/>
+    <dgm:txFillClrLst meth="repeat">
+      <a:schemeClr val="dk1"/>
+    </dgm:txFillClrLst>
+    <dgm:txEffectClrLst/>
+  </dgm:styleLbl>
+  <dgm:styleLbl name="trAlignAcc1">
+    <dgm:fillClrLst meth="repeat">
+      <a:schemeClr val="lt1">
+        <a:alpha val="55000"/>
+      </a:schemeClr>
+    </dgm:fillClrLst>
+    <dgm:linClrLst meth="repeat">
+      <a:schemeClr val="accent3"/>
+    </dgm:linClrLst>
+    <dgm:effectClrLst/>
+    <dgm:txLinClrLst/>
+    <dgm:txFillClrLst meth="repeat">
+      <a:schemeClr val="dk1"/>
+    </dgm:txFillClrLst>
+    <dgm:txEffectClrLst/>
+  </dgm:styleLbl>
+  <dgm:styleLbl name="bgAcc1">
+    <dgm:fillClrLst meth="repeat">
+      <a:schemeClr val="lt1">
+        <a:alpha val="90000"/>
+      </a:schemeClr>
+    </dgm:fillClrLst>
+    <dgm:linClrLst meth="cycle">
+      <a:schemeClr val="accent3">
+        <a:shade val="50000"/>
+      </a:schemeClr>
+      <a:schemeClr val="accent3">
+        <a:tint val="55000"/>
+      </a:schemeClr>
+    </dgm:linClrLst>
+    <dgm:effectClrLst/>
+    <dgm:txLinClrLst/>
+    <dgm:txFillClrLst meth="repeat">
+      <a:schemeClr val="dk1"/>
+    </dgm:txFillClrLst>
+    <dgm:txEffectClrLst/>
+  </dgm:styleLbl>
+  <dgm:styleLbl name="solidFgAcc1">
+    <dgm:fillClrLst meth="repeat">
+      <a:schemeClr val="lt1"/>
+    </dgm:fillClrLst>
+    <dgm:linClrLst meth="cycle">
+      <a:schemeClr val="accent3">
+        <a:shade val="50000"/>
+      </a:schemeClr>
+      <a:schemeClr val="accent3">
+        <a:tint val="55000"/>
+      </a:schemeClr>
+    </dgm:linClrLst>
+    <dgm:effectClrLst/>
+    <dgm:txLinClrLst/>
+    <dgm:txFillClrLst meth="repeat">
+      <a:schemeClr val="dk1"/>
+    </dgm:txFillClrLst>
+    <dgm:txEffectClrLst/>
+  </dgm:styleLbl>
+  <dgm:styleLbl name="solidAlignAcc1">
+    <dgm:fillClrLst meth="repeat">
+      <a:schemeClr val="lt1"/>
+    </dgm:fillClrLst>
+    <dgm:linClrLst meth="repeat">
+      <a:schemeClr val="accent3"/>
+    </dgm:linClrLst>
+    <dgm:effectClrLst/>
+    <dgm:txLinClrLst/>
+    <dgm:txFillClrLst meth="repeat">
+      <a:schemeClr val="dk1"/>
+    </dgm:txFillClrLst>
+    <dgm:txEffectClrLst/>
+  </dgm:styleLbl>
+  <dgm:styleLbl name="solidBgAcc1">
+    <dgm:fillClrLst meth="repeat">
+      <a:schemeClr val="lt1"/>
+    </dgm:fillClrLst>
+    <dgm:linClrLst meth="repeat">
+      <a:schemeClr val="accent3"/>
+    </dgm:linClrLst>
+    <dgm:effectClrLst/>
+    <dgm:txLinClrLst/>
+    <dgm:txFillClrLst meth="repeat">
+      <a:schemeClr val="dk1"/>
+    </dgm:txFillClrLst>
+    <dgm:txEffectClrLst/>
+  </dgm:styleLbl>
+  <dgm:styleLbl name="fgAccFollowNode1">
+    <dgm:fillClrLst meth="repeat">
+      <a:schemeClr val="accent3">
+        <a:alpha val="90000"/>
+        <a:tint val="55000"/>
+      </a:schemeClr>
+    </dgm:fillClrLst>
+    <dgm:linClrLst meth="repeat">
+      <a:schemeClr val="accent3">
+        <a:alpha val="90000"/>
+        <a:tint val="55000"/>
+      </a:schemeClr>
+    </dgm:linClrLst>
+    <dgm:effectClrLst/>
+    <dgm:txLinClrLst/>
+    <dgm:txFillClrLst meth="repeat">
+      <a:schemeClr val="dk1"/>
+    </dgm:txFillClrLst>
+    <dgm:txEffectClrLst/>
+  </dgm:styleLbl>
+  <dgm:styleLbl name="alignAccFollowNode1">
+    <dgm:fillClrLst meth="repeat">
+      <a:schemeClr val="accent3">
+        <a:alpha val="90000"/>
+        <a:tint val="55000"/>
+      </a:schemeClr>
+    </dgm:fillClrLst>
+    <dgm:linClrLst meth="repeat">
+      <a:schemeClr val="accent3">
+        <a:alpha val="90000"/>
+        <a:tint val="55000"/>
+      </a:schemeClr>
+    </dgm:linClrLst>
+    <dgm:effectClrLst/>
+    <dgm:txLinClrLst/>
+    <dgm:txFillClrLst meth="repeat">
+      <a:schemeClr val="dk1"/>
+    </dgm:txFillClrLst>
+    <dgm:txEffectClrLst/>
+  </dgm:styleLbl>
+  <dgm:styleLbl name="bgAccFollowNode1">
+    <dgm:fillClrLst meth="repeat">
+      <a:schemeClr val="accent3">
+        <a:alpha val="90000"/>
+        <a:tint val="55000"/>
+      </a:schemeClr>
+    </dgm:fillClrLst>
+    <dgm:linClrLst meth="repeat">
+      <a:schemeClr val="lt1"/>
+    </dgm:linClrLst>
+    <dgm:effectClrLst/>
+    <dgm:txLinClrLst/>
+    <dgm:txFillClrLst meth="repeat">
+      <a:schemeClr val="dk1"/>
+    </dgm:txFillClrLst>
+    <dgm:txEffectClrLst/>
+  </dgm:styleLbl>
+  <dgm:styleLbl name="fgAcc0">
+    <dgm:fillClrLst meth="repeat">
+      <a:schemeClr val="lt1">
+        <a:alpha val="90000"/>
+      </a:schemeClr>
+    </dgm:fillClrLst>
+    <dgm:linClrLst meth="repeat">
+      <a:schemeClr val="accent3">
+        <a:shade val="80000"/>
+      </a:schemeClr>
+    </dgm:linClrLst>
+    <dgm:effectClrLst/>
+    <dgm:txLinClrLst/>
+    <dgm:txFillClrLst meth="repeat">
+      <a:schemeClr val="dk1"/>
+    </dgm:txFillClrLst>
+    <dgm:txEffectClrLst/>
+  </dgm:styleLbl>
+  <dgm:styleLbl name="fgAcc2">
+    <dgm:fillClrLst meth="repeat">
+      <a:schemeClr val="lt1">
+        <a:alpha val="90000"/>
+      </a:schemeClr>
+    </dgm:fillClrLst>
+    <dgm:linClrLst meth="repeat">
+      <a:schemeClr val="accent3">
+        <a:tint val="90000"/>
+      </a:schemeClr>
+    </dgm:linClrLst>
+    <dgm:effectClrLst/>
+    <dgm:txLinClrLst/>
+    <dgm:txFillClrLst meth="repeat">
+      <a:schemeClr val="dk1"/>
+    </dgm:txFillClrLst>
+    <dgm:txEffectClrLst/>
+  </dgm:styleLbl>
+  <dgm:styleLbl name="fgAcc3">
+    <dgm:fillClrLst meth="repeat">
+      <a:schemeClr val="lt1">
+        <a:alpha val="90000"/>
+      </a:schemeClr>
+    </dgm:fillClrLst>
+    <dgm:linClrLst meth="repeat">
+      <a:schemeClr val="accent3">
+        <a:tint val="70000"/>
+      </a:schemeClr>
+    </dgm:linClrLst>
+    <dgm:effectClrLst/>
+    <dgm:txLinClrLst/>
+    <dgm:txFillClrLst meth="repeat">
+      <a:schemeClr val="dk1"/>
+    </dgm:txFillClrLst>
+    <dgm:txEffectClrLst/>
+  </dgm:styleLbl>
+  <dgm:styleLbl name="fgAcc4">
+    <dgm:fillClrLst meth="repeat">
+      <a:schemeClr val="lt1">
+        <a:alpha val="90000"/>
+      </a:schemeClr>
+    </dgm:fillClrLst>
+    <dgm:linClrLst meth="repeat">
+      <a:schemeClr val="accent3">
+        <a:tint val="50000"/>
+      </a:schemeClr>
+    </dgm:linClrLst>
+    <dgm:effectClrLst/>
+    <dgm:txLinClrLst/>
+    <dgm:txFillClrLst meth="repeat">
+      <a:schemeClr val="dk1"/>
+    </dgm:txFillClrLst>
+    <dgm:txEffectClrLst/>
+  </dgm:styleLbl>
+  <dgm:styleLbl name="bgShp">
+    <dgm:fillClrLst meth="repeat">
+      <a:schemeClr val="accent3">
+        <a:tint val="55000"/>
+      </a:schemeClr>
+    </dgm:fillClrLst>
+    <dgm:linClrLst meth="repeat">
+      <a:schemeClr val="dk1"/>
+    </dgm:linClrLst>
+    <dgm:effectClrLst/>
+    <dgm:txLinClrLst/>
+    <dgm:txFillClrLst meth="repeat">
+      <a:schemeClr val="dk1"/>
+    </dgm:txFillClrLst>
+    <dgm:txEffectClrLst/>
+  </dgm:styleLbl>
+  <dgm:styleLbl name="dkBgShp">
+    <dgm:fillClrLst meth="repeat">
+      <a:schemeClr val="accent3">
+        <a:shade val="90000"/>
+      </a:schemeClr>
+    </dgm:fillClrLst>
+    <dgm:linClrLst meth="repeat">
+      <a:schemeClr val="dk1"/>
+    </dgm:linClrLst>
+    <dgm:effectClrLst/>
+    <dgm:txLinClrLst/>
+    <dgm:txFillClrLst meth="repeat">
+      <a:schemeClr val="lt1"/>
+    </dgm:txFillClrLst>
+    <dgm:txEffectClrLst/>
+  </dgm:styleLbl>
+  <dgm:styleLbl name="trBgShp">
+    <dgm:fillClrLst meth="repeat">
+      <a:schemeClr val="accent3">
+        <a:tint val="50000"/>
+        <a:alpha val="55000"/>
+      </a:schemeClr>
+    </dgm:fillClrLst>
+    <dgm:linClrLst meth="repeat">
+      <a:schemeClr val="accent3"/>
+    </dgm:linClrLst>
+    <dgm:effectClrLst/>
+    <dgm:txLinClrLst/>
+    <dgm:txFillClrLst meth="repeat">
+      <a:schemeClr val="lt1"/>
+    </dgm:txFillClrLst>
+    <dgm:txEffectClrLst/>
+  </dgm:styleLbl>
+  <dgm:styleLbl name="fgShp">
+    <dgm:fillClrLst meth="repeat">
+      <a:schemeClr val="accent3">
+        <a:tint val="55000"/>
+      </a:schemeClr>
+    </dgm:fillClrLst>
+    <dgm:linClrLst meth="repeat">
+      <a:schemeClr val="lt1"/>
+    </dgm:linClrLst>
+    <dgm:effectClrLst/>
+    <dgm:txLinClrLst/>
+    <dgm:txFillClrLst meth="repeat">
+      <a:schemeClr val="dk1"/>
+    </dgm:txFillClrLst>
+    <dgm:txEffectClrLst/>
+  </dgm:styleLbl>
+  <dgm:styleLbl name="revTx">
+    <dgm:fillClrLst meth="repeat">
+      <a:schemeClr val="lt1">
+        <a:alpha val="0"/>
+      </a:schemeClr>
+    </dgm:fillClrLst>
+    <dgm:linClrLst meth="repeat">
+      <a:schemeClr val="dk1">
+        <a:alpha val="0"/>
+      </a:schemeClr>
+    </dgm:linClrLst>
+    <dgm:effectClrLst/>
+    <dgm:txLinClrLst/>
+    <dgm:txFillClrLst meth="repeat">
+      <a:schemeClr val="tx1"/>
+    </dgm:txFillClrLst>
+    <dgm:txEffectClrLst/>
+  </dgm:styleLbl>
+</dgm:colorsDef>
+</file>
+
+<file path=ppt/diagrams/data1.xml><?xml version="1.0" encoding="utf-8"?>
+<dgm:dataModel xmlns:dgm="http://schemas.openxmlformats.org/drawingml/2006/diagram" xmlns:a="http://schemas.openxmlformats.org/drawingml/2006/main">
+  <dgm:ptLst>
+    <dgm:pt modelId="{F2F178BE-0C8B-40E1-B481-41B29227A101}" type="doc">
+      <dgm:prSet loTypeId="urn:microsoft.com/office/officeart/2005/8/layout/orgChart1" loCatId="hierarchy" qsTypeId="urn:microsoft.com/office/officeart/2005/8/quickstyle/simple1" qsCatId="simple" csTypeId="urn:microsoft.com/office/officeart/2005/8/colors/accent3_4" csCatId="accent3" phldr="1"/>
+      <dgm:spPr/>
+      <dgm:t>
+        <a:bodyPr/>
+        <a:lstStyle/>
+        <a:p>
+          <a:endParaRPr lang="en-US"/>
+        </a:p>
+      </dgm:t>
+    </dgm:pt>
+    <dgm:pt modelId="{09EFDA44-C03D-482C-8D9A-3BCAD5E9FAA2}">
+      <dgm:prSet phldrT="[Text]" custT="1"/>
+      <dgm:spPr>
+        <a:solidFill>
+          <a:schemeClr val="bg1">
+            <a:lumMod val="65000"/>
+            <a:lumOff val="35000"/>
+          </a:schemeClr>
+        </a:solidFill>
+      </dgm:spPr>
+      <dgm:t>
+        <a:bodyPr/>
+        <a:lstStyle/>
+        <a:p>
+          <a:r>
+            <a:rPr lang="en-US" sz="2400" dirty="0" smtClean="0">
+              <a:latin typeface="Algerian" panose="04020705040A02060702" pitchFamily="82" charset="0"/>
+            </a:rPr>
+            <a:t>Pieces</a:t>
+          </a:r>
+          <a:endParaRPr lang="en-US" sz="2400" dirty="0">
+            <a:latin typeface="Algerian" panose="04020705040A02060702" pitchFamily="82" charset="0"/>
+          </a:endParaRPr>
+        </a:p>
+      </dgm:t>
+    </dgm:pt>
+    <dgm:pt modelId="{6917E1BC-8685-494A-9905-F1B45A73BC86}" type="parTrans" cxnId="{9471A5BF-8C8C-4B48-AB84-156B75C40129}">
+      <dgm:prSet/>
+      <dgm:spPr/>
+      <dgm:t>
+        <a:bodyPr/>
+        <a:lstStyle/>
+        <a:p>
+          <a:endParaRPr lang="en-US" sz="400">
+            <a:latin typeface="Algerian" panose="04020705040A02060702" pitchFamily="82" charset="0"/>
+          </a:endParaRPr>
+        </a:p>
+      </dgm:t>
+    </dgm:pt>
+    <dgm:pt modelId="{C71FA7EC-4AFE-419E-9760-17580CA44992}" type="sibTrans" cxnId="{9471A5BF-8C8C-4B48-AB84-156B75C40129}">
+      <dgm:prSet/>
+      <dgm:spPr/>
+      <dgm:t>
+        <a:bodyPr/>
+        <a:lstStyle/>
+        <a:p>
+          <a:endParaRPr lang="en-US" sz="400">
+            <a:latin typeface="Algerian" panose="04020705040A02060702" pitchFamily="82" charset="0"/>
+          </a:endParaRPr>
+        </a:p>
+      </dgm:t>
+    </dgm:pt>
+    <dgm:pt modelId="{0A22099F-AA05-4C1E-8EA6-BE32E3DC285F}">
+      <dgm:prSet phldrT="[Text]" custT="1"/>
+      <dgm:spPr/>
+      <dgm:t>
+        <a:bodyPr/>
+        <a:lstStyle/>
+        <a:p>
+          <a:r>
+            <a:rPr lang="en-US" sz="1600" dirty="0" smtClean="0">
+              <a:latin typeface="Algerian" panose="04020705040A02060702" pitchFamily="82" charset="0"/>
+            </a:rPr>
+            <a:t>Bishop</a:t>
+          </a:r>
+          <a:endParaRPr lang="en-US" sz="1600" dirty="0">
+            <a:latin typeface="Algerian" panose="04020705040A02060702" pitchFamily="82" charset="0"/>
+          </a:endParaRPr>
+        </a:p>
+      </dgm:t>
+    </dgm:pt>
+    <dgm:pt modelId="{93A17517-A907-433E-8AD7-1B2843E9081A}" type="parTrans" cxnId="{49D9C46A-EED6-47AB-8C91-E3255C82BA26}">
+      <dgm:prSet/>
+      <dgm:spPr/>
+      <dgm:t>
+        <a:bodyPr/>
+        <a:lstStyle/>
+        <a:p>
+          <a:endParaRPr lang="en-US" sz="400">
+            <a:latin typeface="Algerian" panose="04020705040A02060702" pitchFamily="82" charset="0"/>
+          </a:endParaRPr>
+        </a:p>
+      </dgm:t>
+    </dgm:pt>
+    <dgm:pt modelId="{0AAC67B5-81A1-4186-8A57-88004EDB31C1}" type="sibTrans" cxnId="{49D9C46A-EED6-47AB-8C91-E3255C82BA26}">
+      <dgm:prSet/>
+      <dgm:spPr/>
+      <dgm:t>
+        <a:bodyPr/>
+        <a:lstStyle/>
+        <a:p>
+          <a:endParaRPr lang="en-US" sz="400">
+            <a:latin typeface="Algerian" panose="04020705040A02060702" pitchFamily="82" charset="0"/>
+          </a:endParaRPr>
+        </a:p>
+      </dgm:t>
+    </dgm:pt>
+    <dgm:pt modelId="{944D2394-F00D-48E8-A7A2-80295C18C6B0}">
+      <dgm:prSet phldrT="[Text]" custT="1"/>
+      <dgm:spPr/>
+      <dgm:t>
+        <a:bodyPr/>
+        <a:lstStyle/>
+        <a:p>
+          <a:r>
+            <a:rPr lang="en-US" sz="1600" dirty="0" smtClean="0">
+              <a:latin typeface="Algerian" panose="04020705040A02060702" pitchFamily="82" charset="0"/>
+            </a:rPr>
+            <a:t>King</a:t>
+          </a:r>
+          <a:endParaRPr lang="en-US" sz="1600" dirty="0">
+            <a:latin typeface="Algerian" panose="04020705040A02060702" pitchFamily="82" charset="0"/>
+          </a:endParaRPr>
+        </a:p>
+      </dgm:t>
+    </dgm:pt>
+    <dgm:pt modelId="{4F3E24BA-FE54-475C-AD50-53D309A6C16A}" type="parTrans" cxnId="{41218D2B-B6D9-4D66-93B2-48C10AA91EE4}">
+      <dgm:prSet/>
+      <dgm:spPr/>
+      <dgm:t>
+        <a:bodyPr/>
+        <a:lstStyle/>
+        <a:p>
+          <a:endParaRPr lang="en-US" sz="400">
+            <a:latin typeface="Algerian" panose="04020705040A02060702" pitchFamily="82" charset="0"/>
+          </a:endParaRPr>
+        </a:p>
+      </dgm:t>
+    </dgm:pt>
+    <dgm:pt modelId="{D09E3032-2BC7-4F55-A547-9F3CC457394B}" type="sibTrans" cxnId="{41218D2B-B6D9-4D66-93B2-48C10AA91EE4}">
+      <dgm:prSet/>
+      <dgm:spPr/>
+      <dgm:t>
+        <a:bodyPr/>
+        <a:lstStyle/>
+        <a:p>
+          <a:endParaRPr lang="en-US" sz="400">
+            <a:latin typeface="Algerian" panose="04020705040A02060702" pitchFamily="82" charset="0"/>
+          </a:endParaRPr>
+        </a:p>
+      </dgm:t>
+    </dgm:pt>
+    <dgm:pt modelId="{F1C4BB12-6960-4CFC-B4D3-5963B33FB456}">
+      <dgm:prSet phldrT="[Text]" custT="1"/>
+      <dgm:spPr/>
+      <dgm:t>
+        <a:bodyPr/>
+        <a:lstStyle/>
+        <a:p>
+          <a:r>
+            <a:rPr lang="en-US" sz="1600" dirty="0" smtClean="0">
+              <a:latin typeface="Algerian" panose="04020705040A02060702" pitchFamily="82" charset="0"/>
+            </a:rPr>
+            <a:t>L(R)</a:t>
+          </a:r>
+          <a:r>
+            <a:rPr lang="en-US" sz="1600" dirty="0" err="1" smtClean="0">
+              <a:latin typeface="Algerian" panose="04020705040A02060702" pitchFamily="82" charset="0"/>
+            </a:rPr>
+            <a:t>ook</a:t>
+          </a:r>
+          <a:endParaRPr lang="en-US" sz="1600" dirty="0">
+            <a:latin typeface="Algerian" panose="04020705040A02060702" pitchFamily="82" charset="0"/>
+          </a:endParaRPr>
+        </a:p>
+      </dgm:t>
+    </dgm:pt>
+    <dgm:pt modelId="{00C13C7A-3552-4F8E-8BE8-50ADD0DE0ACA}" type="parTrans" cxnId="{B938411B-FD2F-44AD-A2BA-608A91CD0D23}">
+      <dgm:prSet/>
+      <dgm:spPr/>
+      <dgm:t>
+        <a:bodyPr/>
+        <a:lstStyle/>
+        <a:p>
+          <a:endParaRPr lang="en-US" sz="400">
+            <a:latin typeface="Algerian" panose="04020705040A02060702" pitchFamily="82" charset="0"/>
+          </a:endParaRPr>
+        </a:p>
+      </dgm:t>
+    </dgm:pt>
+    <dgm:pt modelId="{8B0E3A76-6BE9-4BCC-977B-0148B9AAAEE9}" type="sibTrans" cxnId="{B938411B-FD2F-44AD-A2BA-608A91CD0D23}">
+      <dgm:prSet/>
+      <dgm:spPr/>
+      <dgm:t>
+        <a:bodyPr/>
+        <a:lstStyle/>
+        <a:p>
+          <a:endParaRPr lang="en-US" sz="400">
+            <a:latin typeface="Algerian" panose="04020705040A02060702" pitchFamily="82" charset="0"/>
+          </a:endParaRPr>
+        </a:p>
+      </dgm:t>
+    </dgm:pt>
+    <dgm:pt modelId="{6CED97D0-A1AF-4C0D-8180-C507D7931F13}">
+      <dgm:prSet phldrT="[Text]" custT="1"/>
+      <dgm:spPr/>
+      <dgm:t>
+        <a:bodyPr/>
+        <a:lstStyle/>
+        <a:p>
+          <a:r>
+            <a:rPr lang="en-US" sz="1600" dirty="0" smtClean="0">
+              <a:latin typeface="Algerian" panose="04020705040A02060702" pitchFamily="82" charset="0"/>
+            </a:rPr>
+            <a:t>Knight</a:t>
+          </a:r>
+          <a:endParaRPr lang="en-US" sz="1600" dirty="0">
+            <a:latin typeface="Algerian" panose="04020705040A02060702" pitchFamily="82" charset="0"/>
+          </a:endParaRPr>
+        </a:p>
+      </dgm:t>
+    </dgm:pt>
+    <dgm:pt modelId="{7E9CDB11-5058-4486-AFDB-0684D922A654}" type="parTrans" cxnId="{6DE5C2E1-911C-4791-B6CE-31C426E489CD}">
+      <dgm:prSet/>
+      <dgm:spPr/>
+      <dgm:t>
+        <a:bodyPr/>
+        <a:lstStyle/>
+        <a:p>
+          <a:endParaRPr lang="en-US" sz="1050">
+            <a:latin typeface="Algerian" panose="04020705040A02060702" pitchFamily="82" charset="0"/>
+          </a:endParaRPr>
+        </a:p>
+      </dgm:t>
+    </dgm:pt>
+    <dgm:pt modelId="{98BBBA78-C4B1-469F-B6A1-EC53C8D22B91}" type="sibTrans" cxnId="{6DE5C2E1-911C-4791-B6CE-31C426E489CD}">
+      <dgm:prSet/>
+      <dgm:spPr/>
+      <dgm:t>
+        <a:bodyPr/>
+        <a:lstStyle/>
+        <a:p>
+          <a:endParaRPr lang="en-US" sz="1050">
+            <a:latin typeface="Algerian" panose="04020705040A02060702" pitchFamily="82" charset="0"/>
+          </a:endParaRPr>
+        </a:p>
+      </dgm:t>
+    </dgm:pt>
+    <dgm:pt modelId="{97978136-BC51-4981-90BF-11C4F21D8B06}">
+      <dgm:prSet phldrT="[Text]" custT="1"/>
+      <dgm:spPr/>
+      <dgm:t>
+        <a:bodyPr/>
+        <a:lstStyle/>
+        <a:p>
+          <a:r>
+            <a:rPr lang="en-US" sz="1600" dirty="0" smtClean="0">
+              <a:latin typeface="Algerian" panose="04020705040A02060702" pitchFamily="82" charset="0"/>
+            </a:rPr>
+            <a:t>Queen</a:t>
+          </a:r>
+          <a:endParaRPr lang="en-US" sz="1600" dirty="0">
+            <a:latin typeface="Algerian" panose="04020705040A02060702" pitchFamily="82" charset="0"/>
+          </a:endParaRPr>
+        </a:p>
+      </dgm:t>
+    </dgm:pt>
+    <dgm:pt modelId="{33B2CCA2-A001-41CC-B63C-14365D57532F}" type="parTrans" cxnId="{E8887CC6-DB00-42F8-B884-9C39E4F01139}">
+      <dgm:prSet/>
+      <dgm:spPr/>
+      <dgm:t>
+        <a:bodyPr/>
+        <a:lstStyle/>
+        <a:p>
+          <a:endParaRPr lang="en-US" sz="1050">
+            <a:latin typeface="Algerian" panose="04020705040A02060702" pitchFamily="82" charset="0"/>
+          </a:endParaRPr>
+        </a:p>
+      </dgm:t>
+    </dgm:pt>
+    <dgm:pt modelId="{09F02FB4-D8BA-4ABA-A0CA-86895AD235C4}" type="sibTrans" cxnId="{E8887CC6-DB00-42F8-B884-9C39E4F01139}">
+      <dgm:prSet/>
+      <dgm:spPr/>
+      <dgm:t>
+        <a:bodyPr/>
+        <a:lstStyle/>
+        <a:p>
+          <a:endParaRPr lang="en-US" sz="1050">
+            <a:latin typeface="Algerian" panose="04020705040A02060702" pitchFamily="82" charset="0"/>
+          </a:endParaRPr>
+        </a:p>
+      </dgm:t>
+    </dgm:pt>
+    <dgm:pt modelId="{7D7C0639-8964-421F-A0A2-567F323F7297}">
+      <dgm:prSet phldrT="[Text]" custT="1"/>
+      <dgm:spPr/>
+      <dgm:t>
+        <a:bodyPr/>
+        <a:lstStyle/>
+        <a:p>
+          <a:r>
+            <a:rPr lang="en-US" sz="1600" dirty="0" smtClean="0">
+              <a:latin typeface="Algerian" panose="04020705040A02060702" pitchFamily="82" charset="0"/>
+            </a:rPr>
+            <a:t>Pawn</a:t>
+          </a:r>
+          <a:endParaRPr lang="en-US" sz="1600" dirty="0">
+            <a:latin typeface="Algerian" panose="04020705040A02060702" pitchFamily="82" charset="0"/>
+          </a:endParaRPr>
+        </a:p>
+      </dgm:t>
+    </dgm:pt>
+    <dgm:pt modelId="{11257359-CDF4-446B-B922-70AFAC772C18}" type="parTrans" cxnId="{0DCE5D15-DE6F-4A53-BE60-729FE7BF1303}">
+      <dgm:prSet/>
+      <dgm:spPr/>
+      <dgm:t>
+        <a:bodyPr/>
+        <a:lstStyle/>
+        <a:p>
+          <a:endParaRPr lang="en-US" sz="1050">
+            <a:latin typeface="Algerian" panose="04020705040A02060702" pitchFamily="82" charset="0"/>
+          </a:endParaRPr>
+        </a:p>
+      </dgm:t>
+    </dgm:pt>
+    <dgm:pt modelId="{E1B8090A-89F2-454D-8653-D2972228B477}" type="sibTrans" cxnId="{0DCE5D15-DE6F-4A53-BE60-729FE7BF1303}">
+      <dgm:prSet/>
+      <dgm:spPr/>
+      <dgm:t>
+        <a:bodyPr/>
+        <a:lstStyle/>
+        <a:p>
+          <a:endParaRPr lang="en-US" sz="1050">
+            <a:latin typeface="Algerian" panose="04020705040A02060702" pitchFamily="82" charset="0"/>
+          </a:endParaRPr>
+        </a:p>
+      </dgm:t>
+    </dgm:pt>
+    <dgm:pt modelId="{A6009ADA-8461-4DA4-A752-B50E5E455864}" type="pres">
+      <dgm:prSet presAssocID="{F2F178BE-0C8B-40E1-B481-41B29227A101}" presName="hierChild1" presStyleCnt="0">
+        <dgm:presLayoutVars>
+          <dgm:orgChart val="1"/>
+          <dgm:chPref val="1"/>
+          <dgm:dir/>
+          <dgm:animOne val="branch"/>
+          <dgm:animLvl val="lvl"/>
+          <dgm:resizeHandles/>
+        </dgm:presLayoutVars>
+      </dgm:prSet>
+      <dgm:spPr/>
+    </dgm:pt>
+    <dgm:pt modelId="{14451B00-6941-42B5-9F9D-1B51D8DAD3E4}" type="pres">
+      <dgm:prSet presAssocID="{09EFDA44-C03D-482C-8D9A-3BCAD5E9FAA2}" presName="hierRoot1" presStyleCnt="0">
+        <dgm:presLayoutVars>
+          <dgm:hierBranch val="init"/>
+        </dgm:presLayoutVars>
+      </dgm:prSet>
+      <dgm:spPr/>
+    </dgm:pt>
+    <dgm:pt modelId="{8B096281-5943-4825-AA8B-363A6CFFADCC}" type="pres">
+      <dgm:prSet presAssocID="{09EFDA44-C03D-482C-8D9A-3BCAD5E9FAA2}" presName="rootComposite1" presStyleCnt="0"/>
+      <dgm:spPr/>
+    </dgm:pt>
+    <dgm:pt modelId="{E5F70216-980E-4325-92EF-556BFB62D87B}" type="pres">
+      <dgm:prSet presAssocID="{09EFDA44-C03D-482C-8D9A-3BCAD5E9FAA2}" presName="rootText1" presStyleLbl="node0" presStyleIdx="0" presStyleCnt="1" custScaleX="172830" custScaleY="176277">
+        <dgm:presLayoutVars>
+          <dgm:chPref val="3"/>
+        </dgm:presLayoutVars>
+      </dgm:prSet>
+      <dgm:spPr/>
+      <dgm:t>
+        <a:bodyPr/>
+        <a:lstStyle/>
+        <a:p>
+          <a:endParaRPr lang="en-US"/>
+        </a:p>
+      </dgm:t>
+    </dgm:pt>
+    <dgm:pt modelId="{256897F6-CEE9-47C4-BD03-0B3C1D19DD93}" type="pres">
+      <dgm:prSet presAssocID="{09EFDA44-C03D-482C-8D9A-3BCAD5E9FAA2}" presName="rootConnector1" presStyleLbl="node1" presStyleIdx="0" presStyleCnt="0"/>
+      <dgm:spPr/>
+    </dgm:pt>
+    <dgm:pt modelId="{10014FBD-7E75-4CB4-B6A7-077331DBFF92}" type="pres">
+      <dgm:prSet presAssocID="{09EFDA44-C03D-482C-8D9A-3BCAD5E9FAA2}" presName="hierChild2" presStyleCnt="0"/>
+      <dgm:spPr/>
+    </dgm:pt>
+    <dgm:pt modelId="{215B204D-C63C-4457-8C57-7DD22C6C8CBF}" type="pres">
+      <dgm:prSet presAssocID="{93A17517-A907-433E-8AD7-1B2843E9081A}" presName="Name37" presStyleLbl="parChTrans1D2" presStyleIdx="0" presStyleCnt="6"/>
+      <dgm:spPr/>
+    </dgm:pt>
+    <dgm:pt modelId="{C6C69650-0D70-41CF-8C03-DE21EA4048C1}" type="pres">
+      <dgm:prSet presAssocID="{0A22099F-AA05-4C1E-8EA6-BE32E3DC285F}" presName="hierRoot2" presStyleCnt="0">
+        <dgm:presLayoutVars>
+          <dgm:hierBranch val="init"/>
+        </dgm:presLayoutVars>
+      </dgm:prSet>
+      <dgm:spPr/>
+    </dgm:pt>
+    <dgm:pt modelId="{4AC2AEAA-A556-4657-BA43-1A5D7C0E1F56}" type="pres">
+      <dgm:prSet presAssocID="{0A22099F-AA05-4C1E-8EA6-BE32E3DC285F}" presName="rootComposite" presStyleCnt="0"/>
+      <dgm:spPr/>
+    </dgm:pt>
+    <dgm:pt modelId="{6FE3A98E-B4BA-4ABE-AC8E-1A5F119C494A}" type="pres">
+      <dgm:prSet presAssocID="{0A22099F-AA05-4C1E-8EA6-BE32E3DC285F}" presName="rootText" presStyleLbl="node2" presStyleIdx="0" presStyleCnt="6">
+        <dgm:presLayoutVars>
+          <dgm:chPref val="3"/>
+        </dgm:presLayoutVars>
+      </dgm:prSet>
+      <dgm:spPr/>
+    </dgm:pt>
+    <dgm:pt modelId="{21DE92BB-7016-47C7-933C-51AA22B4A412}" type="pres">
+      <dgm:prSet presAssocID="{0A22099F-AA05-4C1E-8EA6-BE32E3DC285F}" presName="rootConnector" presStyleLbl="node2" presStyleIdx="0" presStyleCnt="6"/>
+      <dgm:spPr/>
+    </dgm:pt>
+    <dgm:pt modelId="{9188C6F5-131C-45E3-9420-6A0892C25A64}" type="pres">
+      <dgm:prSet presAssocID="{0A22099F-AA05-4C1E-8EA6-BE32E3DC285F}" presName="hierChild4" presStyleCnt="0"/>
+      <dgm:spPr/>
+    </dgm:pt>
+    <dgm:pt modelId="{751F88F0-7B38-413B-B3A6-B78F5A79D721}" type="pres">
+      <dgm:prSet presAssocID="{0A22099F-AA05-4C1E-8EA6-BE32E3DC285F}" presName="hierChild5" presStyleCnt="0"/>
+      <dgm:spPr/>
+    </dgm:pt>
+    <dgm:pt modelId="{E4A93F4F-B23D-4A57-A426-43C5358C36C3}" type="pres">
+      <dgm:prSet presAssocID="{4F3E24BA-FE54-475C-AD50-53D309A6C16A}" presName="Name37" presStyleLbl="parChTrans1D2" presStyleIdx="1" presStyleCnt="6"/>
+      <dgm:spPr/>
+    </dgm:pt>
+    <dgm:pt modelId="{D9044937-286F-441E-A9B3-82D0C3D4B0A7}" type="pres">
+      <dgm:prSet presAssocID="{944D2394-F00D-48E8-A7A2-80295C18C6B0}" presName="hierRoot2" presStyleCnt="0">
+        <dgm:presLayoutVars>
+          <dgm:hierBranch val="init"/>
+        </dgm:presLayoutVars>
+      </dgm:prSet>
+      <dgm:spPr/>
+    </dgm:pt>
+    <dgm:pt modelId="{A8FE47B6-E69F-4B1F-9DB6-5EC0DBEDA4CE}" type="pres">
+      <dgm:prSet presAssocID="{944D2394-F00D-48E8-A7A2-80295C18C6B0}" presName="rootComposite" presStyleCnt="0"/>
+      <dgm:spPr/>
+    </dgm:pt>
+    <dgm:pt modelId="{7F6DE1BF-2398-4E2D-9DC8-38FE0B2DE8FC}" type="pres">
+      <dgm:prSet presAssocID="{944D2394-F00D-48E8-A7A2-80295C18C6B0}" presName="rootText" presStyleLbl="node2" presStyleIdx="1" presStyleCnt="6">
+        <dgm:presLayoutVars>
+          <dgm:chPref val="3"/>
+        </dgm:presLayoutVars>
+      </dgm:prSet>
+      <dgm:spPr/>
+    </dgm:pt>
+    <dgm:pt modelId="{7BD44A68-6CA4-45D0-AC86-663A575200BF}" type="pres">
+      <dgm:prSet presAssocID="{944D2394-F00D-48E8-A7A2-80295C18C6B0}" presName="rootConnector" presStyleLbl="node2" presStyleIdx="1" presStyleCnt="6"/>
+      <dgm:spPr/>
+    </dgm:pt>
+    <dgm:pt modelId="{AD37853B-C233-4CC0-9B7B-5F0E81EC422D}" type="pres">
+      <dgm:prSet presAssocID="{944D2394-F00D-48E8-A7A2-80295C18C6B0}" presName="hierChild4" presStyleCnt="0"/>
+      <dgm:spPr/>
+    </dgm:pt>
+    <dgm:pt modelId="{167AD9DC-112F-4A2F-91E9-A86D6558668F}" type="pres">
+      <dgm:prSet presAssocID="{944D2394-F00D-48E8-A7A2-80295C18C6B0}" presName="hierChild5" presStyleCnt="0"/>
+      <dgm:spPr/>
+    </dgm:pt>
+    <dgm:pt modelId="{18AAB7A8-4998-4003-A91C-993F6C63A9B3}" type="pres">
+      <dgm:prSet presAssocID="{7E9CDB11-5058-4486-AFDB-0684D922A654}" presName="Name37" presStyleLbl="parChTrans1D2" presStyleIdx="2" presStyleCnt="6"/>
+      <dgm:spPr/>
+    </dgm:pt>
+    <dgm:pt modelId="{3255F9E5-4F4C-4433-A1F0-C672C4D9A3AA}" type="pres">
+      <dgm:prSet presAssocID="{6CED97D0-A1AF-4C0D-8180-C507D7931F13}" presName="hierRoot2" presStyleCnt="0">
+        <dgm:presLayoutVars>
+          <dgm:hierBranch val="init"/>
+        </dgm:presLayoutVars>
+      </dgm:prSet>
+      <dgm:spPr/>
+    </dgm:pt>
+    <dgm:pt modelId="{3329FEDE-2D59-42C0-93CB-314381A0D4D5}" type="pres">
+      <dgm:prSet presAssocID="{6CED97D0-A1AF-4C0D-8180-C507D7931F13}" presName="rootComposite" presStyleCnt="0"/>
+      <dgm:spPr/>
+    </dgm:pt>
+    <dgm:pt modelId="{FBB520C5-42D0-4CEB-BB24-08130A62C4E2}" type="pres">
+      <dgm:prSet presAssocID="{6CED97D0-A1AF-4C0D-8180-C507D7931F13}" presName="rootText" presStyleLbl="node2" presStyleIdx="2" presStyleCnt="6">
+        <dgm:presLayoutVars>
+          <dgm:chPref val="3"/>
+        </dgm:presLayoutVars>
+      </dgm:prSet>
+      <dgm:spPr/>
+    </dgm:pt>
+    <dgm:pt modelId="{87A6D035-F5DC-409B-A416-D7BAFEFC40D7}" type="pres">
+      <dgm:prSet presAssocID="{6CED97D0-A1AF-4C0D-8180-C507D7931F13}" presName="rootConnector" presStyleLbl="node2" presStyleIdx="2" presStyleCnt="6"/>
+      <dgm:spPr/>
+    </dgm:pt>
+    <dgm:pt modelId="{CA8AD71F-BC09-4CC1-99D7-B486A3C15641}" type="pres">
+      <dgm:prSet presAssocID="{6CED97D0-A1AF-4C0D-8180-C507D7931F13}" presName="hierChild4" presStyleCnt="0"/>
+      <dgm:spPr/>
+    </dgm:pt>
+    <dgm:pt modelId="{E507A9B2-9773-4D9C-B13E-01965AC3D856}" type="pres">
+      <dgm:prSet presAssocID="{6CED97D0-A1AF-4C0D-8180-C507D7931F13}" presName="hierChild5" presStyleCnt="0"/>
+      <dgm:spPr/>
+    </dgm:pt>
+    <dgm:pt modelId="{6934252C-5748-4093-90C7-F061D0DAAD1F}" type="pres">
+      <dgm:prSet presAssocID="{00C13C7A-3552-4F8E-8BE8-50ADD0DE0ACA}" presName="Name37" presStyleLbl="parChTrans1D2" presStyleIdx="3" presStyleCnt="6"/>
+      <dgm:spPr/>
+    </dgm:pt>
+    <dgm:pt modelId="{E62A2D0F-D2E8-4E2D-952A-A658047A6EBF}" type="pres">
+      <dgm:prSet presAssocID="{F1C4BB12-6960-4CFC-B4D3-5963B33FB456}" presName="hierRoot2" presStyleCnt="0">
+        <dgm:presLayoutVars>
+          <dgm:hierBranch val="init"/>
+        </dgm:presLayoutVars>
+      </dgm:prSet>
+      <dgm:spPr/>
+    </dgm:pt>
+    <dgm:pt modelId="{A61552CC-85C9-4147-8830-C7CC67420A08}" type="pres">
+      <dgm:prSet presAssocID="{F1C4BB12-6960-4CFC-B4D3-5963B33FB456}" presName="rootComposite" presStyleCnt="0"/>
+      <dgm:spPr/>
+    </dgm:pt>
+    <dgm:pt modelId="{2A933D65-002C-4C43-8B99-2E44FA789B37}" type="pres">
+      <dgm:prSet presAssocID="{F1C4BB12-6960-4CFC-B4D3-5963B33FB456}" presName="rootText" presStyleLbl="node2" presStyleIdx="3" presStyleCnt="6">
+        <dgm:presLayoutVars>
+          <dgm:chPref val="3"/>
+        </dgm:presLayoutVars>
+      </dgm:prSet>
+      <dgm:spPr/>
+      <dgm:t>
+        <a:bodyPr/>
+        <a:lstStyle/>
+        <a:p>
+          <a:endParaRPr lang="en-US"/>
+        </a:p>
+      </dgm:t>
+    </dgm:pt>
+    <dgm:pt modelId="{9083C3B2-92D1-41D2-9856-5CEF321DD751}" type="pres">
+      <dgm:prSet presAssocID="{F1C4BB12-6960-4CFC-B4D3-5963B33FB456}" presName="rootConnector" presStyleLbl="node2" presStyleIdx="3" presStyleCnt="6"/>
+      <dgm:spPr/>
+    </dgm:pt>
+    <dgm:pt modelId="{317D1327-B85A-4149-8116-3BB5FE1FB22D}" type="pres">
+      <dgm:prSet presAssocID="{F1C4BB12-6960-4CFC-B4D3-5963B33FB456}" presName="hierChild4" presStyleCnt="0"/>
+      <dgm:spPr/>
+    </dgm:pt>
+    <dgm:pt modelId="{57B0E4EF-F216-41B2-8DD9-4F956B8F0997}" type="pres">
+      <dgm:prSet presAssocID="{F1C4BB12-6960-4CFC-B4D3-5963B33FB456}" presName="hierChild5" presStyleCnt="0"/>
+      <dgm:spPr/>
+    </dgm:pt>
+    <dgm:pt modelId="{7FBD0CAC-341E-4E9A-A89F-0A9CB46BF04D}" type="pres">
+      <dgm:prSet presAssocID="{33B2CCA2-A001-41CC-B63C-14365D57532F}" presName="Name37" presStyleLbl="parChTrans1D2" presStyleIdx="4" presStyleCnt="6"/>
+      <dgm:spPr/>
+    </dgm:pt>
+    <dgm:pt modelId="{BB3CE19A-3FB4-47FE-BB34-462E018E984F}" type="pres">
+      <dgm:prSet presAssocID="{97978136-BC51-4981-90BF-11C4F21D8B06}" presName="hierRoot2" presStyleCnt="0">
+        <dgm:presLayoutVars>
+          <dgm:hierBranch val="init"/>
+        </dgm:presLayoutVars>
+      </dgm:prSet>
+      <dgm:spPr/>
+    </dgm:pt>
+    <dgm:pt modelId="{32A092B9-F243-46B1-9D9D-2165CF8463C1}" type="pres">
+      <dgm:prSet presAssocID="{97978136-BC51-4981-90BF-11C4F21D8B06}" presName="rootComposite" presStyleCnt="0"/>
+      <dgm:spPr/>
+    </dgm:pt>
+    <dgm:pt modelId="{33D61F9F-F61A-43F3-A4D9-1FE15407D034}" type="pres">
+      <dgm:prSet presAssocID="{97978136-BC51-4981-90BF-11C4F21D8B06}" presName="rootText" presStyleLbl="node2" presStyleIdx="4" presStyleCnt="6">
+        <dgm:presLayoutVars>
+          <dgm:chPref val="3"/>
+        </dgm:presLayoutVars>
+      </dgm:prSet>
+      <dgm:spPr/>
+      <dgm:t>
+        <a:bodyPr/>
+        <a:lstStyle/>
+        <a:p>
+          <a:endParaRPr lang="en-US"/>
+        </a:p>
+      </dgm:t>
+    </dgm:pt>
+    <dgm:pt modelId="{5C76DCFF-A5AB-470A-BAB4-ABEA8B5F5F8E}" type="pres">
+      <dgm:prSet presAssocID="{97978136-BC51-4981-90BF-11C4F21D8B06}" presName="rootConnector" presStyleLbl="node2" presStyleIdx="4" presStyleCnt="6"/>
+      <dgm:spPr/>
+    </dgm:pt>
+    <dgm:pt modelId="{D9CF1AC7-E899-4162-A0DA-437200237F4C}" type="pres">
+      <dgm:prSet presAssocID="{97978136-BC51-4981-90BF-11C4F21D8B06}" presName="hierChild4" presStyleCnt="0"/>
+      <dgm:spPr/>
+    </dgm:pt>
+    <dgm:pt modelId="{562CED9D-A151-4013-BB1C-6862FD272288}" type="pres">
+      <dgm:prSet presAssocID="{97978136-BC51-4981-90BF-11C4F21D8B06}" presName="hierChild5" presStyleCnt="0"/>
+      <dgm:spPr/>
+    </dgm:pt>
+    <dgm:pt modelId="{A40CC5F2-3B0D-41CD-9846-8DA54221BCFF}" type="pres">
+      <dgm:prSet presAssocID="{11257359-CDF4-446B-B922-70AFAC772C18}" presName="Name37" presStyleLbl="parChTrans1D2" presStyleIdx="5" presStyleCnt="6"/>
+      <dgm:spPr/>
+    </dgm:pt>
+    <dgm:pt modelId="{76B92CAD-1279-4C34-AF7D-66123724AB0D}" type="pres">
+      <dgm:prSet presAssocID="{7D7C0639-8964-421F-A0A2-567F323F7297}" presName="hierRoot2" presStyleCnt="0">
+        <dgm:presLayoutVars>
+          <dgm:hierBranch val="init"/>
+        </dgm:presLayoutVars>
+      </dgm:prSet>
+      <dgm:spPr/>
+    </dgm:pt>
+    <dgm:pt modelId="{26D3D78B-5F11-4D6F-BF59-4BCD9EE1846D}" type="pres">
+      <dgm:prSet presAssocID="{7D7C0639-8964-421F-A0A2-567F323F7297}" presName="rootComposite" presStyleCnt="0"/>
+      <dgm:spPr/>
+    </dgm:pt>
+    <dgm:pt modelId="{8CF49661-5F5F-4270-9D88-3468946FE232}" type="pres">
+      <dgm:prSet presAssocID="{7D7C0639-8964-421F-A0A2-567F323F7297}" presName="rootText" presStyleLbl="node2" presStyleIdx="5" presStyleCnt="6">
+        <dgm:presLayoutVars>
+          <dgm:chPref val="3"/>
+        </dgm:presLayoutVars>
+      </dgm:prSet>
+      <dgm:spPr/>
+    </dgm:pt>
+    <dgm:pt modelId="{4EBE6F6C-43A9-4595-A0DC-CB315D99D8B7}" type="pres">
+      <dgm:prSet presAssocID="{7D7C0639-8964-421F-A0A2-567F323F7297}" presName="rootConnector" presStyleLbl="node2" presStyleIdx="5" presStyleCnt="6"/>
+      <dgm:spPr/>
+    </dgm:pt>
+    <dgm:pt modelId="{5C6F29DE-9060-4CB9-88A9-6CA8295AA8FD}" type="pres">
+      <dgm:prSet presAssocID="{7D7C0639-8964-421F-A0A2-567F323F7297}" presName="hierChild4" presStyleCnt="0"/>
+      <dgm:spPr/>
+    </dgm:pt>
+    <dgm:pt modelId="{7B47A020-651D-4584-BC23-CB3D94618CBE}" type="pres">
+      <dgm:prSet presAssocID="{7D7C0639-8964-421F-A0A2-567F323F7297}" presName="hierChild5" presStyleCnt="0"/>
+      <dgm:spPr/>
+    </dgm:pt>
+    <dgm:pt modelId="{920EB183-2CB8-4778-A6D1-A2FF6E086D5B}" type="pres">
+      <dgm:prSet presAssocID="{09EFDA44-C03D-482C-8D9A-3BCAD5E9FAA2}" presName="hierChild3" presStyleCnt="0"/>
+      <dgm:spPr/>
+    </dgm:pt>
+  </dgm:ptLst>
+  <dgm:cxnLst>
+    <dgm:cxn modelId="{E8887CC6-DB00-42F8-B884-9C39E4F01139}" srcId="{09EFDA44-C03D-482C-8D9A-3BCAD5E9FAA2}" destId="{97978136-BC51-4981-90BF-11C4F21D8B06}" srcOrd="4" destOrd="0" parTransId="{33B2CCA2-A001-41CC-B63C-14365D57532F}" sibTransId="{09F02FB4-D8BA-4ABA-A0CA-86895AD235C4}"/>
+    <dgm:cxn modelId="{3688F828-F4FC-442B-96FB-C6A85B113829}" type="presOf" srcId="{6CED97D0-A1AF-4C0D-8180-C507D7931F13}" destId="{FBB520C5-42D0-4CEB-BB24-08130A62C4E2}" srcOrd="0" destOrd="0" presId="urn:microsoft.com/office/officeart/2005/8/layout/orgChart1"/>
+    <dgm:cxn modelId="{B7A22DFF-7057-41E4-9386-C325830A9257}" type="presOf" srcId="{F1C4BB12-6960-4CFC-B4D3-5963B33FB456}" destId="{9083C3B2-92D1-41D2-9856-5CEF321DD751}" srcOrd="1" destOrd="0" presId="urn:microsoft.com/office/officeart/2005/8/layout/orgChart1"/>
+    <dgm:cxn modelId="{B938411B-FD2F-44AD-A2BA-608A91CD0D23}" srcId="{09EFDA44-C03D-482C-8D9A-3BCAD5E9FAA2}" destId="{F1C4BB12-6960-4CFC-B4D3-5963B33FB456}" srcOrd="3" destOrd="0" parTransId="{00C13C7A-3552-4F8E-8BE8-50ADD0DE0ACA}" sibTransId="{8B0E3A76-6BE9-4BCC-977B-0148B9AAAEE9}"/>
+    <dgm:cxn modelId="{0069E9B2-EC40-4E48-A7E4-9612BFB3383C}" type="presOf" srcId="{93A17517-A907-433E-8AD7-1B2843E9081A}" destId="{215B204D-C63C-4457-8C57-7DD22C6C8CBF}" srcOrd="0" destOrd="0" presId="urn:microsoft.com/office/officeart/2005/8/layout/orgChart1"/>
+    <dgm:cxn modelId="{8CCE2BAB-8A9F-47E4-9FA5-E939D0D2E9AB}" type="presOf" srcId="{09EFDA44-C03D-482C-8D9A-3BCAD5E9FAA2}" destId="{256897F6-CEE9-47C4-BD03-0B3C1D19DD93}" srcOrd="1" destOrd="0" presId="urn:microsoft.com/office/officeart/2005/8/layout/orgChart1"/>
+    <dgm:cxn modelId="{E0EB2F2A-E0B0-4BDE-8D19-5D671ED2C200}" type="presOf" srcId="{97978136-BC51-4981-90BF-11C4F21D8B06}" destId="{33D61F9F-F61A-43F3-A4D9-1FE15407D034}" srcOrd="0" destOrd="0" presId="urn:microsoft.com/office/officeart/2005/8/layout/orgChart1"/>
+    <dgm:cxn modelId="{0DCE5D15-DE6F-4A53-BE60-729FE7BF1303}" srcId="{09EFDA44-C03D-482C-8D9A-3BCAD5E9FAA2}" destId="{7D7C0639-8964-421F-A0A2-567F323F7297}" srcOrd="5" destOrd="0" parTransId="{11257359-CDF4-446B-B922-70AFAC772C18}" sibTransId="{E1B8090A-89F2-454D-8653-D2972228B477}"/>
+    <dgm:cxn modelId="{0D125ABC-A445-41C3-A915-B1F137620DFE}" type="presOf" srcId="{F2F178BE-0C8B-40E1-B481-41B29227A101}" destId="{A6009ADA-8461-4DA4-A752-B50E5E455864}" srcOrd="0" destOrd="0" presId="urn:microsoft.com/office/officeart/2005/8/layout/orgChart1"/>
+    <dgm:cxn modelId="{EC0028A4-76F6-4F9B-9761-CA67AF645906}" type="presOf" srcId="{0A22099F-AA05-4C1E-8EA6-BE32E3DC285F}" destId="{6FE3A98E-B4BA-4ABE-AC8E-1A5F119C494A}" srcOrd="0" destOrd="0" presId="urn:microsoft.com/office/officeart/2005/8/layout/orgChart1"/>
+    <dgm:cxn modelId="{45EEF49F-3822-4184-B928-E2BDB4C1827C}" type="presOf" srcId="{7D7C0639-8964-421F-A0A2-567F323F7297}" destId="{8CF49661-5F5F-4270-9D88-3468946FE232}" srcOrd="0" destOrd="0" presId="urn:microsoft.com/office/officeart/2005/8/layout/orgChart1"/>
+    <dgm:cxn modelId="{9471A5BF-8C8C-4B48-AB84-156B75C40129}" srcId="{F2F178BE-0C8B-40E1-B481-41B29227A101}" destId="{09EFDA44-C03D-482C-8D9A-3BCAD5E9FAA2}" srcOrd="0" destOrd="0" parTransId="{6917E1BC-8685-494A-9905-F1B45A73BC86}" sibTransId="{C71FA7EC-4AFE-419E-9760-17580CA44992}"/>
+    <dgm:cxn modelId="{7D5151BD-7528-4324-AFEA-B21D477349FC}" type="presOf" srcId="{4F3E24BA-FE54-475C-AD50-53D309A6C16A}" destId="{E4A93F4F-B23D-4A57-A426-43C5358C36C3}" srcOrd="0" destOrd="0" presId="urn:microsoft.com/office/officeart/2005/8/layout/orgChart1"/>
+    <dgm:cxn modelId="{6DE5C2E1-911C-4791-B6CE-31C426E489CD}" srcId="{09EFDA44-C03D-482C-8D9A-3BCAD5E9FAA2}" destId="{6CED97D0-A1AF-4C0D-8180-C507D7931F13}" srcOrd="2" destOrd="0" parTransId="{7E9CDB11-5058-4486-AFDB-0684D922A654}" sibTransId="{98BBBA78-C4B1-469F-B6A1-EC53C8D22B91}"/>
+    <dgm:cxn modelId="{49D9C46A-EED6-47AB-8C91-E3255C82BA26}" srcId="{09EFDA44-C03D-482C-8D9A-3BCAD5E9FAA2}" destId="{0A22099F-AA05-4C1E-8EA6-BE32E3DC285F}" srcOrd="0" destOrd="0" parTransId="{93A17517-A907-433E-8AD7-1B2843E9081A}" sibTransId="{0AAC67B5-81A1-4186-8A57-88004EDB31C1}"/>
+    <dgm:cxn modelId="{6A7372EB-1497-4C7B-B3D1-DF8F4EDA066A}" type="presOf" srcId="{6CED97D0-A1AF-4C0D-8180-C507D7931F13}" destId="{87A6D035-F5DC-409B-A416-D7BAFEFC40D7}" srcOrd="1" destOrd="0" presId="urn:microsoft.com/office/officeart/2005/8/layout/orgChart1"/>
+    <dgm:cxn modelId="{41218D2B-B6D9-4D66-93B2-48C10AA91EE4}" srcId="{09EFDA44-C03D-482C-8D9A-3BCAD5E9FAA2}" destId="{944D2394-F00D-48E8-A7A2-80295C18C6B0}" srcOrd="1" destOrd="0" parTransId="{4F3E24BA-FE54-475C-AD50-53D309A6C16A}" sibTransId="{D09E3032-2BC7-4F55-A547-9F3CC457394B}"/>
+    <dgm:cxn modelId="{A6B003A7-B7C3-4E2B-8762-BA60F3A6AD08}" type="presOf" srcId="{944D2394-F00D-48E8-A7A2-80295C18C6B0}" destId="{7F6DE1BF-2398-4E2D-9DC8-38FE0B2DE8FC}" srcOrd="0" destOrd="0" presId="urn:microsoft.com/office/officeart/2005/8/layout/orgChart1"/>
+    <dgm:cxn modelId="{A619645F-7A2F-4E34-ABA3-75F2432B7596}" type="presOf" srcId="{F1C4BB12-6960-4CFC-B4D3-5963B33FB456}" destId="{2A933D65-002C-4C43-8B99-2E44FA789B37}" srcOrd="0" destOrd="0" presId="urn:microsoft.com/office/officeart/2005/8/layout/orgChart1"/>
+    <dgm:cxn modelId="{E511E51B-0F44-4E62-A52D-DB7B3694C21E}" type="presOf" srcId="{33B2CCA2-A001-41CC-B63C-14365D57532F}" destId="{7FBD0CAC-341E-4E9A-A89F-0A9CB46BF04D}" srcOrd="0" destOrd="0" presId="urn:microsoft.com/office/officeart/2005/8/layout/orgChart1"/>
+    <dgm:cxn modelId="{EE022230-DCD8-472C-AE8E-60561D648A8A}" type="presOf" srcId="{00C13C7A-3552-4F8E-8BE8-50ADD0DE0ACA}" destId="{6934252C-5748-4093-90C7-F061D0DAAD1F}" srcOrd="0" destOrd="0" presId="urn:microsoft.com/office/officeart/2005/8/layout/orgChart1"/>
+    <dgm:cxn modelId="{2914F9FB-B6A6-44C5-963C-1A2B0AEA5061}" type="presOf" srcId="{7E9CDB11-5058-4486-AFDB-0684D922A654}" destId="{18AAB7A8-4998-4003-A91C-993F6C63A9B3}" srcOrd="0" destOrd="0" presId="urn:microsoft.com/office/officeart/2005/8/layout/orgChart1"/>
+    <dgm:cxn modelId="{D9475760-4095-4BF6-AF56-1008BB6C5F6E}" type="presOf" srcId="{11257359-CDF4-446B-B922-70AFAC772C18}" destId="{A40CC5F2-3B0D-41CD-9846-8DA54221BCFF}" srcOrd="0" destOrd="0" presId="urn:microsoft.com/office/officeart/2005/8/layout/orgChart1"/>
+    <dgm:cxn modelId="{F2066767-17F7-4C1A-BC8C-17B3E4D80884}" type="presOf" srcId="{7D7C0639-8964-421F-A0A2-567F323F7297}" destId="{4EBE6F6C-43A9-4595-A0DC-CB315D99D8B7}" srcOrd="1" destOrd="0" presId="urn:microsoft.com/office/officeart/2005/8/layout/orgChart1"/>
+    <dgm:cxn modelId="{7E048E24-74D7-4093-9BB8-4C3FB001C615}" type="presOf" srcId="{09EFDA44-C03D-482C-8D9A-3BCAD5E9FAA2}" destId="{E5F70216-980E-4325-92EF-556BFB62D87B}" srcOrd="0" destOrd="0" presId="urn:microsoft.com/office/officeart/2005/8/layout/orgChart1"/>
+    <dgm:cxn modelId="{01193ED4-3190-4450-8E9B-2709564583DD}" type="presOf" srcId="{0A22099F-AA05-4C1E-8EA6-BE32E3DC285F}" destId="{21DE92BB-7016-47C7-933C-51AA22B4A412}" srcOrd="1" destOrd="0" presId="urn:microsoft.com/office/officeart/2005/8/layout/orgChart1"/>
+    <dgm:cxn modelId="{C04C8634-D75E-440E-8E2E-A09367FC59BD}" type="presOf" srcId="{944D2394-F00D-48E8-A7A2-80295C18C6B0}" destId="{7BD44A68-6CA4-45D0-AC86-663A575200BF}" srcOrd="1" destOrd="0" presId="urn:microsoft.com/office/officeart/2005/8/layout/orgChart1"/>
+    <dgm:cxn modelId="{187834FE-8B6F-41F9-989C-A5FE10AFAD21}" type="presOf" srcId="{97978136-BC51-4981-90BF-11C4F21D8B06}" destId="{5C76DCFF-A5AB-470A-BAB4-ABEA8B5F5F8E}" srcOrd="1" destOrd="0" presId="urn:microsoft.com/office/officeart/2005/8/layout/orgChart1"/>
+    <dgm:cxn modelId="{760B12B8-8CCD-479F-9AF1-4A3505A06B8E}" type="presParOf" srcId="{A6009ADA-8461-4DA4-A752-B50E5E455864}" destId="{14451B00-6941-42B5-9F9D-1B51D8DAD3E4}" srcOrd="0" destOrd="0" presId="urn:microsoft.com/office/officeart/2005/8/layout/orgChart1"/>
+    <dgm:cxn modelId="{78EC3320-E873-4088-B29A-A22BD0279BED}" type="presParOf" srcId="{14451B00-6941-42B5-9F9D-1B51D8DAD3E4}" destId="{8B096281-5943-4825-AA8B-363A6CFFADCC}" srcOrd="0" destOrd="0" presId="urn:microsoft.com/office/officeart/2005/8/layout/orgChart1"/>
+    <dgm:cxn modelId="{7FD6CCEC-A96B-4BC7-BC1C-BE53DC1910D4}" type="presParOf" srcId="{8B096281-5943-4825-AA8B-363A6CFFADCC}" destId="{E5F70216-980E-4325-92EF-556BFB62D87B}" srcOrd="0" destOrd="0" presId="urn:microsoft.com/office/officeart/2005/8/layout/orgChart1"/>
+    <dgm:cxn modelId="{68D025D1-EB10-46BD-80DA-83E58BB6198F}" type="presParOf" srcId="{8B096281-5943-4825-AA8B-363A6CFFADCC}" destId="{256897F6-CEE9-47C4-BD03-0B3C1D19DD93}" srcOrd="1" destOrd="0" presId="urn:microsoft.com/office/officeart/2005/8/layout/orgChart1"/>
+    <dgm:cxn modelId="{B98F97A4-6DD2-43D2-B2D4-7600FB5470F8}" type="presParOf" srcId="{14451B00-6941-42B5-9F9D-1B51D8DAD3E4}" destId="{10014FBD-7E75-4CB4-B6A7-077331DBFF92}" srcOrd="1" destOrd="0" presId="urn:microsoft.com/office/officeart/2005/8/layout/orgChart1"/>
+    <dgm:cxn modelId="{6AACDB3E-52DD-43B3-9399-A66CE3A4CCAE}" type="presParOf" srcId="{10014FBD-7E75-4CB4-B6A7-077331DBFF92}" destId="{215B204D-C63C-4457-8C57-7DD22C6C8CBF}" srcOrd="0" destOrd="0" presId="urn:microsoft.com/office/officeart/2005/8/layout/orgChart1"/>
+    <dgm:cxn modelId="{394D947E-131F-459B-BEB6-379725FA66ED}" type="presParOf" srcId="{10014FBD-7E75-4CB4-B6A7-077331DBFF92}" destId="{C6C69650-0D70-41CF-8C03-DE21EA4048C1}" srcOrd="1" destOrd="0" presId="urn:microsoft.com/office/officeart/2005/8/layout/orgChart1"/>
+    <dgm:cxn modelId="{6C814F4A-1A0B-44BF-98C5-C47D724B662E}" type="presParOf" srcId="{C6C69650-0D70-41CF-8C03-DE21EA4048C1}" destId="{4AC2AEAA-A556-4657-BA43-1A5D7C0E1F56}" srcOrd="0" destOrd="0" presId="urn:microsoft.com/office/officeart/2005/8/layout/orgChart1"/>
+    <dgm:cxn modelId="{046F7DF5-2F07-4487-8B25-94D98E0FE136}" type="presParOf" srcId="{4AC2AEAA-A556-4657-BA43-1A5D7C0E1F56}" destId="{6FE3A98E-B4BA-4ABE-AC8E-1A5F119C494A}" srcOrd="0" destOrd="0" presId="urn:microsoft.com/office/officeart/2005/8/layout/orgChart1"/>
+    <dgm:cxn modelId="{39DD60CB-98C0-44C0-BA49-BCDAD08E6354}" type="presParOf" srcId="{4AC2AEAA-A556-4657-BA43-1A5D7C0E1F56}" destId="{21DE92BB-7016-47C7-933C-51AA22B4A412}" srcOrd="1" destOrd="0" presId="urn:microsoft.com/office/officeart/2005/8/layout/orgChart1"/>
+    <dgm:cxn modelId="{92AF9C47-4B2F-43F9-B214-FBEA5A2A5EE0}" type="presParOf" srcId="{C6C69650-0D70-41CF-8C03-DE21EA4048C1}" destId="{9188C6F5-131C-45E3-9420-6A0892C25A64}" srcOrd="1" destOrd="0" presId="urn:microsoft.com/office/officeart/2005/8/layout/orgChart1"/>
+    <dgm:cxn modelId="{1C246C42-6E6C-47DF-BDFD-585F291CCE25}" type="presParOf" srcId="{C6C69650-0D70-41CF-8C03-DE21EA4048C1}" destId="{751F88F0-7B38-413B-B3A6-B78F5A79D721}" srcOrd="2" destOrd="0" presId="urn:microsoft.com/office/officeart/2005/8/layout/orgChart1"/>
+    <dgm:cxn modelId="{A85D3153-7F6B-40D7-8D61-1A1E2B2615DB}" type="presParOf" srcId="{10014FBD-7E75-4CB4-B6A7-077331DBFF92}" destId="{E4A93F4F-B23D-4A57-A426-43C5358C36C3}" srcOrd="2" destOrd="0" presId="urn:microsoft.com/office/officeart/2005/8/layout/orgChart1"/>
+    <dgm:cxn modelId="{A1E0898A-5C25-4B55-B659-7EB27184DE5C}" type="presParOf" srcId="{10014FBD-7E75-4CB4-B6A7-077331DBFF92}" destId="{D9044937-286F-441E-A9B3-82D0C3D4B0A7}" srcOrd="3" destOrd="0" presId="urn:microsoft.com/office/officeart/2005/8/layout/orgChart1"/>
+    <dgm:cxn modelId="{051982A1-E2FE-4BED-8B7B-6D6136D45881}" type="presParOf" srcId="{D9044937-286F-441E-A9B3-82D0C3D4B0A7}" destId="{A8FE47B6-E69F-4B1F-9DB6-5EC0DBEDA4CE}" srcOrd="0" destOrd="0" presId="urn:microsoft.com/office/officeart/2005/8/layout/orgChart1"/>
+    <dgm:cxn modelId="{6A887E30-38D5-43A8-8CD0-896FFB59C95A}" type="presParOf" srcId="{A8FE47B6-E69F-4B1F-9DB6-5EC0DBEDA4CE}" destId="{7F6DE1BF-2398-4E2D-9DC8-38FE0B2DE8FC}" srcOrd="0" destOrd="0" presId="urn:microsoft.com/office/officeart/2005/8/layout/orgChart1"/>
+    <dgm:cxn modelId="{016552E2-268C-4554-918F-20E39DD5450E}" type="presParOf" srcId="{A8FE47B6-E69F-4B1F-9DB6-5EC0DBEDA4CE}" destId="{7BD44A68-6CA4-45D0-AC86-663A575200BF}" srcOrd="1" destOrd="0" presId="urn:microsoft.com/office/officeart/2005/8/layout/orgChart1"/>
+    <dgm:cxn modelId="{B5CE431C-4FBC-4527-9B23-362ED529DB68}" type="presParOf" srcId="{D9044937-286F-441E-A9B3-82D0C3D4B0A7}" destId="{AD37853B-C233-4CC0-9B7B-5F0E81EC422D}" srcOrd="1" destOrd="0" presId="urn:microsoft.com/office/officeart/2005/8/layout/orgChart1"/>
+    <dgm:cxn modelId="{AA85F34C-F22F-472A-B588-374FF5B1E485}" type="presParOf" srcId="{D9044937-286F-441E-A9B3-82D0C3D4B0A7}" destId="{167AD9DC-112F-4A2F-91E9-A86D6558668F}" srcOrd="2" destOrd="0" presId="urn:microsoft.com/office/officeart/2005/8/layout/orgChart1"/>
+    <dgm:cxn modelId="{F6806DAC-8D0D-4D15-9A2E-C525DC045AFA}" type="presParOf" srcId="{10014FBD-7E75-4CB4-B6A7-077331DBFF92}" destId="{18AAB7A8-4998-4003-A91C-993F6C63A9B3}" srcOrd="4" destOrd="0" presId="urn:microsoft.com/office/officeart/2005/8/layout/orgChart1"/>
+    <dgm:cxn modelId="{C5DC5184-2AA6-4BF9-80DA-D6BE760EEE59}" type="presParOf" srcId="{10014FBD-7E75-4CB4-B6A7-077331DBFF92}" destId="{3255F9E5-4F4C-4433-A1F0-C672C4D9A3AA}" srcOrd="5" destOrd="0" presId="urn:microsoft.com/office/officeart/2005/8/layout/orgChart1"/>
+    <dgm:cxn modelId="{A4005F77-2032-40C0-9BA4-2D6DBC695210}" type="presParOf" srcId="{3255F9E5-4F4C-4433-A1F0-C672C4D9A3AA}" destId="{3329FEDE-2D59-42C0-93CB-314381A0D4D5}" srcOrd="0" destOrd="0" presId="urn:microsoft.com/office/officeart/2005/8/layout/orgChart1"/>
+    <dgm:cxn modelId="{C784D2C9-AE3B-413E-AF31-25FFD8823790}" type="presParOf" srcId="{3329FEDE-2D59-42C0-93CB-314381A0D4D5}" destId="{FBB520C5-42D0-4CEB-BB24-08130A62C4E2}" srcOrd="0" destOrd="0" presId="urn:microsoft.com/office/officeart/2005/8/layout/orgChart1"/>
+    <dgm:cxn modelId="{F8263A85-2CD0-40E2-8C85-F0F44089966D}" type="presParOf" srcId="{3329FEDE-2D59-42C0-93CB-314381A0D4D5}" destId="{87A6D035-F5DC-409B-A416-D7BAFEFC40D7}" srcOrd="1" destOrd="0" presId="urn:microsoft.com/office/officeart/2005/8/layout/orgChart1"/>
+    <dgm:cxn modelId="{9176D19E-A402-4E4B-8333-9B56B3715501}" type="presParOf" srcId="{3255F9E5-4F4C-4433-A1F0-C672C4D9A3AA}" destId="{CA8AD71F-BC09-4CC1-99D7-B486A3C15641}" srcOrd="1" destOrd="0" presId="urn:microsoft.com/office/officeart/2005/8/layout/orgChart1"/>
+    <dgm:cxn modelId="{8CE1C635-7634-46B0-8706-5F7355A12BD1}" type="presParOf" srcId="{3255F9E5-4F4C-4433-A1F0-C672C4D9A3AA}" destId="{E507A9B2-9773-4D9C-B13E-01965AC3D856}" srcOrd="2" destOrd="0" presId="urn:microsoft.com/office/officeart/2005/8/layout/orgChart1"/>
+    <dgm:cxn modelId="{016632D9-D450-4BCA-9EF4-BCEB1F4065B6}" type="presParOf" srcId="{10014FBD-7E75-4CB4-B6A7-077331DBFF92}" destId="{6934252C-5748-4093-90C7-F061D0DAAD1F}" srcOrd="6" destOrd="0" presId="urn:microsoft.com/office/officeart/2005/8/layout/orgChart1"/>
+    <dgm:cxn modelId="{D558B837-994E-422A-BDA6-297A4FBD9FF5}" type="presParOf" srcId="{10014FBD-7E75-4CB4-B6A7-077331DBFF92}" destId="{E62A2D0F-D2E8-4E2D-952A-A658047A6EBF}" srcOrd="7" destOrd="0" presId="urn:microsoft.com/office/officeart/2005/8/layout/orgChart1"/>
+    <dgm:cxn modelId="{15D2FBE8-3FDA-4EDA-8ABC-1E2453A5FC4C}" type="presParOf" srcId="{E62A2D0F-D2E8-4E2D-952A-A658047A6EBF}" destId="{A61552CC-85C9-4147-8830-C7CC67420A08}" srcOrd="0" destOrd="0" presId="urn:microsoft.com/office/officeart/2005/8/layout/orgChart1"/>
+    <dgm:cxn modelId="{BDAB441A-DA40-404C-86C3-CB7AAE26B183}" type="presParOf" srcId="{A61552CC-85C9-4147-8830-C7CC67420A08}" destId="{2A933D65-002C-4C43-8B99-2E44FA789B37}" srcOrd="0" destOrd="0" presId="urn:microsoft.com/office/officeart/2005/8/layout/orgChart1"/>
+    <dgm:cxn modelId="{78DF0E75-E0E3-4ECD-9571-61ED434462EF}" type="presParOf" srcId="{A61552CC-85C9-4147-8830-C7CC67420A08}" destId="{9083C3B2-92D1-41D2-9856-5CEF321DD751}" srcOrd="1" destOrd="0" presId="urn:microsoft.com/office/officeart/2005/8/layout/orgChart1"/>
+    <dgm:cxn modelId="{B4EB4D5D-F60A-4292-822A-36C61C30320F}" type="presParOf" srcId="{E62A2D0F-D2E8-4E2D-952A-A658047A6EBF}" destId="{317D1327-B85A-4149-8116-3BB5FE1FB22D}" srcOrd="1" destOrd="0" presId="urn:microsoft.com/office/officeart/2005/8/layout/orgChart1"/>
+    <dgm:cxn modelId="{B5620377-B7FD-48F8-97DB-7CDA5F4B38A1}" type="presParOf" srcId="{E62A2D0F-D2E8-4E2D-952A-A658047A6EBF}" destId="{57B0E4EF-F216-41B2-8DD9-4F956B8F0997}" srcOrd="2" destOrd="0" presId="urn:microsoft.com/office/officeart/2005/8/layout/orgChart1"/>
+    <dgm:cxn modelId="{681A0899-D554-4FFE-BD99-99E448885243}" type="presParOf" srcId="{10014FBD-7E75-4CB4-B6A7-077331DBFF92}" destId="{7FBD0CAC-341E-4E9A-A89F-0A9CB46BF04D}" srcOrd="8" destOrd="0" presId="urn:microsoft.com/office/officeart/2005/8/layout/orgChart1"/>
+    <dgm:cxn modelId="{84DFD279-C49E-409B-9334-C91AAF8EB9F7}" type="presParOf" srcId="{10014FBD-7E75-4CB4-B6A7-077331DBFF92}" destId="{BB3CE19A-3FB4-47FE-BB34-462E018E984F}" srcOrd="9" destOrd="0" presId="urn:microsoft.com/office/officeart/2005/8/layout/orgChart1"/>
+    <dgm:cxn modelId="{DF0F1EC5-3307-4F14-B735-25C68257245C}" type="presParOf" srcId="{BB3CE19A-3FB4-47FE-BB34-462E018E984F}" destId="{32A092B9-F243-46B1-9D9D-2165CF8463C1}" srcOrd="0" destOrd="0" presId="urn:microsoft.com/office/officeart/2005/8/layout/orgChart1"/>
+    <dgm:cxn modelId="{77047266-A2BC-4FC0-B624-40600530DC2D}" type="presParOf" srcId="{32A092B9-F243-46B1-9D9D-2165CF8463C1}" destId="{33D61F9F-F61A-43F3-A4D9-1FE15407D034}" srcOrd="0" destOrd="0" presId="urn:microsoft.com/office/officeart/2005/8/layout/orgChart1"/>
+    <dgm:cxn modelId="{4F16599B-20D6-40A2-9993-389A35A7B305}" type="presParOf" srcId="{32A092B9-F243-46B1-9D9D-2165CF8463C1}" destId="{5C76DCFF-A5AB-470A-BAB4-ABEA8B5F5F8E}" srcOrd="1" destOrd="0" presId="urn:microsoft.com/office/officeart/2005/8/layout/orgChart1"/>
+    <dgm:cxn modelId="{EA87E035-04AD-4A15-AEEB-217EE2219199}" type="presParOf" srcId="{BB3CE19A-3FB4-47FE-BB34-462E018E984F}" destId="{D9CF1AC7-E899-4162-A0DA-437200237F4C}" srcOrd="1" destOrd="0" presId="urn:microsoft.com/office/officeart/2005/8/layout/orgChart1"/>
+    <dgm:cxn modelId="{4DBE1C07-FB30-4145-AFF4-653265DE19FE}" type="presParOf" srcId="{BB3CE19A-3FB4-47FE-BB34-462E018E984F}" destId="{562CED9D-A151-4013-BB1C-6862FD272288}" srcOrd="2" destOrd="0" presId="urn:microsoft.com/office/officeart/2005/8/layout/orgChart1"/>
+    <dgm:cxn modelId="{189800AF-0CFF-42A7-9780-1366F0D9DDD9}" type="presParOf" srcId="{10014FBD-7E75-4CB4-B6A7-077331DBFF92}" destId="{A40CC5F2-3B0D-41CD-9846-8DA54221BCFF}" srcOrd="10" destOrd="0" presId="urn:microsoft.com/office/officeart/2005/8/layout/orgChart1"/>
+    <dgm:cxn modelId="{3A2473D4-DE29-4EA1-9F58-8C51F919BC8B}" type="presParOf" srcId="{10014FBD-7E75-4CB4-B6A7-077331DBFF92}" destId="{76B92CAD-1279-4C34-AF7D-66123724AB0D}" srcOrd="11" destOrd="0" presId="urn:microsoft.com/office/officeart/2005/8/layout/orgChart1"/>
+    <dgm:cxn modelId="{8A776527-B309-4F06-8DF0-DF39980CD50F}" type="presParOf" srcId="{76B92CAD-1279-4C34-AF7D-66123724AB0D}" destId="{26D3D78B-5F11-4D6F-BF59-4BCD9EE1846D}" srcOrd="0" destOrd="0" presId="urn:microsoft.com/office/officeart/2005/8/layout/orgChart1"/>
+    <dgm:cxn modelId="{F028C63E-687D-4B33-9139-AF21BFB656EB}" type="presParOf" srcId="{26D3D78B-5F11-4D6F-BF59-4BCD9EE1846D}" destId="{8CF49661-5F5F-4270-9D88-3468946FE232}" srcOrd="0" destOrd="0" presId="urn:microsoft.com/office/officeart/2005/8/layout/orgChart1"/>
+    <dgm:cxn modelId="{A7D5AEC5-8F67-47C7-AA4E-AF2E17A99A2A}" type="presParOf" srcId="{26D3D78B-5F11-4D6F-BF59-4BCD9EE1846D}" destId="{4EBE6F6C-43A9-4595-A0DC-CB315D99D8B7}" srcOrd="1" destOrd="0" presId="urn:microsoft.com/office/officeart/2005/8/layout/orgChart1"/>
+    <dgm:cxn modelId="{59CB1146-4EA5-40AF-8FF5-20CAF73776AC}" type="presParOf" srcId="{76B92CAD-1279-4C34-AF7D-66123724AB0D}" destId="{5C6F29DE-9060-4CB9-88A9-6CA8295AA8FD}" srcOrd="1" destOrd="0" presId="urn:microsoft.com/office/officeart/2005/8/layout/orgChart1"/>
+    <dgm:cxn modelId="{EA3DE36A-40DA-4D59-AF25-0E5331651F98}" type="presParOf" srcId="{76B92CAD-1279-4C34-AF7D-66123724AB0D}" destId="{7B47A020-651D-4584-BC23-CB3D94618CBE}" srcOrd="2" destOrd="0" presId="urn:microsoft.com/office/officeart/2005/8/layout/orgChart1"/>
+    <dgm:cxn modelId="{6422CD9E-5C40-4DB2-8E9D-F4B1AD5B8D56}" type="presParOf" srcId="{14451B00-6941-42B5-9F9D-1B51D8DAD3E4}" destId="{920EB183-2CB8-4778-A6D1-A2FF6E086D5B}" srcOrd="2" destOrd="0" presId="urn:microsoft.com/office/officeart/2005/8/layout/orgChart1"/>
+  </dgm:cxnLst>
+  <dgm:bg/>
+  <dgm:whole/>
+  <dgm:extLst>
+    <a:ext uri="http://schemas.microsoft.com/office/drawing/2008/diagram">
+      <dsp:dataModelExt xmlns:dsp="http://schemas.microsoft.com/office/drawing/2008/diagram" relId="rId6" minVer="http://schemas.openxmlformats.org/drawingml/2006/diagram"/>
+    </a:ext>
+  </dgm:extLst>
+</dgm:dataModel>
+</file>
+
+<file path=ppt/diagrams/drawing1.xml><?xml version="1.0" encoding="utf-8"?>
+<dsp:drawing xmlns:dgm="http://schemas.openxmlformats.org/drawingml/2006/diagram" xmlns:dsp="http://schemas.microsoft.com/office/drawing/2008/diagram" xmlns:a="http://schemas.openxmlformats.org/drawingml/2006/main">
+  <dsp:spTree>
+    <dsp:nvGrpSpPr>
+      <dsp:cNvPr id="0" name=""/>
+      <dsp:cNvGrpSpPr/>
+    </dsp:nvGrpSpPr>
+    <dsp:grpSpPr/>
+    <dsp:sp modelId="{A40CC5F2-3B0D-41CD-9846-8DA54221BCFF}">
+      <dsp:nvSpPr>
+        <dsp:cNvPr id="0" name=""/>
+        <dsp:cNvSpPr/>
+      </dsp:nvSpPr>
+      <dsp:spPr>
+        <a:xfrm>
+          <a:off x="3212646" y="2034416"/>
+          <a:ext cx="2755205" cy="191270"/>
+        </a:xfrm>
+        <a:custGeom>
+          <a:avLst/>
+          <a:gdLst/>
+          <a:ahLst/>
+          <a:cxnLst/>
+          <a:rect l="0" t="0" r="0" b="0"/>
+          <a:pathLst>
+            <a:path>
+              <a:moveTo>
+                <a:pt x="0" y="0"/>
+              </a:moveTo>
+              <a:lnTo>
+                <a:pt x="0" y="95635"/>
+              </a:lnTo>
+              <a:lnTo>
+                <a:pt x="2755205" y="95635"/>
+              </a:lnTo>
+              <a:lnTo>
+                <a:pt x="2755205" y="191270"/>
+              </a:lnTo>
+            </a:path>
+          </a:pathLst>
+        </a:custGeom>
+        <a:noFill/>
+        <a:ln w="12700" cap="flat" cmpd="sng" algn="ctr">
+          <a:solidFill>
+            <a:schemeClr val="accent3">
+              <a:tint val="90000"/>
+              <a:hueOff val="0"/>
+              <a:satOff val="0"/>
+              <a:lumOff val="0"/>
+              <a:alphaOff val="0"/>
+            </a:schemeClr>
+          </a:solidFill>
+          <a:prstDash val="solid"/>
+          <a:miter lim="800000"/>
+        </a:ln>
+        <a:effectLst/>
+      </dsp:spPr>
+      <dsp:style>
+        <a:lnRef idx="2">
+          <a:scrgbClr r="0" g="0" b="0"/>
+        </a:lnRef>
+        <a:fillRef idx="0">
+          <a:scrgbClr r="0" g="0" b="0"/>
+        </a:fillRef>
+        <a:effectRef idx="0">
+          <a:scrgbClr r="0" g="0" b="0"/>
+        </a:effectRef>
+        <a:fontRef idx="minor"/>
+      </dsp:style>
+    </dsp:sp>
+    <dsp:sp modelId="{7FBD0CAC-341E-4E9A-A89F-0A9CB46BF04D}">
+      <dsp:nvSpPr>
+        <dsp:cNvPr id="0" name=""/>
+        <dsp:cNvSpPr/>
+      </dsp:nvSpPr>
+      <dsp:spPr>
+        <a:xfrm>
+          <a:off x="3212646" y="2034416"/>
+          <a:ext cx="1653123" cy="191270"/>
+        </a:xfrm>
+        <a:custGeom>
+          <a:avLst/>
+          <a:gdLst/>
+          <a:ahLst/>
+          <a:cxnLst/>
+          <a:rect l="0" t="0" r="0" b="0"/>
+          <a:pathLst>
+            <a:path>
+              <a:moveTo>
+                <a:pt x="0" y="0"/>
+              </a:moveTo>
+              <a:lnTo>
+                <a:pt x="0" y="95635"/>
+              </a:lnTo>
+              <a:lnTo>
+                <a:pt x="1653123" y="95635"/>
+              </a:lnTo>
+              <a:lnTo>
+                <a:pt x="1653123" y="191270"/>
+              </a:lnTo>
+            </a:path>
+          </a:pathLst>
+        </a:custGeom>
+        <a:noFill/>
+        <a:ln w="12700" cap="flat" cmpd="sng" algn="ctr">
+          <a:solidFill>
+            <a:schemeClr val="accent3">
+              <a:tint val="90000"/>
+              <a:hueOff val="0"/>
+              <a:satOff val="0"/>
+              <a:lumOff val="0"/>
+              <a:alphaOff val="0"/>
+            </a:schemeClr>
+          </a:solidFill>
+          <a:prstDash val="solid"/>
+          <a:miter lim="800000"/>
+        </a:ln>
+        <a:effectLst/>
+      </dsp:spPr>
+      <dsp:style>
+        <a:lnRef idx="2">
+          <a:scrgbClr r="0" g="0" b="0"/>
+        </a:lnRef>
+        <a:fillRef idx="0">
+          <a:scrgbClr r="0" g="0" b="0"/>
+        </a:fillRef>
+        <a:effectRef idx="0">
+          <a:scrgbClr r="0" g="0" b="0"/>
+        </a:effectRef>
+        <a:fontRef idx="minor"/>
+      </dsp:style>
+    </dsp:sp>
+    <dsp:sp modelId="{6934252C-5748-4093-90C7-F061D0DAAD1F}">
+      <dsp:nvSpPr>
+        <dsp:cNvPr id="0" name=""/>
+        <dsp:cNvSpPr/>
+      </dsp:nvSpPr>
+      <dsp:spPr>
+        <a:xfrm>
+          <a:off x="3212646" y="2034416"/>
+          <a:ext cx="551041" cy="191270"/>
+        </a:xfrm>
+        <a:custGeom>
+          <a:avLst/>
+          <a:gdLst/>
+          <a:ahLst/>
+          <a:cxnLst/>
+          <a:rect l="0" t="0" r="0" b="0"/>
+          <a:pathLst>
+            <a:path>
+              <a:moveTo>
+                <a:pt x="0" y="0"/>
+              </a:moveTo>
+              <a:lnTo>
+                <a:pt x="0" y="95635"/>
+              </a:lnTo>
+              <a:lnTo>
+                <a:pt x="551041" y="95635"/>
+              </a:lnTo>
+              <a:lnTo>
+                <a:pt x="551041" y="191270"/>
+              </a:lnTo>
+            </a:path>
+          </a:pathLst>
+        </a:custGeom>
+        <a:noFill/>
+        <a:ln w="12700" cap="flat" cmpd="sng" algn="ctr">
+          <a:solidFill>
+            <a:schemeClr val="accent3">
+              <a:tint val="90000"/>
+              <a:hueOff val="0"/>
+              <a:satOff val="0"/>
+              <a:lumOff val="0"/>
+              <a:alphaOff val="0"/>
+            </a:schemeClr>
+          </a:solidFill>
+          <a:prstDash val="solid"/>
+          <a:miter lim="800000"/>
+        </a:ln>
+        <a:effectLst/>
+      </dsp:spPr>
+      <dsp:style>
+        <a:lnRef idx="2">
+          <a:scrgbClr r="0" g="0" b="0"/>
+        </a:lnRef>
+        <a:fillRef idx="0">
+          <a:scrgbClr r="0" g="0" b="0"/>
+        </a:fillRef>
+        <a:effectRef idx="0">
+          <a:scrgbClr r="0" g="0" b="0"/>
+        </a:effectRef>
+        <a:fontRef idx="minor"/>
+      </dsp:style>
+    </dsp:sp>
+    <dsp:sp modelId="{18AAB7A8-4998-4003-A91C-993F6C63A9B3}">
+      <dsp:nvSpPr>
+        <dsp:cNvPr id="0" name=""/>
+        <dsp:cNvSpPr/>
+      </dsp:nvSpPr>
+      <dsp:spPr>
+        <a:xfrm>
+          <a:off x="2661604" y="2034416"/>
+          <a:ext cx="551041" cy="191270"/>
+        </a:xfrm>
+        <a:custGeom>
+          <a:avLst/>
+          <a:gdLst/>
+          <a:ahLst/>
+          <a:cxnLst/>
+          <a:rect l="0" t="0" r="0" b="0"/>
+          <a:pathLst>
+            <a:path>
+              <a:moveTo>
+                <a:pt x="551041" y="0"/>
+              </a:moveTo>
+              <a:lnTo>
+                <a:pt x="551041" y="95635"/>
+              </a:lnTo>
+              <a:lnTo>
+                <a:pt x="0" y="95635"/>
+              </a:lnTo>
+              <a:lnTo>
+                <a:pt x="0" y="191270"/>
+              </a:lnTo>
+            </a:path>
+          </a:pathLst>
+        </a:custGeom>
+        <a:noFill/>
+        <a:ln w="12700" cap="flat" cmpd="sng" algn="ctr">
+          <a:solidFill>
+            <a:schemeClr val="accent3">
+              <a:tint val="90000"/>
+              <a:hueOff val="0"/>
+              <a:satOff val="0"/>
+              <a:lumOff val="0"/>
+              <a:alphaOff val="0"/>
+            </a:schemeClr>
+          </a:solidFill>
+          <a:prstDash val="solid"/>
+          <a:miter lim="800000"/>
+        </a:ln>
+        <a:effectLst/>
+      </dsp:spPr>
+      <dsp:style>
+        <a:lnRef idx="2">
+          <a:scrgbClr r="0" g="0" b="0"/>
+        </a:lnRef>
+        <a:fillRef idx="0">
+          <a:scrgbClr r="0" g="0" b="0"/>
+        </a:fillRef>
+        <a:effectRef idx="0">
+          <a:scrgbClr r="0" g="0" b="0"/>
+        </a:effectRef>
+        <a:fontRef idx="minor"/>
+      </dsp:style>
+    </dsp:sp>
+    <dsp:sp modelId="{E4A93F4F-B23D-4A57-A426-43C5358C36C3}">
+      <dsp:nvSpPr>
+        <dsp:cNvPr id="0" name=""/>
+        <dsp:cNvSpPr/>
+      </dsp:nvSpPr>
+      <dsp:spPr>
+        <a:xfrm>
+          <a:off x="1559522" y="2034416"/>
+          <a:ext cx="1653123" cy="191270"/>
+        </a:xfrm>
+        <a:custGeom>
+          <a:avLst/>
+          <a:gdLst/>
+          <a:ahLst/>
+          <a:cxnLst/>
+          <a:rect l="0" t="0" r="0" b="0"/>
+          <a:pathLst>
+            <a:path>
+              <a:moveTo>
+                <a:pt x="1653123" y="0"/>
+              </a:moveTo>
+              <a:lnTo>
+                <a:pt x="1653123" y="95635"/>
+              </a:lnTo>
+              <a:lnTo>
+                <a:pt x="0" y="95635"/>
+              </a:lnTo>
+              <a:lnTo>
+                <a:pt x="0" y="191270"/>
+              </a:lnTo>
+            </a:path>
+          </a:pathLst>
+        </a:custGeom>
+        <a:noFill/>
+        <a:ln w="12700" cap="flat" cmpd="sng" algn="ctr">
+          <a:solidFill>
+            <a:schemeClr val="accent3">
+              <a:tint val="90000"/>
+              <a:hueOff val="0"/>
+              <a:satOff val="0"/>
+              <a:lumOff val="0"/>
+              <a:alphaOff val="0"/>
+            </a:schemeClr>
+          </a:solidFill>
+          <a:prstDash val="solid"/>
+          <a:miter lim="800000"/>
+        </a:ln>
+        <a:effectLst/>
+      </dsp:spPr>
+      <dsp:style>
+        <a:lnRef idx="2">
+          <a:scrgbClr r="0" g="0" b="0"/>
+        </a:lnRef>
+        <a:fillRef idx="0">
+          <a:scrgbClr r="0" g="0" b="0"/>
+        </a:fillRef>
+        <a:effectRef idx="0">
+          <a:scrgbClr r="0" g="0" b="0"/>
+        </a:effectRef>
+        <a:fontRef idx="minor"/>
+      </dsp:style>
+    </dsp:sp>
+    <dsp:sp modelId="{215B204D-C63C-4457-8C57-7DD22C6C8CBF}">
+      <dsp:nvSpPr>
+        <dsp:cNvPr id="0" name=""/>
+        <dsp:cNvSpPr/>
+      </dsp:nvSpPr>
+      <dsp:spPr>
+        <a:xfrm>
+          <a:off x="457440" y="2034416"/>
+          <a:ext cx="2755205" cy="191270"/>
+        </a:xfrm>
+        <a:custGeom>
+          <a:avLst/>
+          <a:gdLst/>
+          <a:ahLst/>
+          <a:cxnLst/>
+          <a:rect l="0" t="0" r="0" b="0"/>
+          <a:pathLst>
+            <a:path>
+              <a:moveTo>
+                <a:pt x="2755205" y="0"/>
+              </a:moveTo>
+              <a:lnTo>
+                <a:pt x="2755205" y="95635"/>
+              </a:lnTo>
+              <a:lnTo>
+                <a:pt x="0" y="95635"/>
+              </a:lnTo>
+              <a:lnTo>
+                <a:pt x="0" y="191270"/>
+              </a:lnTo>
+            </a:path>
+          </a:pathLst>
+        </a:custGeom>
+        <a:noFill/>
+        <a:ln w="12700" cap="flat" cmpd="sng" algn="ctr">
+          <a:solidFill>
+            <a:schemeClr val="accent3">
+              <a:tint val="90000"/>
+              <a:hueOff val="0"/>
+              <a:satOff val="0"/>
+              <a:lumOff val="0"/>
+              <a:alphaOff val="0"/>
+            </a:schemeClr>
+          </a:solidFill>
+          <a:prstDash val="solid"/>
+          <a:miter lim="800000"/>
+        </a:ln>
+        <a:effectLst/>
+      </dsp:spPr>
+      <dsp:style>
+        <a:lnRef idx="2">
+          <a:scrgbClr r="0" g="0" b="0"/>
+        </a:lnRef>
+        <a:fillRef idx="0">
+          <a:scrgbClr r="0" g="0" b="0"/>
+        </a:fillRef>
+        <a:effectRef idx="0">
+          <a:scrgbClr r="0" g="0" b="0"/>
+        </a:effectRef>
+        <a:fontRef idx="minor"/>
+      </dsp:style>
+    </dsp:sp>
+    <dsp:sp modelId="{E5F70216-980E-4325-92EF-556BFB62D87B}">
+      <dsp:nvSpPr>
+        <dsp:cNvPr id="0" name=""/>
+        <dsp:cNvSpPr/>
+      </dsp:nvSpPr>
+      <dsp:spPr>
+        <a:xfrm>
+          <a:off x="2425567" y="1231640"/>
+          <a:ext cx="1574156" cy="802775"/>
+        </a:xfrm>
+        <a:prstGeom prst="rect">
+          <a:avLst/>
+        </a:prstGeom>
+        <a:solidFill>
+          <a:schemeClr val="bg1">
+            <a:lumMod val="65000"/>
+            <a:lumOff val="35000"/>
+          </a:schemeClr>
+        </a:solidFill>
+        <a:ln w="12700" cap="flat" cmpd="sng" algn="ctr">
+          <a:solidFill>
+            <a:schemeClr val="lt1">
+              <a:hueOff val="0"/>
+              <a:satOff val="0"/>
+              <a:lumOff val="0"/>
+              <a:alphaOff val="0"/>
+            </a:schemeClr>
+          </a:solidFill>
+          <a:prstDash val="solid"/>
+          <a:miter lim="800000"/>
+        </a:ln>
+        <a:effectLst/>
+      </dsp:spPr>
+      <dsp:style>
+        <a:lnRef idx="2">
+          <a:scrgbClr r="0" g="0" b="0"/>
+        </a:lnRef>
+        <a:fillRef idx="1">
+          <a:scrgbClr r="0" g="0" b="0"/>
+        </a:fillRef>
+        <a:effectRef idx="0">
+          <a:scrgbClr r="0" g="0" b="0"/>
+        </a:effectRef>
+        <a:fontRef idx="minor">
+          <a:schemeClr val="lt1"/>
+        </a:fontRef>
+      </dsp:style>
+      <dsp:txBody>
+        <a:bodyPr spcFirstLastPara="0" vert="horz" wrap="square" lIns="15240" tIns="15240" rIns="15240" bIns="15240" numCol="1" spcCol="1270" anchor="ctr" anchorCtr="0">
+          <a:noAutofit/>
+        </a:bodyPr>
+        <a:lstStyle/>
+        <a:p>
+          <a:pPr lvl="0" algn="ctr" defTabSz="1066800">
+            <a:lnSpc>
+              <a:spcPct val="90000"/>
+            </a:lnSpc>
+            <a:spcBef>
+              <a:spcPct val="0"/>
+            </a:spcBef>
+            <a:spcAft>
+              <a:spcPct val="35000"/>
+            </a:spcAft>
+          </a:pPr>
+          <a:r>
+            <a:rPr lang="en-US" sz="2400" kern="1200" dirty="0" smtClean="0">
+              <a:latin typeface="Algerian" panose="04020705040A02060702" pitchFamily="82" charset="0"/>
+            </a:rPr>
+            <a:t>Pieces</a:t>
+          </a:r>
+          <a:endParaRPr lang="en-US" sz="2400" kern="1200" dirty="0">
+            <a:latin typeface="Algerian" panose="04020705040A02060702" pitchFamily="82" charset="0"/>
+          </a:endParaRPr>
+        </a:p>
+      </dsp:txBody>
+      <dsp:txXfrm>
+        <a:off x="2425567" y="1231640"/>
+        <a:ext cx="1574156" cy="802775"/>
+      </dsp:txXfrm>
+    </dsp:sp>
+    <dsp:sp modelId="{6FE3A98E-B4BA-4ABE-AC8E-1A5F119C494A}">
+      <dsp:nvSpPr>
+        <dsp:cNvPr id="0" name=""/>
+        <dsp:cNvSpPr/>
+      </dsp:nvSpPr>
+      <dsp:spPr>
+        <a:xfrm>
+          <a:off x="2034" y="2225687"/>
+          <a:ext cx="910811" cy="455405"/>
+        </a:xfrm>
+        <a:prstGeom prst="rect">
+          <a:avLst/>
+        </a:prstGeom>
+        <a:solidFill>
+          <a:schemeClr val="accent3">
+            <a:shade val="80000"/>
+            <a:hueOff val="0"/>
+            <a:satOff val="0"/>
+            <a:lumOff val="0"/>
+            <a:alphaOff val="0"/>
+          </a:schemeClr>
+        </a:solidFill>
+        <a:ln w="12700" cap="flat" cmpd="sng" algn="ctr">
+          <a:solidFill>
+            <a:schemeClr val="lt1">
+              <a:hueOff val="0"/>
+              <a:satOff val="0"/>
+              <a:lumOff val="0"/>
+              <a:alphaOff val="0"/>
+            </a:schemeClr>
+          </a:solidFill>
+          <a:prstDash val="solid"/>
+          <a:miter lim="800000"/>
+        </a:ln>
+        <a:effectLst/>
+      </dsp:spPr>
+      <dsp:style>
+        <a:lnRef idx="2">
+          <a:scrgbClr r="0" g="0" b="0"/>
+        </a:lnRef>
+        <a:fillRef idx="1">
+          <a:scrgbClr r="0" g="0" b="0"/>
+        </a:fillRef>
+        <a:effectRef idx="0">
+          <a:scrgbClr r="0" g="0" b="0"/>
+        </a:effectRef>
+        <a:fontRef idx="minor">
+          <a:schemeClr val="lt1"/>
+        </a:fontRef>
+      </dsp:style>
+      <dsp:txBody>
+        <a:bodyPr spcFirstLastPara="0" vert="horz" wrap="square" lIns="10160" tIns="10160" rIns="10160" bIns="10160" numCol="1" spcCol="1270" anchor="ctr" anchorCtr="0">
+          <a:noAutofit/>
+        </a:bodyPr>
+        <a:lstStyle/>
+        <a:p>
+          <a:pPr lvl="0" algn="ctr" defTabSz="711200">
+            <a:lnSpc>
+              <a:spcPct val="90000"/>
+            </a:lnSpc>
+            <a:spcBef>
+              <a:spcPct val="0"/>
+            </a:spcBef>
+            <a:spcAft>
+              <a:spcPct val="35000"/>
+            </a:spcAft>
+          </a:pPr>
+          <a:r>
+            <a:rPr lang="en-US" sz="1600" kern="1200" dirty="0" smtClean="0">
+              <a:latin typeface="Algerian" panose="04020705040A02060702" pitchFamily="82" charset="0"/>
+            </a:rPr>
+            <a:t>Bishop</a:t>
+          </a:r>
+          <a:endParaRPr lang="en-US" sz="1600" kern="1200" dirty="0">
+            <a:latin typeface="Algerian" panose="04020705040A02060702" pitchFamily="82" charset="0"/>
+          </a:endParaRPr>
+        </a:p>
+      </dsp:txBody>
+      <dsp:txXfrm>
+        <a:off x="2034" y="2225687"/>
+        <a:ext cx="910811" cy="455405"/>
+      </dsp:txXfrm>
+    </dsp:sp>
+    <dsp:sp modelId="{7F6DE1BF-2398-4E2D-9DC8-38FE0B2DE8FC}">
+      <dsp:nvSpPr>
+        <dsp:cNvPr id="0" name=""/>
+        <dsp:cNvSpPr/>
+      </dsp:nvSpPr>
+      <dsp:spPr>
+        <a:xfrm>
+          <a:off x="1104116" y="2225687"/>
+          <a:ext cx="910811" cy="455405"/>
+        </a:xfrm>
+        <a:prstGeom prst="rect">
+          <a:avLst/>
+        </a:prstGeom>
+        <a:solidFill>
+          <a:schemeClr val="accent3">
+            <a:shade val="80000"/>
+            <a:hueOff val="0"/>
+            <a:satOff val="0"/>
+            <a:lumOff val="0"/>
+            <a:alphaOff val="0"/>
+          </a:schemeClr>
+        </a:solidFill>
+        <a:ln w="12700" cap="flat" cmpd="sng" algn="ctr">
+          <a:solidFill>
+            <a:schemeClr val="lt1">
+              <a:hueOff val="0"/>
+              <a:satOff val="0"/>
+              <a:lumOff val="0"/>
+              <a:alphaOff val="0"/>
+            </a:schemeClr>
+          </a:solidFill>
+          <a:prstDash val="solid"/>
+          <a:miter lim="800000"/>
+        </a:ln>
+        <a:effectLst/>
+      </dsp:spPr>
+      <dsp:style>
+        <a:lnRef idx="2">
+          <a:scrgbClr r="0" g="0" b="0"/>
+        </a:lnRef>
+        <a:fillRef idx="1">
+          <a:scrgbClr r="0" g="0" b="0"/>
+        </a:fillRef>
+        <a:effectRef idx="0">
+          <a:scrgbClr r="0" g="0" b="0"/>
+        </a:effectRef>
+        <a:fontRef idx="minor">
+          <a:schemeClr val="lt1"/>
+        </a:fontRef>
+      </dsp:style>
+      <dsp:txBody>
+        <a:bodyPr spcFirstLastPara="0" vert="horz" wrap="square" lIns="10160" tIns="10160" rIns="10160" bIns="10160" numCol="1" spcCol="1270" anchor="ctr" anchorCtr="0">
+          <a:noAutofit/>
+        </a:bodyPr>
+        <a:lstStyle/>
+        <a:p>
+          <a:pPr lvl="0" algn="ctr" defTabSz="711200">
+            <a:lnSpc>
+              <a:spcPct val="90000"/>
+            </a:lnSpc>
+            <a:spcBef>
+              <a:spcPct val="0"/>
+            </a:spcBef>
+            <a:spcAft>
+              <a:spcPct val="35000"/>
+            </a:spcAft>
+          </a:pPr>
+          <a:r>
+            <a:rPr lang="en-US" sz="1600" kern="1200" dirty="0" smtClean="0">
+              <a:latin typeface="Algerian" panose="04020705040A02060702" pitchFamily="82" charset="0"/>
+            </a:rPr>
+            <a:t>King</a:t>
+          </a:r>
+          <a:endParaRPr lang="en-US" sz="1600" kern="1200" dirty="0">
+            <a:latin typeface="Algerian" panose="04020705040A02060702" pitchFamily="82" charset="0"/>
+          </a:endParaRPr>
+        </a:p>
+      </dsp:txBody>
+      <dsp:txXfrm>
+        <a:off x="1104116" y="2225687"/>
+        <a:ext cx="910811" cy="455405"/>
+      </dsp:txXfrm>
+    </dsp:sp>
+    <dsp:sp modelId="{FBB520C5-42D0-4CEB-BB24-08130A62C4E2}">
+      <dsp:nvSpPr>
+        <dsp:cNvPr id="0" name=""/>
+        <dsp:cNvSpPr/>
+      </dsp:nvSpPr>
+      <dsp:spPr>
+        <a:xfrm>
+          <a:off x="2206198" y="2225687"/>
+          <a:ext cx="910811" cy="455405"/>
+        </a:xfrm>
+        <a:prstGeom prst="rect">
+          <a:avLst/>
+        </a:prstGeom>
+        <a:solidFill>
+          <a:schemeClr val="accent3">
+            <a:shade val="80000"/>
+            <a:hueOff val="0"/>
+            <a:satOff val="0"/>
+            <a:lumOff val="0"/>
+            <a:alphaOff val="0"/>
+          </a:schemeClr>
+        </a:solidFill>
+        <a:ln w="12700" cap="flat" cmpd="sng" algn="ctr">
+          <a:solidFill>
+            <a:schemeClr val="lt1">
+              <a:hueOff val="0"/>
+              <a:satOff val="0"/>
+              <a:lumOff val="0"/>
+              <a:alphaOff val="0"/>
+            </a:schemeClr>
+          </a:solidFill>
+          <a:prstDash val="solid"/>
+          <a:miter lim="800000"/>
+        </a:ln>
+        <a:effectLst/>
+      </dsp:spPr>
+      <dsp:style>
+        <a:lnRef idx="2">
+          <a:scrgbClr r="0" g="0" b="0"/>
+        </a:lnRef>
+        <a:fillRef idx="1">
+          <a:scrgbClr r="0" g="0" b="0"/>
+        </a:fillRef>
+        <a:effectRef idx="0">
+          <a:scrgbClr r="0" g="0" b="0"/>
+        </a:effectRef>
+        <a:fontRef idx="minor">
+          <a:schemeClr val="lt1"/>
+        </a:fontRef>
+      </dsp:style>
+      <dsp:txBody>
+        <a:bodyPr spcFirstLastPara="0" vert="horz" wrap="square" lIns="10160" tIns="10160" rIns="10160" bIns="10160" numCol="1" spcCol="1270" anchor="ctr" anchorCtr="0">
+          <a:noAutofit/>
+        </a:bodyPr>
+        <a:lstStyle/>
+        <a:p>
+          <a:pPr lvl="0" algn="ctr" defTabSz="711200">
+            <a:lnSpc>
+              <a:spcPct val="90000"/>
+            </a:lnSpc>
+            <a:spcBef>
+              <a:spcPct val="0"/>
+            </a:spcBef>
+            <a:spcAft>
+              <a:spcPct val="35000"/>
+            </a:spcAft>
+          </a:pPr>
+          <a:r>
+            <a:rPr lang="en-US" sz="1600" kern="1200" dirty="0" smtClean="0">
+              <a:latin typeface="Algerian" panose="04020705040A02060702" pitchFamily="82" charset="0"/>
+            </a:rPr>
+            <a:t>Knight</a:t>
+          </a:r>
+          <a:endParaRPr lang="en-US" sz="1600" kern="1200" dirty="0">
+            <a:latin typeface="Algerian" panose="04020705040A02060702" pitchFamily="82" charset="0"/>
+          </a:endParaRPr>
+        </a:p>
+      </dsp:txBody>
+      <dsp:txXfrm>
+        <a:off x="2206198" y="2225687"/>
+        <a:ext cx="910811" cy="455405"/>
+      </dsp:txXfrm>
+    </dsp:sp>
+    <dsp:sp modelId="{2A933D65-002C-4C43-8B99-2E44FA789B37}">
+      <dsp:nvSpPr>
+        <dsp:cNvPr id="0" name=""/>
+        <dsp:cNvSpPr/>
+      </dsp:nvSpPr>
+      <dsp:spPr>
+        <a:xfrm>
+          <a:off x="3308281" y="2225687"/>
+          <a:ext cx="910811" cy="455405"/>
+        </a:xfrm>
+        <a:prstGeom prst="rect">
+          <a:avLst/>
+        </a:prstGeom>
+        <a:solidFill>
+          <a:schemeClr val="accent3">
+            <a:shade val="80000"/>
+            <a:hueOff val="0"/>
+            <a:satOff val="0"/>
+            <a:lumOff val="0"/>
+            <a:alphaOff val="0"/>
+          </a:schemeClr>
+        </a:solidFill>
+        <a:ln w="12700" cap="flat" cmpd="sng" algn="ctr">
+          <a:solidFill>
+            <a:schemeClr val="lt1">
+              <a:hueOff val="0"/>
+              <a:satOff val="0"/>
+              <a:lumOff val="0"/>
+              <a:alphaOff val="0"/>
+            </a:schemeClr>
+          </a:solidFill>
+          <a:prstDash val="solid"/>
+          <a:miter lim="800000"/>
+        </a:ln>
+        <a:effectLst/>
+      </dsp:spPr>
+      <dsp:style>
+        <a:lnRef idx="2">
+          <a:scrgbClr r="0" g="0" b="0"/>
+        </a:lnRef>
+        <a:fillRef idx="1">
+          <a:scrgbClr r="0" g="0" b="0"/>
+        </a:fillRef>
+        <a:effectRef idx="0">
+          <a:scrgbClr r="0" g="0" b="0"/>
+        </a:effectRef>
+        <a:fontRef idx="minor">
+          <a:schemeClr val="lt1"/>
+        </a:fontRef>
+      </dsp:style>
+      <dsp:txBody>
+        <a:bodyPr spcFirstLastPara="0" vert="horz" wrap="square" lIns="10160" tIns="10160" rIns="10160" bIns="10160" numCol="1" spcCol="1270" anchor="ctr" anchorCtr="0">
+          <a:noAutofit/>
+        </a:bodyPr>
+        <a:lstStyle/>
+        <a:p>
+          <a:pPr lvl="0" algn="ctr" defTabSz="711200">
+            <a:lnSpc>
+              <a:spcPct val="90000"/>
+            </a:lnSpc>
+            <a:spcBef>
+              <a:spcPct val="0"/>
+            </a:spcBef>
+            <a:spcAft>
+              <a:spcPct val="35000"/>
+            </a:spcAft>
+          </a:pPr>
+          <a:r>
+            <a:rPr lang="en-US" sz="1600" kern="1200" dirty="0" smtClean="0">
+              <a:latin typeface="Algerian" panose="04020705040A02060702" pitchFamily="82" charset="0"/>
+            </a:rPr>
+            <a:t>L(R)</a:t>
+          </a:r>
+          <a:r>
+            <a:rPr lang="en-US" sz="1600" kern="1200" dirty="0" err="1" smtClean="0">
+              <a:latin typeface="Algerian" panose="04020705040A02060702" pitchFamily="82" charset="0"/>
+            </a:rPr>
+            <a:t>ook</a:t>
+          </a:r>
+          <a:endParaRPr lang="en-US" sz="1600" kern="1200" dirty="0">
+            <a:latin typeface="Algerian" panose="04020705040A02060702" pitchFamily="82" charset="0"/>
+          </a:endParaRPr>
+        </a:p>
+      </dsp:txBody>
+      <dsp:txXfrm>
+        <a:off x="3308281" y="2225687"/>
+        <a:ext cx="910811" cy="455405"/>
+      </dsp:txXfrm>
+    </dsp:sp>
+    <dsp:sp modelId="{33D61F9F-F61A-43F3-A4D9-1FE15407D034}">
+      <dsp:nvSpPr>
+        <dsp:cNvPr id="0" name=""/>
+        <dsp:cNvSpPr/>
+      </dsp:nvSpPr>
+      <dsp:spPr>
+        <a:xfrm>
+          <a:off x="4410363" y="2225687"/>
+          <a:ext cx="910811" cy="455405"/>
+        </a:xfrm>
+        <a:prstGeom prst="rect">
+          <a:avLst/>
+        </a:prstGeom>
+        <a:solidFill>
+          <a:schemeClr val="accent3">
+            <a:shade val="80000"/>
+            <a:hueOff val="0"/>
+            <a:satOff val="0"/>
+            <a:lumOff val="0"/>
+            <a:alphaOff val="0"/>
+          </a:schemeClr>
+        </a:solidFill>
+        <a:ln w="12700" cap="flat" cmpd="sng" algn="ctr">
+          <a:solidFill>
+            <a:schemeClr val="lt1">
+              <a:hueOff val="0"/>
+              <a:satOff val="0"/>
+              <a:lumOff val="0"/>
+              <a:alphaOff val="0"/>
+            </a:schemeClr>
+          </a:solidFill>
+          <a:prstDash val="solid"/>
+          <a:miter lim="800000"/>
+        </a:ln>
+        <a:effectLst/>
+      </dsp:spPr>
+      <dsp:style>
+        <a:lnRef idx="2">
+          <a:scrgbClr r="0" g="0" b="0"/>
+        </a:lnRef>
+        <a:fillRef idx="1">
+          <a:scrgbClr r="0" g="0" b="0"/>
+        </a:fillRef>
+        <a:effectRef idx="0">
+          <a:scrgbClr r="0" g="0" b="0"/>
+        </a:effectRef>
+        <a:fontRef idx="minor">
+          <a:schemeClr val="lt1"/>
+        </a:fontRef>
+      </dsp:style>
+      <dsp:txBody>
+        <a:bodyPr spcFirstLastPara="0" vert="horz" wrap="square" lIns="10160" tIns="10160" rIns="10160" bIns="10160" numCol="1" spcCol="1270" anchor="ctr" anchorCtr="0">
+          <a:noAutofit/>
+        </a:bodyPr>
+        <a:lstStyle/>
+        <a:p>
+          <a:pPr lvl="0" algn="ctr" defTabSz="711200">
+            <a:lnSpc>
+              <a:spcPct val="90000"/>
+            </a:lnSpc>
+            <a:spcBef>
+              <a:spcPct val="0"/>
+            </a:spcBef>
+            <a:spcAft>
+              <a:spcPct val="35000"/>
+            </a:spcAft>
+          </a:pPr>
+          <a:r>
+            <a:rPr lang="en-US" sz="1600" kern="1200" dirty="0" smtClean="0">
+              <a:latin typeface="Algerian" panose="04020705040A02060702" pitchFamily="82" charset="0"/>
+            </a:rPr>
+            <a:t>Queen</a:t>
+          </a:r>
+          <a:endParaRPr lang="en-US" sz="1600" kern="1200" dirty="0">
+            <a:latin typeface="Algerian" panose="04020705040A02060702" pitchFamily="82" charset="0"/>
+          </a:endParaRPr>
+        </a:p>
+      </dsp:txBody>
+      <dsp:txXfrm>
+        <a:off x="4410363" y="2225687"/>
+        <a:ext cx="910811" cy="455405"/>
+      </dsp:txXfrm>
+    </dsp:sp>
+    <dsp:sp modelId="{8CF49661-5F5F-4270-9D88-3468946FE232}">
+      <dsp:nvSpPr>
+        <dsp:cNvPr id="0" name=""/>
+        <dsp:cNvSpPr/>
+      </dsp:nvSpPr>
+      <dsp:spPr>
+        <a:xfrm>
+          <a:off x="5512445" y="2225687"/>
+          <a:ext cx="910811" cy="455405"/>
+        </a:xfrm>
+        <a:prstGeom prst="rect">
+          <a:avLst/>
+        </a:prstGeom>
+        <a:solidFill>
+          <a:schemeClr val="accent3">
+            <a:shade val="80000"/>
+            <a:hueOff val="0"/>
+            <a:satOff val="0"/>
+            <a:lumOff val="0"/>
+            <a:alphaOff val="0"/>
+          </a:schemeClr>
+        </a:solidFill>
+        <a:ln w="12700" cap="flat" cmpd="sng" algn="ctr">
+          <a:solidFill>
+            <a:schemeClr val="lt1">
+              <a:hueOff val="0"/>
+              <a:satOff val="0"/>
+              <a:lumOff val="0"/>
+              <a:alphaOff val="0"/>
+            </a:schemeClr>
+          </a:solidFill>
+          <a:prstDash val="solid"/>
+          <a:miter lim="800000"/>
+        </a:ln>
+        <a:effectLst/>
+      </dsp:spPr>
+      <dsp:style>
+        <a:lnRef idx="2">
+          <a:scrgbClr r="0" g="0" b="0"/>
+        </a:lnRef>
+        <a:fillRef idx="1">
+          <a:scrgbClr r="0" g="0" b="0"/>
+        </a:fillRef>
+        <a:effectRef idx="0">
+          <a:scrgbClr r="0" g="0" b="0"/>
+        </a:effectRef>
+        <a:fontRef idx="minor">
+          <a:schemeClr val="lt1"/>
+        </a:fontRef>
+      </dsp:style>
+      <dsp:txBody>
+        <a:bodyPr spcFirstLastPara="0" vert="horz" wrap="square" lIns="10160" tIns="10160" rIns="10160" bIns="10160" numCol="1" spcCol="1270" anchor="ctr" anchorCtr="0">
+          <a:noAutofit/>
+        </a:bodyPr>
+        <a:lstStyle/>
+        <a:p>
+          <a:pPr lvl="0" algn="ctr" defTabSz="711200">
+            <a:lnSpc>
+              <a:spcPct val="90000"/>
+            </a:lnSpc>
+            <a:spcBef>
+              <a:spcPct val="0"/>
+            </a:spcBef>
+            <a:spcAft>
+              <a:spcPct val="35000"/>
+            </a:spcAft>
+          </a:pPr>
+          <a:r>
+            <a:rPr lang="en-US" sz="1600" kern="1200" dirty="0" smtClean="0">
+              <a:latin typeface="Algerian" panose="04020705040A02060702" pitchFamily="82" charset="0"/>
+            </a:rPr>
+            <a:t>Pawn</a:t>
+          </a:r>
+          <a:endParaRPr lang="en-US" sz="1600" kern="1200" dirty="0">
+            <a:latin typeface="Algerian" panose="04020705040A02060702" pitchFamily="82" charset="0"/>
+          </a:endParaRPr>
+        </a:p>
+      </dsp:txBody>
+      <dsp:txXfrm>
+        <a:off x="5512445" y="2225687"/>
+        <a:ext cx="910811" cy="455405"/>
+      </dsp:txXfrm>
+    </dsp:sp>
+  </dsp:spTree>
+</dsp:drawing>
+</file>
+
+<file path=ppt/diagrams/layout1.xml><?xml version="1.0" encoding="utf-8"?>
+<dgm:layoutDef xmlns:dgm="http://schemas.openxmlformats.org/drawingml/2006/diagram" xmlns:a="http://schemas.openxmlformats.org/drawingml/2006/main" uniqueId="urn:microsoft.com/office/officeart/2005/8/layout/orgChart1">
+  <dgm:title val=""/>
+  <dgm:desc val=""/>
+  <dgm:catLst>
+    <dgm:cat type="hierarchy" pri="1000"/>
+    <dgm:cat type="convert" pri="6000"/>
+  </dgm:catLst>
+  <dgm:sampData>
+    <dgm:dataModel>
+      <dgm:ptLst>
+        <dgm:pt modelId="0" type="doc"/>
+        <dgm:pt modelId="1">
+          <dgm:prSet phldr="1"/>
+        </dgm:pt>
+        <dgm:pt modelId="2" type="asst">
+          <dgm:prSet phldr="1"/>
+        </dgm:pt>
+        <dgm:pt modelId="3">
+          <dgm:prSet phldr="1"/>
+        </dgm:pt>
+        <dgm:pt modelId="4">
+          <dgm:prSet phldr="1"/>
+        </dgm:pt>
+        <dgm:pt modelId="5">
+          <dgm:prSet phldr="1"/>
+        </dgm:pt>
+      </dgm:ptLst>
+      <dgm:cxnLst>
+        <dgm:cxn modelId="5" srcId="0" destId="1" srcOrd="0" destOrd="0"/>
+        <dgm:cxn modelId="6" srcId="1" destId="2" srcOrd="0" destOrd="0"/>
+        <dgm:cxn modelId="7" srcId="1" destId="3" srcOrd="1" destOrd="0"/>
+        <dgm:cxn modelId="8" srcId="1" destId="4" srcOrd="2" destOrd="0"/>
+        <dgm:cxn modelId="9" srcId="1" destId="5" srcOrd="3" destOrd="0"/>
+      </dgm:cxnLst>
+      <dgm:bg/>
+      <dgm:whole/>
+    </dgm:dataModel>
+  </dgm:sampData>
+  <dgm:styleData>
+    <dgm:dataModel>
+      <dgm:ptLst>
+        <dgm:pt modelId="0" type="doc"/>
+        <dgm:pt modelId="1"/>
+        <dgm:pt modelId="12"/>
+        <dgm:pt modelId="13"/>
+      </dgm:ptLst>
+      <dgm:cxnLst>
+        <dgm:cxn modelId="2" srcId="0" destId="1" srcOrd="0" destOrd="0"/>
+        <dgm:cxn modelId="16" srcId="1" destId="12" srcOrd="1" destOrd="0"/>
+        <dgm:cxn modelId="17" srcId="1" destId="13" srcOrd="2" destOrd="0"/>
+      </dgm:cxnLst>
+      <dgm:bg/>
+      <dgm:whole/>
+    </dgm:dataModel>
+  </dgm:styleData>
+  <dgm:clrData>
+    <dgm:dataModel>
+      <dgm:ptLst>
+        <dgm:pt modelId="0" type="doc"/>
+        <dgm:pt modelId="1"/>
+        <dgm:pt modelId="11" type="asst"/>
+        <dgm:pt modelId="12"/>
+        <dgm:pt modelId="13"/>
+        <dgm:pt modelId="14"/>
+      </dgm:ptLst>
+      <dgm:cxnLst>
+        <dgm:cxn modelId="2" srcId="0" destId="1" srcOrd="0" destOrd="0"/>
+        <dgm:cxn modelId="15" srcId="1" destId="11" srcOrd="0" destOrd="0"/>
+        <dgm:cxn modelId="16" srcId="1" destId="12" srcOrd="1" destOrd="0"/>
+        <dgm:cxn modelId="17" srcId="1" destId="13" srcOrd="2" destOrd="0"/>
+        <dgm:cxn modelId="18" srcId="1" destId="14" srcOrd="2" destOrd="0"/>
+      </dgm:cxnLst>
+      <dgm:bg/>
+      <dgm:whole/>
+    </dgm:dataModel>
+  </dgm:clrData>
+  <dgm:layoutNode name="hierChild1">
+    <dgm:varLst>
+      <dgm:orgChart val="1"/>
+      <dgm:chPref val="1"/>
+      <dgm:dir/>
+      <dgm:animOne val="branch"/>
+      <dgm:animLvl val="lvl"/>
+      <dgm:resizeHandles/>
+    </dgm:varLst>
+    <dgm:choose name="Name0">
+      <dgm:if name="Name1" func="var" arg="dir" op="equ" val="norm">
+        <dgm:alg type="hierChild">
+          <dgm:param type="linDir" val="fromL"/>
+        </dgm:alg>
+      </dgm:if>
+      <dgm:else name="Name2">
+        <dgm:alg type="hierChild">
+          <dgm:param type="linDir" val="fromR"/>
+        </dgm:alg>
+      </dgm:else>
+    </dgm:choose>
+    <dgm:shape xmlns:r="http://schemas.openxmlformats.org/officeDocument/2006/relationships" r:blip="">
+      <dgm:adjLst/>
+    </dgm:shape>
+    <dgm:presOf/>
+    <dgm:constrLst>
+      <dgm:constr type="w" for="des" forName="rootComposite1" refType="w" fact="10"/>
+      <dgm:constr type="h" for="des" forName="rootComposite1" refType="w" refFor="des" refForName="rootComposite1" fact="0.5"/>
+      <dgm:constr type="w" for="des" forName="rootComposite" refType="w" fact="10"/>
+      <dgm:constr type="h" for="des" forName="rootComposite" refType="w" refFor="des" refForName="rootComposite1" fact="0.5"/>
+      <dgm:constr type="w" for="des" forName="rootComposite3" refType="w" fact="10"/>
+      <dgm:constr type="h" for="des" forName="rootComposite3" refType="w" refFor="des" refForName="rootComposite1" fact="0.5"/>
+      <dgm:constr type="primFontSz" for="des" ptType="node" op="equ"/>
+      <dgm:constr type="sp" for="des" op="equ"/>
+      <dgm:constr type="sp" for="des" forName="hierRoot1" refType="w" refFor="des" refForName="rootComposite1" fact="0.21"/>
+      <dgm:constr type="sp" for="des" forName="hierRoot2" refType="sp" refFor="des" refForName="hierRoot1"/>
+      <dgm:constr type="sp" for="des" forName="hierRoot3" refType="sp" refFor="des" refForName="hierRoot1"/>
+      <dgm:constr type="sibSp" refType="w" refFor="des" refForName="rootComposite1" fact="0.21"/>
+      <dgm:constr type="sibSp" for="des" forName="hierChild2" refType="sibSp"/>
+      <dgm:constr type="sibSp" for="des" forName="hierChild3" refType="sibSp"/>
+      <dgm:constr type="sibSp" for="des" forName="hierChild4" refType="sibSp"/>
+      <dgm:constr type="sibSp" for="des" forName="hierChild5" refType="sibSp"/>
+      <dgm:constr type="sibSp" for="des" forName="hierChild6" refType="sibSp"/>
+      <dgm:constr type="sibSp" for="des" forName="hierChild7" refType="sibSp"/>
+      <dgm:constr type="secSibSp" refType="w" refFor="des" refForName="rootComposite1" fact="0.21"/>
+      <dgm:constr type="secSibSp" for="des" forName="hierChild2" refType="secSibSp"/>
+      <dgm:constr type="secSibSp" for="des" forName="hierChild3" refType="secSibSp"/>
+      <dgm:constr type="secSibSp" for="des" forName="hierChild4" refType="secSibSp"/>
+      <dgm:constr type="secSibSp" for="des" forName="hierChild5" refType="secSibSp"/>
+      <dgm:constr type="secSibSp" for="des" forName="hierChild6" refType="secSibSp"/>
+      <dgm:constr type="secSibSp" for="des" forName="hierChild7" refType="secSibSp"/>
+    </dgm:constrLst>
+    <dgm:ruleLst/>
+    <dgm:forEach name="Name3" axis="ch">
+      <dgm:forEach name="Name4" axis="self" ptType="node">
+        <dgm:layoutNode name="hierRoot1">
+          <dgm:varLst>
+            <dgm:hierBranch val="init"/>
+          </dgm:varLst>
+          <dgm:choose name="Name5">
+            <dgm:if name="Name6" func="var" arg="hierBranch" op="equ" val="l">
+              <dgm:choose name="Name7">
+                <dgm:if name="Name8" axis="ch" ptType="asst" func="cnt" op="gte" val="1">
+                  <dgm:alg type="hierRoot">
+                    <dgm:param type="hierAlign" val="tR"/>
+                  </dgm:alg>
+                  <dgm:constrLst>
+                    <dgm:constr type="alignOff" val="0.65"/>
+                  </dgm:constrLst>
+                </dgm:if>
+                <dgm:else name="Name9">
+                  <dgm:alg type="hierRoot">
+                    <dgm:param type="hierAlign" val="tR"/>
+                  </dgm:alg>
+                  <dgm:constrLst>
+                    <dgm:constr type="alignOff" val="0.25"/>
+                  </dgm:constrLst>
+                </dgm:else>
+              </dgm:choose>
+            </dgm:if>
+            <dgm:if name="Name10" func="var" arg="hierBranch" op="equ" val="r">
+              <dgm:choose name="Name11">
+                <dgm:if name="Name12" axis="ch" ptType="asst" func="cnt" op="gte" val="1">
+                  <dgm:alg type="hierRoot">
+                    <dgm:param type="hierAlign" val="tL"/>
+                  </dgm:alg>
+                  <dgm:constrLst>
+                    <dgm:constr type="alignOff" val="0.65"/>
+                  </dgm:constrLst>
+                </dgm:if>
+                <dgm:else name="Name13">
+                  <dgm:alg type="hierRoot">
+                    <dgm:param type="hierAlign" val="tL"/>
+                  </dgm:alg>
+                  <dgm:constrLst>
+                    <dgm:constr type="alignOff" val="0.25"/>
+                  </dgm:constrLst>
+                </dgm:else>
+              </dgm:choose>
+            </dgm:if>
+            <dgm:if name="Name14" func="var" arg="hierBranch" op="equ" val="hang">
+              <dgm:alg type="hierRoot"/>
+              <dgm:constrLst>
+                <dgm:constr type="alignOff" val="0.65"/>
+              </dgm:constrLst>
+            </dgm:if>
+            <dgm:else name="Name15">
+              <dgm:alg type="hierRoot"/>
+              <dgm:constrLst>
+                <dgm:constr type="alignOff"/>
+                <dgm:constr type="bendDist" for="des" ptType="parTrans" refType="sp" fact="0.5"/>
+              </dgm:constrLst>
+            </dgm:else>
+          </dgm:choose>
+          <dgm:shape xmlns:r="http://schemas.openxmlformats.org/officeDocument/2006/relationships" r:blip="">
+            <dgm:adjLst/>
+          </dgm:shape>
+          <dgm:presOf/>
+          <dgm:ruleLst/>
+          <dgm:layoutNode name="rootComposite1">
+            <dgm:alg type="composite"/>
+            <dgm:shape xmlns:r="http://schemas.openxmlformats.org/officeDocument/2006/relationships" r:blip="">
+              <dgm:adjLst/>
+            </dgm:shape>
+            <dgm:presOf axis="self" ptType="node" cnt="1"/>
+            <dgm:choose name="Name16">
+              <dgm:if name="Name17" func="var" arg="hierBranch" op="equ" val="init">
+                <dgm:constrLst>
+                  <dgm:constr type="l" for="ch" forName="rootText1"/>
+                  <dgm:constr type="t" for="ch" forName="rootText1"/>
+                  <dgm:constr type="w" for="ch" forName="rootText1" refType="w"/>
+                  <dgm:constr type="h" for="ch" forName="rootText1" refType="h"/>
+                  <dgm:constr type="l" for="ch" forName="rootConnector1"/>
+                  <dgm:constr type="t" for="ch" forName="rootConnector1"/>
+                  <dgm:constr type="w" for="ch" forName="rootConnector1" refType="w" refFor="ch" refForName="rootText1" fact="0.2"/>
+                  <dgm:constr type="h" for="ch" forName="rootConnector1" refType="h" refFor="ch" refForName="rootText1"/>
+                </dgm:constrLst>
+              </dgm:if>
+              <dgm:if name="Name18" func="var" arg="hierBranch" op="equ" val="l">
+                <dgm:constrLst>
+                  <dgm:constr type="l" for="ch" forName="rootText1"/>
+                  <dgm:constr type="t" for="ch" forName="rootText1"/>
+                  <dgm:constr type="w" for="ch" forName="rootText1" refType="w"/>
+                  <dgm:constr type="h" for="ch" forName="rootText1" refType="h"/>
+                  <dgm:constr type="r" for="ch" forName="rootConnector1" refType="w"/>
+                  <dgm:constr type="t" for="ch" forName="rootConnector1"/>
+                  <dgm:constr type="w" for="ch" forName="rootConnector1" refType="w" refFor="ch" refForName="rootText1" fact="0.2"/>
+                  <dgm:constr type="h" for="ch" forName="rootConnector1" refType="h" refFor="ch" refForName="rootText1"/>
+                </dgm:constrLst>
+              </dgm:if>
+              <dgm:if name="Name19" func="var" arg="hierBranch" op="equ" val="r">
+                <dgm:constrLst>
+                  <dgm:constr type="l" for="ch" forName="rootText1"/>
+                  <dgm:constr type="t" for="ch" forName="rootText1"/>
+                  <dgm:constr type="w" for="ch" forName="rootText1" refType="w"/>
+                  <dgm:constr type="h" for="ch" forName="rootText1" refType="h"/>
+                  <dgm:constr type="l" for="ch" forName="rootConnector1"/>
+                  <dgm:constr type="t" for="ch" forName="rootConnector1"/>
+                  <dgm:constr type="w" for="ch" forName="rootConnector1" refType="w" refFor="ch" refForName="rootText1" fact="0.2"/>
+                  <dgm:constr type="h" for="ch" forName="rootConnector1" refType="h" refFor="ch" refForName="rootText1"/>
+                </dgm:constrLst>
+              </dgm:if>
+              <dgm:else name="Name20">
+                <dgm:constrLst>
+                  <dgm:constr type="l" for="ch" forName="rootText1"/>
+                  <dgm:constr type="t" for="ch" forName="rootText1"/>
+                  <dgm:constr type="w" for="ch" forName="rootText1" refType="w"/>
+                  <dgm:constr type="h" for="ch" forName="rootText1" refType="h"/>
+                  <dgm:constr type="r" for="ch" forName="rootConnector1" refType="w"/>
+                  <dgm:constr type="t" for="ch" forName="rootConnector1"/>
+                  <dgm:constr type="w" for="ch" forName="rootConnector1" refType="w" refFor="ch" refForName="rootText1" fact="0.2"/>
+                  <dgm:constr type="h" for="ch" forName="rootConnector1" refType="h" refFor="ch" refForName="rootText1"/>
+                </dgm:constrLst>
+              </dgm:else>
+            </dgm:choose>
+            <dgm:ruleLst/>
+            <dgm:layoutNode name="rootText1" styleLbl="node0">
+              <dgm:varLst>
+                <dgm:chPref val="3"/>
+              </dgm:varLst>
+              <dgm:alg type="tx"/>
+              <dgm:shape xmlns:r="http://schemas.openxmlformats.org/officeDocument/2006/relationships" type="rect" r:blip="">
+                <dgm:adjLst/>
+              </dgm:shape>
+              <dgm:presOf axis="self" ptType="node" cnt="1"/>
+              <dgm:constrLst>
+                <dgm:constr type="primFontSz" val="65"/>
+                <dgm:constr type="lMarg" refType="primFontSz" fact="0.05"/>
+                <dgm:constr type="rMarg" refType="primFontSz" fact="0.05"/>
+                <dgm:constr type="tMarg" refType="primFontSz" fact="0.05"/>
+                <dgm:constr type="bMarg" refType="primFontSz" fact="0.05"/>
+              </dgm:constrLst>
+              <dgm:ruleLst>
+                <dgm:rule type="primFontSz" val="5" fact="NaN" max="NaN"/>
+              </dgm:ruleLst>
+            </dgm:layoutNode>
+            <dgm:layoutNode name="rootConnector1" moveWith="rootText1">
+              <dgm:alg type="sp"/>
+              <dgm:shape xmlns:r="http://schemas.openxmlformats.org/officeDocument/2006/relationships" type="rect" r:blip="" hideGeom="1">
+                <dgm:adjLst/>
+              </dgm:shape>
+              <dgm:presOf axis="self" ptType="node" cnt="1"/>
+              <dgm:constrLst/>
+              <dgm:ruleLst/>
+            </dgm:layoutNode>
+          </dgm:layoutNode>
+          <dgm:layoutNode name="hierChild2">
+            <dgm:choose name="Name21">
+              <dgm:if name="Name22" func="var" arg="hierBranch" op="equ" val="l">
+                <dgm:alg type="hierChild">
+                  <dgm:param type="chAlign" val="r"/>
+                  <dgm:param type="linDir" val="fromT"/>
+                </dgm:alg>
+              </dgm:if>
+              <dgm:if name="Name23" func="var" arg="hierBranch" op="equ" val="r">
+                <dgm:alg type="hierChild">
+                  <dgm:param type="chAlign" val="l"/>
+                  <dgm:param type="linDir" val="fromT"/>
+                </dgm:alg>
+              </dgm:if>
+              <dgm:if name="Name24" func="var" arg="hierBranch" op="equ" val="hang">
+                <dgm:choose name="Name25">
+                  <dgm:if name="Name26" func="var" arg="dir" op="equ" val="norm">
+                    <dgm:alg type="hierChild">
+                      <dgm:param type="chAlign" val="l"/>
+                      <dgm:param type="linDir" val="fromL"/>
+                      <dgm:param type="secChAlign" val="t"/>
+                      <dgm:param type="secLinDir" val="fromT"/>
+                    </dgm:alg>
+                  </dgm:if>
+                  <dgm:else name="Name27">
+                    <dgm:alg type="hierChild">
+                      <dgm:param type="chAlign" val="l"/>
+                      <dgm:param type="linDir" val="fromR"/>
+                      <dgm:param type="secChAlign" val="t"/>
+                      <dgm:param type="secLinDir" val="fromT"/>
+                    </dgm:alg>
+                  </dgm:else>
+                </dgm:choose>
+              </dgm:if>
+              <dgm:else name="Name28">
+                <dgm:choose name="Name29">
+                  <dgm:if name="Name30" func="var" arg="dir" op="equ" val="norm">
+                    <dgm:alg type="hierChild"/>
+                  </dgm:if>
+                  <dgm:else name="Name31">
+                    <dgm:alg type="hierChild">
+                      <dgm:param type="linDir" val="fromR"/>
+                    </dgm:alg>
+                  </dgm:else>
+                </dgm:choose>
+              </dgm:else>
+            </dgm:choose>
+            <dgm:shape xmlns:r="http://schemas.openxmlformats.org/officeDocument/2006/relationships" r:blip="">
+              <dgm:adjLst/>
+            </dgm:shape>
+            <dgm:presOf/>
+            <dgm:constrLst/>
+            <dgm:ruleLst/>
+            <dgm:forEach name="rep2a" axis="ch" ptType="nonAsst">
+              <dgm:forEach name="Name32" axis="precedSib" ptType="parTrans" st="-1" cnt="1">
+                <dgm:choose name="Name33">
+                  <dgm:if name="Name34" func="var" arg="hierBranch" op="equ" val="std">
+                    <dgm:layoutNode name="Name35">
+                      <dgm:alg type="conn">
+                        <dgm:param type="connRout" val="bend"/>
+                        <dgm:param type="dim" val="1D"/>
+                        <dgm:param type="endSty" val="noArr"/>
+                        <dgm:param type="begPts" val="bCtr"/>
+                        <dgm:param type="endPts" val="tCtr"/>
+                        <dgm:param type="bendPt" val="end"/>
+                      </dgm:alg>
+                      <dgm:shape xmlns:r="http://schemas.openxmlformats.org/officeDocument/2006/relationships" type="conn" r:blip="" zOrderOff="-99999">
+                        <dgm:adjLst/>
+                      </dgm:shape>
+                      <dgm:presOf axis="self"/>
+                      <dgm:constrLst>
+                        <dgm:constr type="begPad"/>
+                        <dgm:constr type="endPad"/>
+                      </dgm:constrLst>
+                      <dgm:ruleLst/>
+                    </dgm:layoutNode>
+                  </dgm:if>
+                  <dgm:if name="Name36" func="var" arg="hierBranch" op="equ" val="init">
+                    <dgm:layoutNode name="Name37">
+                      <dgm:choose name="Name38">
+                        <dgm:if name="Name39" axis="self" func="depth" op="lte" val="2">
+                          <dgm:alg type="conn">
+                            <dgm:param type="connRout" val="bend"/>
+                            <dgm:param type="dim" val="1D"/>
+                            <dgm:param type="endSty" val="noArr"/>
+                            <dgm:param type="begPts" val="bCtr"/>
+                            <dgm:param type="endPts" val="tCtr"/>
+                            <dgm:param type="bendPt" val="end"/>
+                          </dgm:alg>
+                        </dgm:if>
+                        <dgm:else name="Name40">
+                          <dgm:choose name="Name41">
+                            <dgm:if name="Name42" axis="par des" func="maxDepth" op="lte" val="1">
+                              <dgm:choose name="Name43">
+                                <dgm:if name="Name44" axis="par ch" ptType="node asst" func="cnt" op="gte" val="1">
+                                  <dgm:alg type="conn">
+                                    <dgm:param type="connRout" val="bend"/>
+                                    <dgm:param type="dim" val="1D"/>
+                                    <dgm:param type="endSty" val="noArr"/>
+                                    <dgm:param type="begPts" val="bCtr"/>
+                                    <dgm:param type="endPts" val="midL midR"/>
+                                  </dgm:alg>
+                                </dgm:if>
+                                <dgm:else name="Name45">
+                                  <dgm:alg type="conn">
+                                    <dgm:param type="connRout" val="bend"/>
+                                    <dgm:param type="dim" val="1D"/>
+                                    <dgm:param type="endSty" val="noArr"/>
+                                    <dgm:param type="begPts" val="bCtr"/>
+                                    <dgm:param type="endPts" val="midL midR"/>
+                                    <dgm:param type="srcNode" val="rootConnector"/>
+                                  </dgm:alg>
+                                </dgm:else>
+                              </dgm:choose>
+                            </dgm:if>
+                            <dgm:else name="Name46">
+                              <dgm:alg type="conn">
+                                <dgm:param type="connRout" val="bend"/>
+                                <dgm:param type="dim" val="1D"/>
+                                <dgm:param type="endSty" val="noArr"/>
+                                <dgm:param type="begPts" val="bCtr"/>
+                                <dgm:param type="endPts" val="tCtr"/>
+                                <dgm:param type="bendPt" val="end"/>
+                              </dgm:alg>
+                            </dgm:else>
+                          </dgm:choose>
+                        </dgm:else>
+                      </dgm:choose>
+                      <dgm:shape xmlns:r="http://schemas.openxmlformats.org/officeDocument/2006/relationships" type="conn" r:blip="" zOrderOff="-99999">
+                        <dgm:adjLst/>
+                      </dgm:shape>
+                      <dgm:presOf axis="self"/>
+                      <dgm:constrLst>
+                        <dgm:constr type="begPad"/>
+                        <dgm:constr type="endPad"/>
+                      </dgm:constrLst>
+                      <dgm:ruleLst/>
+                    </dgm:layoutNode>
+                  </dgm:if>
+                  <dgm:if name="Name47" func="var" arg="hierBranch" op="equ" val="hang">
+                    <dgm:layoutNode name="Name48">
+                      <dgm:alg type="conn">
+                        <dgm:param type="connRout" val="bend"/>
+                        <dgm:param type="dim" val="1D"/>
+                        <dgm:param type="endSty" val="noArr"/>
+                        <dgm:param type="begPts" val="bCtr"/>
+                        <dgm:param type="endPts" val="midL midR"/>
+                      </dgm:alg>
+                      <dgm:shape xmlns:r="http://schemas.openxmlformats.org/officeDocument/2006/relationships" type="conn" r:blip="" zOrderOff="-99999">
+                        <dgm:adjLst/>
+                      </dgm:shape>
+                      <dgm:presOf axis="self"/>
+                      <dgm:constrLst>
+                        <dgm:constr type="begPad"/>
+                        <dgm:constr type="endPad"/>
+                      </dgm:constrLst>
+                      <dgm:ruleLst/>
+                    </dgm:layoutNode>
+                  </dgm:if>
+                  <dgm:else name="Name49">
+                    <dgm:layoutNode name="Name50">
+                      <dgm:choose name="Name51">
+                        <dgm:if name="Name52" axis="self" func="depth" op="lte" val="2">
+                          <dgm:choose name="Name53">
+                            <dgm:if name="Name54" axis="par ch" ptType="node asst" func="cnt" op="gte" val="1">
+                              <dgm:alg type="conn">
+                                <dgm:param type="connRout" val="bend"/>
+                                <dgm:param type="dim" val="1D"/>
+                                <dgm:param type="endSty" val="noArr"/>
+                                <dgm:param type="begPts" val="bCtr"/>
+                                <dgm:param type="endPts" val="midL midR"/>
+                              </dgm:alg>
+                            </dgm:if>
+                            <dgm:else name="Name55">
+                              <dgm:alg type="conn">
+                                <dgm:param type="connRout" val="bend"/>
+                                <dgm:param type="dim" val="1D"/>
+                                <dgm:param type="endSty" val="noArr"/>
+                                <dgm:param type="begPts" val="bCtr"/>
+                                <dgm:param type="endPts" val="midL midR"/>
+                                <dgm:param type="srcNode" val="rootConnector1"/>
+                              </dgm:alg>
+                            </dgm:else>
+                          </dgm:choose>
+                        </dgm:if>
+                        <dgm:else name="Name56">
+                          <dgm:choose name="Name57">
+                            <dgm:if name="Name58" axis="par ch" ptType="node asst" func="cnt" op="gte" val="1">
+                              <dgm:alg type="conn">
+                                <dgm:param type="connRout" val="bend"/>
+                                <dgm:param type="dim" val="1D"/>
+                                <dgm:param type="endSty" val="noArr"/>
+                                <dgm:param type="begPts" val="bCtr"/>
+                                <dgm:param type="endPts" val="midL midR"/>
+                              </dgm:alg>
+                            </dgm:if>
+                            <dgm:else name="Name59">
+                              <dgm:alg type="conn">
+                                <dgm:param type="connRout" val="bend"/>
+                                <dgm:param type="dim" val="1D"/>
+                                <dgm:param type="endSty" val="noArr"/>
+                                <dgm:param type="begPts" val="bCtr"/>
+                                <dgm:param type="endPts" val="midL midR"/>
+                                <dgm:param type="srcNode" val="rootConnector"/>
+                              </dgm:alg>
+                            </dgm:else>
+                          </dgm:choose>
+                        </dgm:else>
+                      </dgm:choose>
+                      <dgm:shape xmlns:r="http://schemas.openxmlformats.org/officeDocument/2006/relationships" type="conn" r:blip="" zOrderOff="-99999">
+                        <dgm:adjLst/>
+                      </dgm:shape>
+                      <dgm:presOf axis="self"/>
+                      <dgm:constrLst>
+                        <dgm:constr type="begPad"/>
+                        <dgm:constr type="endPad"/>
+                      </dgm:constrLst>
+                      <dgm:ruleLst/>
+                    </dgm:layoutNode>
+                  </dgm:else>
+                </dgm:choose>
+              </dgm:forEach>
+              <dgm:layoutNode name="hierRoot2">
+                <dgm:varLst>
+                  <dgm:hierBranch val="init"/>
+                </dgm:varLst>
+                <dgm:choose name="Name60">
+                  <dgm:if name="Name61" func="var" arg="hierBranch" op="equ" val="l">
+                    <dgm:choose name="Name62">
+                      <dgm:if name="Name63" axis="ch" ptType="asst" func="cnt" op="gte" val="1">
+                        <dgm:alg type="hierRoot">
+                          <dgm:param type="hierAlign" val="tR"/>
+                        </dgm:alg>
+                        <dgm:shape xmlns:r="http://schemas.openxmlformats.org/officeDocument/2006/relationships" r:blip="">
+                          <dgm:adjLst/>
+                        </dgm:shape>
+                        <dgm:presOf/>
+                        <dgm:constrLst>
+                          <dgm:constr type="alignOff" val="0.65"/>
+                        </dgm:constrLst>
+                      </dgm:if>
+                      <dgm:else name="Name64">
+                        <dgm:alg type="hierRoot">
+                          <dgm:param type="hierAlign" val="tR"/>
+                        </dgm:alg>
+                        <dgm:shape xmlns:r="http://schemas.openxmlformats.org/officeDocument/2006/relationships" r:blip="">
+                          <dgm:adjLst/>
+                        </dgm:shape>
+                        <dgm:presOf/>
+                        <dgm:constrLst>
+                          <dgm:constr type="alignOff" val="0.25"/>
+                        </dgm:constrLst>
+                      </dgm:else>
+                    </dgm:choose>
+                  </dgm:if>
+                  <dgm:if name="Name65" func="var" arg="hierBranch" op="equ" val="r">
+                    <dgm:choose name="Name66">
+                      <dgm:if name="Name67" axis="ch" ptType="asst" func="cnt" op="gte" val="1">
+                        <dgm:alg type="hierRoot">
+                          <dgm:param type="hierAlign" val="tL"/>
+                        </dgm:alg>
+                        <dgm:shape xmlns:r="http://schemas.openxmlformats.org/officeDocument/2006/relationships" r:blip="">
+                          <dgm:adjLst/>
+                        </dgm:shape>
+                        <dgm:presOf/>
+                        <dgm:constrLst>
+                          <dgm:constr type="alignOff" val="0.65"/>
+                        </dgm:constrLst>
+                      </dgm:if>
+                      <dgm:else name="Name68">
+                        <dgm:alg type="hierRoot">
+                          <dgm:param type="hierAlign" val="tL"/>
+                        </dgm:alg>
+                        <dgm:shape xmlns:r="http://schemas.openxmlformats.org/officeDocument/2006/relationships" r:blip="">
+                          <dgm:adjLst/>
+                        </dgm:shape>
+                        <dgm:presOf/>
+                        <dgm:constrLst>
+                          <dgm:constr type="alignOff" val="0.25"/>
+                        </dgm:constrLst>
+                      </dgm:else>
+                    </dgm:choose>
+                  </dgm:if>
+                  <dgm:if name="Name69" func="var" arg="hierBranch" op="equ" val="std">
+                    <dgm:alg type="hierRoot"/>
+                    <dgm:shape xmlns:r="http://schemas.openxmlformats.org/officeDocument/2006/relationships" r:blip="">
+                      <dgm:adjLst/>
+                    </dgm:shape>
+                    <dgm:presOf/>
+                    <dgm:constrLst>
+                      <dgm:constr type="alignOff"/>
+                      <dgm:constr type="bendDist" for="des" ptType="parTrans" refType="sp" fact="0.5"/>
+                    </dgm:constrLst>
+                  </dgm:if>
+                  <dgm:if name="Name70" func="var" arg="hierBranch" op="equ" val="init">
+                    <dgm:choose name="Name71">
+                      <dgm:if name="Name72" axis="des" func="maxDepth" op="lte" val="1">
+                        <dgm:choose name="Name73">
+                          <dgm:if name="Name74" axis="ch" ptType="asst" func="cnt" op="gte" val="1">
+                            <dgm:alg type="hierRoot">
+                              <dgm:param type="hierAlign" val="tL"/>
+                            </dgm:alg>
+                            <dgm:shape xmlns:r="http://schemas.openxmlformats.org/officeDocument/2006/relationships" r:blip="">
+                              <dgm:adjLst/>
+                            </dgm:shape>
+                            <dgm:presOf/>
+                            <dgm:constrLst>
+                              <dgm:constr type="alignOff" val="0.65"/>
+                            </dgm:constrLst>
+                          </dgm:if>
+                          <dgm:else name="Name75">
+                            <dgm:alg type="hierRoot">
+                              <dgm:param type="hierAlign" val="tL"/>
+                            </dgm:alg>
+                            <dgm:shape xmlns:r="http://schemas.openxmlformats.org/officeDocument/2006/relationships" r:blip="">
+                              <dgm:adjLst/>
+                            </dgm:shape>
+                            <dgm:presOf/>
+                            <dgm:constrLst>
+                              <dgm:constr type="alignOff" val="0.25"/>
+                            </dgm:constrLst>
+                          </dgm:else>
+                        </dgm:choose>
+                      </dgm:if>
+                      <dgm:else name="Name76">
+                        <dgm:alg type="hierRoot"/>
+                        <dgm:shape xmlns:r="http://schemas.openxmlformats.org/officeDocument/2006/relationships" r:blip="">
+                          <dgm:adjLst/>
+                        </dgm:shape>
+                        <dgm:presOf/>
+                        <dgm:constrLst>
+                          <dgm:constr type="alignOff"/>
+                          <dgm:constr type="bendDist" for="des" ptType="parTrans" refType="sp" fact="0.5"/>
+                        </dgm:constrLst>
+                      </dgm:else>
+                    </dgm:choose>
+                  </dgm:if>
+                  <dgm:else name="Name77">
+                    <dgm:alg type="hierRoot"/>
+                    <dgm:shape xmlns:r="http://schemas.openxmlformats.org/officeDocument/2006/relationships" r:blip="">
+                      <dgm:adjLst/>
+                    </dgm:shape>
+                    <dgm:presOf/>
+                    <dgm:constrLst>
+                      <dgm:constr type="alignOff" val="0.65"/>
+                    </dgm:constrLst>
+                  </dgm:else>
+                </dgm:choose>
+                <dgm:ruleLst/>
+                <dgm:layoutNode name="rootComposite">
+                  <dgm:alg type="composite"/>
+                  <dgm:shape xmlns:r="http://schemas.openxmlformats.org/officeDocument/2006/relationships" r:blip="">
+                    <dgm:adjLst/>
+                  </dgm:shape>
+                  <dgm:presOf axis="self" ptType="node" cnt="1"/>
+                  <dgm:choose name="Name78">
+                    <dgm:if name="Name79" func="var" arg="hierBranch" op="equ" val="init">
+                      <dgm:constrLst>
+                        <dgm:constr type="l" for="ch" forName="rootText"/>
+                        <dgm:constr type="t" for="ch" forName="rootText"/>
+                        <dgm:constr type="w" for="ch" forName="rootText" refType="w"/>
+                        <dgm:constr type="h" for="ch" forName="rootText" refType="h"/>
+                        <dgm:constr type="l" for="ch" forName="rootConnector"/>
+                        <dgm:constr type="t" for="ch" forName="rootConnector"/>
+                        <dgm:constr type="w" for="ch" forName="rootConnector" refType="w" refFor="ch" refForName="rootText" fact="0.2"/>
+                        <dgm:constr type="h" for="ch" forName="rootConnector" refType="h" refFor="ch" refForName="rootText"/>
+                      </dgm:constrLst>
+                    </dgm:if>
+                    <dgm:if name="Name80" func="var" arg="hierBranch" op="equ" val="l">
+                      <dgm:constrLst>
+                        <dgm:constr type="l" for="ch" forName="rootText"/>
+                        <dgm:constr type="t" for="ch" forName="rootText"/>
+                        <dgm:constr type="w" for="ch" forName="rootText" refType="w"/>
+                        <dgm:constr type="h" for="ch" forName="rootText" refType="h"/>
+                        <dgm:constr type="r" for="ch" forName="rootConnector" refType="w"/>
+                        <dgm:constr type="t" for="ch" forName="rootConnector"/>
+                        <dgm:constr type="w" for="ch" forName="rootConnector" refType="w" refFor="ch" refForName="rootText" fact="0.2"/>
+                        <dgm:constr type="h" for="ch" forName="rootConnector" refType="h" refFor="ch" refForName="rootText"/>
+                      </dgm:constrLst>
+                    </dgm:if>
+                    <dgm:if name="Name81" func="var" arg="hierBranch" op="equ" val="r">
+                      <dgm:constrLst>
+                        <dgm:constr type="l" for="ch" forName="rootText"/>
+                        <dgm:constr type="t" for="ch" forName="rootText"/>
+                        <dgm:constr type="w" for="ch" forName="rootText" refType="w"/>
+                        <dgm:constr type="h" for="ch" forName="rootText" refType="h"/>
+                        <dgm:constr type="l" for="ch" forName="rootConnector"/>
+                        <dgm:constr type="t" for="ch" forName="rootConnector"/>
+                        <dgm:constr type="w" for="ch" forName="rootConnector" refType="w" refFor="ch" refForName="rootText" fact="0.2"/>
+                        <dgm:constr type="h" for="ch" forName="rootConnector" refType="h" refFor="ch" refForName="rootText"/>
+                      </dgm:constrLst>
+                    </dgm:if>
+                    <dgm:else name="Name82">
+                      <dgm:constrLst>
+                        <dgm:constr type="l" for="ch" forName="rootText"/>
+                        <dgm:constr type="t" for="ch" forName="rootText"/>
+                        <dgm:constr type="w" for="ch" forName="rootText" refType="w"/>
+                        <dgm:constr type="h" for="ch" forName="rootText" refType="h"/>
+                        <dgm:constr type="r" for="ch" forName="rootConnector" refType="w"/>
+                        <dgm:constr type="t" for="ch" forName="rootConnector"/>
+                        <dgm:constr type="w" for="ch" forName="rootConnector" refType="w" refFor="ch" refForName="rootText" fact="0.2"/>
+                        <dgm:constr type="h" for="ch" forName="rootConnector" refType="h" refFor="ch" refForName="rootText"/>
+                      </dgm:constrLst>
+                    </dgm:else>
+                  </dgm:choose>
+                  <dgm:ruleLst/>
+                  <dgm:layoutNode name="rootText">
+                    <dgm:varLst>
+                      <dgm:chPref val="3"/>
+                    </dgm:varLst>
+                    <dgm:alg type="tx"/>
+                    <dgm:shape xmlns:r="http://schemas.openxmlformats.org/officeDocument/2006/relationships" type="rect" r:blip="">
+                      <dgm:adjLst/>
+                    </dgm:shape>
+                    <dgm:presOf axis="self" ptType="node" cnt="1"/>
+                    <dgm:constrLst>
+                      <dgm:constr type="primFontSz" val="65"/>
+                      <dgm:constr type="lMarg" refType="primFontSz" fact="0.05"/>
+                      <dgm:constr type="rMarg" refType="primFontSz" fact="0.05"/>
+                      <dgm:constr type="tMarg" refType="primFontSz" fact="0.05"/>
+                      <dgm:constr type="bMarg" refType="primFontSz" fact="0.05"/>
+                    </dgm:constrLst>
+                    <dgm:ruleLst>
+                      <dgm:rule type="primFontSz" val="5" fact="NaN" max="NaN"/>
+                    </dgm:ruleLst>
+                  </dgm:layoutNode>
+                  <dgm:layoutNode name="rootConnector" moveWith="rootText">
+                    <dgm:alg type="sp"/>
+                    <dgm:shape xmlns:r="http://schemas.openxmlformats.org/officeDocument/2006/relationships" type="rect" r:blip="" hideGeom="1">
+                      <dgm:adjLst/>
+                    </dgm:shape>
+                    <dgm:presOf axis="self" ptType="node" cnt="1"/>
+                    <dgm:constrLst/>
+                    <dgm:ruleLst/>
+                  </dgm:layoutNode>
+                </dgm:layoutNode>
+                <dgm:layoutNode name="hierChild4">
+                  <dgm:choose name="Name83">
+                    <dgm:if name="Name84" func="var" arg="hierBranch" op="equ" val="l">
+                      <dgm:alg type="hierChild">
+                        <dgm:param type="chAlign" val="r"/>
+                        <dgm:param type="linDir" val="fromT"/>
+                      </dgm:alg>
+                    </dgm:if>
+                    <dgm:if name="Name85" func="var" arg="hierBranch" op="equ" val="r">
+                      <dgm:alg type="hierChild">
+                        <dgm:param type="chAlign" val="l"/>
+                        <dgm:param type="linDir" val="fromT"/>
+                      </dgm:alg>
+                    </dgm:if>
+                    <dgm:if name="Name86" func="var" arg="hierBranch" op="equ" val="hang">
+                      <dgm:choose name="Name87">
+                        <dgm:if name="Name88" func="var" arg="dir" op="equ" val="norm">
+                          <dgm:alg type="hierChild">
+                            <dgm:param type="chAlign" val="l"/>
+                            <dgm:param type="linDir" val="fromL"/>
+                            <dgm:param type="secChAlign" val="t"/>
+                            <dgm:param type="secLinDir" val="fromT"/>
+                          </dgm:alg>
+                        </dgm:if>
+                        <dgm:else name="Name89">
+                          <dgm:alg type="hierChild">
+                            <dgm:param type="chAlign" val="l"/>
+                            <dgm:param type="linDir" val="fromR"/>
+                            <dgm:param type="secChAlign" val="t"/>
+                            <dgm:param type="secLinDir" val="fromT"/>
+                          </dgm:alg>
+                        </dgm:else>
+                      </dgm:choose>
+                    </dgm:if>
+                    <dgm:if name="Name90" func="var" arg="hierBranch" op="equ" val="std">
+                      <dgm:choose name="Name91">
+                        <dgm:if name="Name92" func="var" arg="dir" op="equ" val="norm">
+                          <dgm:alg type="hierChild"/>
+                        </dgm:if>
+                        <dgm:else name="Name93">
+                          <dgm:alg type="hierChild">
+                            <dgm:param type="linDir" val="fromR"/>
+                          </dgm:alg>
+                        </dgm:else>
+                      </dgm:choose>
+                    </dgm:if>
+                    <dgm:if name="Name94" func="var" arg="hierBranch" op="equ" val="init">
+                      <dgm:choose name="Name95">
+                        <dgm:if name="Name96" axis="des" func="maxDepth" op="lte" val="1">
+                          <dgm:alg type="hierChild">
+                            <dgm:param type="chAlign" val="l"/>
+                            <dgm:param type="linDir" val="fromT"/>
+                          </dgm:alg>
+                        </dgm:if>
+                        <dgm:else name="Name97">
+                          <dgm:choose name="Name98">
+                            <dgm:if name="Name99" func="var" arg="dir" op="equ" val="norm">
+                              <dgm:alg type="hierChild"/>
+                            </dgm:if>
+                            <dgm:else name="Name100">
+                              <dgm:alg type="hierChild">
+                                <dgm:param type="linDir" val="fromR"/>
+                              </dgm:alg>
+                            </dgm:else>
+                          </dgm:choose>
+                        </dgm:else>
+                      </dgm:choose>
+                    </dgm:if>
+                    <dgm:else name="Name101"/>
+                  </dgm:choose>
+                  <dgm:shape xmlns:r="http://schemas.openxmlformats.org/officeDocument/2006/relationships" r:blip="">
+                    <dgm:adjLst/>
+                  </dgm:shape>
+                  <dgm:presOf/>
+                  <dgm:constrLst/>
+                  <dgm:ruleLst/>
+                  <dgm:forEach name="Name102" ref="rep2a"/>
+                </dgm:layoutNode>
+                <dgm:layoutNode name="hierChild5">
+                  <dgm:choose name="Name103">
+                    <dgm:if name="Name104" func="var" arg="dir" op="equ" val="norm">
+                      <dgm:alg type="hierChild">
+                        <dgm:param type="chAlign" val="l"/>
+                        <dgm:param type="linDir" val="fromL"/>
+                        <dgm:param type="secChAlign" val="t"/>
+                        <dgm:param type="secLinDir" val="fromT"/>
+                      </dgm:alg>
+                    </dgm:if>
+                    <dgm:else name="Name105">
+                      <dgm:alg type="hierChild">
+                        <dgm:param type="chAlign" val="l"/>
+                        <dgm:param type="linDir" val="fromR"/>
+                        <dgm:param type="secChAlign" val="t"/>
+                        <dgm:param type="secLinDir" val="fromT"/>
+                      </dgm:alg>
+                    </dgm:else>
+                  </dgm:choose>
+                  <dgm:shape xmlns:r="http://schemas.openxmlformats.org/officeDocument/2006/relationships" r:blip="">
+                    <dgm:adjLst/>
+                  </dgm:shape>
+                  <dgm:presOf/>
+                  <dgm:constrLst/>
+                  <dgm:ruleLst/>
+                  <dgm:forEach name="Name106" ref="rep2b"/>
+                </dgm:layoutNode>
+              </dgm:layoutNode>
+            </dgm:forEach>
+          </dgm:layoutNode>
+          <dgm:layoutNode name="hierChild3">
+            <dgm:choose name="Name107">
+              <dgm:if name="Name108" func="var" arg="dir" op="equ" val="norm">
+                <dgm:alg type="hierChild">
+                  <dgm:param type="chAlign" val="l"/>
+                  <dgm:param type="linDir" val="fromL"/>
+                  <dgm:param type="secChAlign" val="t"/>
+                  <dgm:param type="secLinDir" val="fromT"/>
+                </dgm:alg>
+              </dgm:if>
+              <dgm:else name="Name109">
+                <dgm:alg type="hierChild">
+                  <dgm:param type="chAlign" val="l"/>
+                  <dgm:param type="linDir" val="fromR"/>
+                  <dgm:param type="secChAlign" val="t"/>
+                  <dgm:param type="secLinDir" val="fromT"/>
+                </dgm:alg>
+              </dgm:else>
+            </dgm:choose>
+            <dgm:shape xmlns:r="http://schemas.openxmlformats.org/officeDocument/2006/relationships" r:blip="">
+              <dgm:adjLst/>
+            </dgm:shape>
+            <dgm:presOf/>
+            <dgm:constrLst/>
+            <dgm:ruleLst/>
+            <dgm:forEach name="rep2b" axis="ch" ptType="asst">
+              <dgm:forEach name="Name110" axis="precedSib" ptType="parTrans" st="-1" cnt="1">
+                <dgm:layoutNode name="Name111">
+                  <dgm:alg type="conn">
+                    <dgm:param type="connRout" val="bend"/>
+                    <dgm:param type="dim" val="1D"/>
+                    <dgm:param type="endSty" val="noArr"/>
+                    <dgm:param type="begPts" val="bCtr"/>
+                    <dgm:param type="endPts" val="midL midR"/>
+                  </dgm:alg>
+                  <dgm:shape xmlns:r="http://schemas.openxmlformats.org/officeDocument/2006/relationships" type="conn" r:blip="" zOrderOff="-99999">
+                    <dgm:adjLst/>
+                  </dgm:shape>
+                  <dgm:presOf axis="self"/>
+                  <dgm:constrLst>
+                    <dgm:constr type="begPad"/>
+                    <dgm:constr type="endPad"/>
+                  </dgm:constrLst>
+                  <dgm:ruleLst/>
+                </dgm:layoutNode>
+              </dgm:forEach>
+              <dgm:layoutNode name="hierRoot3">
+                <dgm:varLst>
+                  <dgm:hierBranch val="init"/>
+                </dgm:varLst>
+                <dgm:choose name="Name112">
+                  <dgm:if name="Name113" func="var" arg="hierBranch" op="equ" val="l">
+                    <dgm:alg type="hierRoot">
+                      <dgm:param type="hierAlign" val="tR"/>
+                    </dgm:alg>
+                    <dgm:shape xmlns:r="http://schemas.openxmlformats.org/officeDocument/2006/relationships" r:blip="">
+                      <dgm:adjLst/>
+                    </dgm:shape>
+                    <dgm:presOf/>
+                    <dgm:constrLst>
+                      <dgm:constr type="alignOff" val="0.65"/>
+                    </dgm:constrLst>
+                  </dgm:if>
+                  <dgm:if name="Name114" func="var" arg="hierBranch" op="equ" val="r">
+                    <dgm:alg type="hierRoot">
+                      <dgm:param type="hierAlign" val="tL"/>
+                    </dgm:alg>
+                    <dgm:shape xmlns:r="http://schemas.openxmlformats.org/officeDocument/2006/relationships" r:blip="">
+                      <dgm:adjLst/>
+                    </dgm:shape>
+                    <dgm:presOf/>
+                    <dgm:constrLst>
+                      <dgm:constr type="alignOff" val="0.65"/>
+                    </dgm:constrLst>
+                  </dgm:if>
+                  <dgm:if name="Name115" func="var" arg="hierBranch" op="equ" val="hang">
+                    <dgm:alg type="hierRoot"/>
+                    <dgm:shape xmlns:r="http://schemas.openxmlformats.org/officeDocument/2006/relationships" r:blip="">
+                      <dgm:adjLst/>
+                    </dgm:shape>
+                    <dgm:presOf/>
+                    <dgm:constrLst>
+                      <dgm:constr type="alignOff" val="0.65"/>
+                    </dgm:constrLst>
+                  </dgm:if>
+                  <dgm:if name="Name116" func="var" arg="hierBranch" op="equ" val="std">
+                    <dgm:alg type="hierRoot"/>
+                    <dgm:shape xmlns:r="http://schemas.openxmlformats.org/officeDocument/2006/relationships" r:blip="">
+                      <dgm:adjLst/>
+                    </dgm:shape>
+                    <dgm:presOf/>
+                    <dgm:constrLst>
+                      <dgm:constr type="alignOff"/>
+                      <dgm:constr type="bendDist" for="des" ptType="parTrans" refType="sp" fact="0.5"/>
+                    </dgm:constrLst>
+                  </dgm:if>
+                  <dgm:if name="Name117" func="var" arg="hierBranch" op="equ" val="init">
+                    <dgm:choose name="Name118">
+                      <dgm:if name="Name119" axis="des" func="maxDepth" op="lte" val="1">
+                        <dgm:alg type="hierRoot">
+                          <dgm:param type="hierAlign" val="tL"/>
+                        </dgm:alg>
+                        <dgm:shape xmlns:r="http://schemas.openxmlformats.org/officeDocument/2006/relationships" r:blip="">
+                          <dgm:adjLst/>
+                        </dgm:shape>
+                        <dgm:presOf/>
+                        <dgm:constrLst>
+                          <dgm:constr type="alignOff" val="0.65"/>
+                        </dgm:constrLst>
+                      </dgm:if>
+                      <dgm:else name="Name120">
+                        <dgm:alg type="hierRoot"/>
+                        <dgm:shape xmlns:r="http://schemas.openxmlformats.org/officeDocument/2006/relationships" r:blip="">
+                          <dgm:adjLst/>
+                        </dgm:shape>
+                        <dgm:presOf/>
+                        <dgm:constrLst>
+                          <dgm:constr type="alignOff"/>
+                          <dgm:constr type="bendDist" for="des" ptType="parTrans" refType="sp" fact="0.5"/>
+                        </dgm:constrLst>
+                      </dgm:else>
+                    </dgm:choose>
+                  </dgm:if>
+                  <dgm:else name="Name121"/>
+                </dgm:choose>
+                <dgm:ruleLst/>
+                <dgm:layoutNode name="rootComposite3">
+                  <dgm:alg type="composite"/>
+                  <dgm:shape xmlns:r="http://schemas.openxmlformats.org/officeDocument/2006/relationships" r:blip="">
+                    <dgm:adjLst/>
+                  </dgm:shape>
+                  <dgm:presOf axis="self" ptType="node" cnt="1"/>
+                  <dgm:choose name="Name122">
+                    <dgm:if name="Name123" func="var" arg="hierBranch" op="equ" val="init">
+                      <dgm:constrLst>
+                        <dgm:constr type="l" for="ch" forName="rootText3"/>
+                        <dgm:constr type="t" for="ch" forName="rootText3"/>
+                        <dgm:constr type="w" for="ch" forName="rootText3" refType="w"/>
+                        <dgm:constr type="h" for="ch" forName="rootText3" refType="h"/>
+                        <dgm:constr type="l" for="ch" forName="rootConnector3"/>
+                        <dgm:constr type="t" for="ch" forName="rootConnector3"/>
+                        <dgm:constr type="w" for="ch" forName="rootConnector3" refType="w" refFor="ch" refForName="rootText3" fact="0.2"/>
+                        <dgm:constr type="h" for="ch" forName="rootConnector3" refType="h" refFor="ch" refForName="rootText3"/>
+                      </dgm:constrLst>
+                    </dgm:if>
+                    <dgm:if name="Name124" func="var" arg="hierBranch" op="equ" val="l">
+                      <dgm:constrLst>
+                        <dgm:constr type="l" for="ch" forName="rootText3"/>
+                        <dgm:constr type="t" for="ch" forName="rootText3"/>
+                        <dgm:constr type="w" for="ch" forName="rootText3" refType="w"/>
+                        <dgm:constr type="h" for="ch" forName="rootText3" refType="h"/>
+                        <dgm:constr type="r" for="ch" forName="rootConnector3" refType="w"/>
+                        <dgm:constr type="t" for="ch" forName="rootConnector3"/>
+                        <dgm:constr type="w" for="ch" forName="rootConnector3" refType="w" refFor="ch" refForName="rootText3" fact="0.2"/>
+                        <dgm:constr type="h" for="ch" forName="rootConnector3" refType="h" refFor="ch" refForName="rootText3"/>
+                      </dgm:constrLst>
+                    </dgm:if>
+                    <dgm:if name="Name125" func="var" arg="hierBranch" op="equ" val="r">
+                      <dgm:constrLst>
+                        <dgm:constr type="l" for="ch" forName="rootText3"/>
+                        <dgm:constr type="t" for="ch" forName="rootText3"/>
+                        <dgm:constr type="w" for="ch" forName="rootText3" refType="w"/>
+                        <dgm:constr type="h" for="ch" forName="rootText3" refType="h"/>
+                        <dgm:constr type="l" for="ch" forName="rootConnector3"/>
+                        <dgm:constr type="t" for="ch" forName="rootConnector3"/>
+                        <dgm:constr type="w" for="ch" forName="rootConnector3" refType="w" refFor="ch" refForName="rootText3" fact="0.2"/>
+                        <dgm:constr type="h" for="ch" forName="rootConnector3" refType="h" refFor="ch" refForName="rootText3"/>
+                      </dgm:constrLst>
+                    </dgm:if>
+                    <dgm:else name="Name126">
+                      <dgm:constrLst>
+                        <dgm:constr type="l" for="ch" forName="rootText3"/>
+                        <dgm:constr type="t" for="ch" forName="rootText3"/>
+                        <dgm:constr type="w" for="ch" forName="rootText3" refType="w"/>
+                        <dgm:constr type="h" for="ch" forName="rootText3" refType="h"/>
+                        <dgm:constr type="r" for="ch" forName="rootConnector3" refType="w"/>
+                        <dgm:constr type="t" for="ch" forName="rootConnector3"/>
+                        <dgm:constr type="w" for="ch" forName="rootConnector3" refType="w" refFor="ch" refForName="rootText3" fact="0.2"/>
+                        <dgm:constr type="h" for="ch" forName="rootConnector3" refType="h" refFor="ch" refForName="rootText3"/>
+                      </dgm:constrLst>
+                    </dgm:else>
+                  </dgm:choose>
+                  <dgm:ruleLst/>
+                  <dgm:layoutNode name="rootText3">
+                    <dgm:varLst>
+                      <dgm:chPref val="3"/>
+                    </dgm:varLst>
+                    <dgm:alg type="tx"/>
+                    <dgm:shape xmlns:r="http://schemas.openxmlformats.org/officeDocument/2006/relationships" type="rect" r:blip="">
+                      <dgm:adjLst/>
+                    </dgm:shape>
+                    <dgm:presOf axis="self" ptType="node" cnt="1"/>
+                    <dgm:constrLst>
+                      <dgm:constr type="primFontSz" val="65"/>
+                      <dgm:constr type="lMarg" refType="primFontSz" fact="0.05"/>
+                      <dgm:constr type="rMarg" refType="primFontSz" fact="0.05"/>
+                      <dgm:constr type="tMarg" refType="primFontSz" fact="0.05"/>
+                      <dgm:constr type="bMarg" refType="primFontSz" fact="0.05"/>
+                    </dgm:constrLst>
+                    <dgm:ruleLst>
+                      <dgm:rule type="primFontSz" val="5" fact="NaN" max="NaN"/>
+                    </dgm:ruleLst>
+                  </dgm:layoutNode>
+                  <dgm:layoutNode name="rootConnector3" moveWith="rootText1">
+                    <dgm:alg type="sp"/>
+                    <dgm:shape xmlns:r="http://schemas.openxmlformats.org/officeDocument/2006/relationships" type="rect" r:blip="" hideGeom="1">
+                      <dgm:adjLst/>
+                    </dgm:shape>
+                    <dgm:presOf axis="self" ptType="node" cnt="1"/>
+                    <dgm:constrLst/>
+                    <dgm:ruleLst/>
+                  </dgm:layoutNode>
+                </dgm:layoutNode>
+                <dgm:layoutNode name="hierChild6">
+                  <dgm:choose name="Name127">
+                    <dgm:if name="Name128" func="var" arg="hierBranch" op="equ" val="l">
+                      <dgm:alg type="hierChild">
+                        <dgm:param type="chAlign" val="r"/>
+                        <dgm:param type="linDir" val="fromT"/>
+                      </dgm:alg>
+                    </dgm:if>
+                    <dgm:if name="Name129" func="var" arg="hierBranch" op="equ" val="r">
+                      <dgm:alg type="hierChild">
+                        <dgm:param type="chAlign" val="l"/>
+                        <dgm:param type="linDir" val="fromT"/>
+                      </dgm:alg>
+                    </dgm:if>
+                    <dgm:if name="Name130" func="var" arg="hierBranch" op="equ" val="hang">
+                      <dgm:choose name="Name131">
+                        <dgm:if name="Name132" func="var" arg="dir" op="equ" val="norm">
+                          <dgm:alg type="hierChild">
+                            <dgm:param type="chAlign" val="l"/>
+                            <dgm:param type="linDir" val="fromL"/>
+                            <dgm:param type="secChAlign" val="t"/>
+                            <dgm:param type="secLinDir" val="fromT"/>
+                          </dgm:alg>
+                        </dgm:if>
+                        <dgm:else name="Name133">
+                          <dgm:alg type="hierChild">
+                            <dgm:param type="chAlign" val="l"/>
+                            <dgm:param type="linDir" val="fromR"/>
+                            <dgm:param type="secChAlign" val="t"/>
+                            <dgm:param type="secLinDir" val="fromT"/>
+                          </dgm:alg>
+                        </dgm:else>
+                      </dgm:choose>
+                    </dgm:if>
+                    <dgm:if name="Name134" func="var" arg="hierBranch" op="equ" val="std">
+                      <dgm:choose name="Name135">
+                        <dgm:if name="Name136" func="var" arg="dir" op="equ" val="norm">
+                          <dgm:alg type="hierChild"/>
+                        </dgm:if>
+                        <dgm:else name="Name137">
+                          <dgm:alg type="hierChild">
+                            <dgm:param type="linDir" val="fromR"/>
+                          </dgm:alg>
+                        </dgm:else>
+                      </dgm:choose>
+                    </dgm:if>
+                    <dgm:if name="Name138" func="var" arg="hierBranch" op="equ" val="init">
+                      <dgm:choose name="Name139">
+                        <dgm:if name="Name140" axis="des" func="maxDepth" op="lte" val="1">
+                          <dgm:alg type="hierChild">
+                            <dgm:param type="chAlign" val="l"/>
+                            <dgm:param type="linDir" val="fromT"/>
+                          </dgm:alg>
+                        </dgm:if>
+                        <dgm:else name="Name141">
+                          <dgm:alg type="hierChild"/>
+                        </dgm:else>
+                      </dgm:choose>
+                    </dgm:if>
+                    <dgm:else name="Name142"/>
+                  </dgm:choose>
+                  <dgm:shape xmlns:r="http://schemas.openxmlformats.org/officeDocument/2006/relationships" r:blip="">
+                    <dgm:adjLst/>
+                  </dgm:shape>
+                  <dgm:presOf/>
+                  <dgm:constrLst/>
+                  <dgm:ruleLst/>
+                  <dgm:forEach name="Name143" ref="rep2a"/>
+                </dgm:layoutNode>
+                <dgm:layoutNode name="hierChild7">
+                  <dgm:choose name="Name144">
+                    <dgm:if name="Name145" func="var" arg="dir" op="equ" val="norm">
+                      <dgm:alg type="hierChild">
+                        <dgm:param type="chAlign" val="l"/>
+                        <dgm:param type="linDir" val="fromL"/>
+                        <dgm:param type="secChAlign" val="t"/>
+                        <dgm:param type="secLinDir" val="fromT"/>
+                      </dgm:alg>
+                    </dgm:if>
+                    <dgm:else name="Name146">
+                      <dgm:alg type="hierChild">
+                        <dgm:param type="chAlign" val="l"/>
+                        <dgm:param type="linDir" val="fromR"/>
+                        <dgm:param type="secChAlign" val="t"/>
+                        <dgm:param type="secLinDir" val="fromT"/>
+                      </dgm:alg>
+                    </dgm:else>
+                  </dgm:choose>
+                  <dgm:shape xmlns:r="http://schemas.openxmlformats.org/officeDocument/2006/relationships" r:blip="">
+                    <dgm:adjLst/>
+                  </dgm:shape>
+                  <dgm:presOf/>
+                  <dgm:constrLst/>
+                  <dgm:ruleLst/>
+                  <dgm:forEach name="Name147" ref="rep2b"/>
+                </dgm:layoutNode>
+              </dgm:layoutNode>
+            </dgm:forEach>
+          </dgm:layoutNode>
+        </dgm:layoutNode>
+      </dgm:forEach>
+    </dgm:forEach>
+  </dgm:layoutNode>
+</dgm:layoutDef>
+</file>
+
+<file path=ppt/diagrams/quickStyle1.xml><?xml version="1.0" encoding="utf-8"?>
+<dgm:styleDef xmlns:dgm="http://schemas.openxmlformats.org/drawingml/2006/diagram" xmlns:a="http://schemas.openxmlformats.org/drawingml/2006/main" uniqueId="urn:microsoft.com/office/officeart/2005/8/quickstyle/simple1">
+  <dgm:title val=""/>
+  <dgm:desc val=""/>
+  <dgm:catLst>
+    <dgm:cat type="simple" pri="10100"/>
+  </dgm:catLst>
+  <dgm:scene3d>
+    <a:camera prst="orthographicFront"/>
+    <a:lightRig rig="threePt" dir="t"/>
+  </dgm:scene3d>
+  <dgm:styleLbl name="node0">
+    <dgm:scene3d>
+      <a:camera prst="orthographicFront"/>
+      <a:lightRig rig="threePt" dir="t"/>
+    </dgm:scene3d>
+    <dgm:sp3d/>
+    <dgm:txPr/>
+    <dgm:style>
+      <a:lnRef idx="2">
+        <a:scrgbClr r="0" g="0" b="0"/>
+      </a:lnRef>
+      <a:fillRef idx="1">
+        <a:scrgbClr r="0" g="0" b="0"/>
+      </a:fillRef>
+      <a:effectRef idx="0">
+        <a:scrgbClr r="0" g="0" b="0"/>
+      </a:effectRef>
+      <a:fontRef idx="minor">
+        <a:schemeClr val="lt1"/>
+      </a:fontRef>
+    </dgm:style>
+  </dgm:styleLbl>
+  <dgm:styleLbl name="lnNode1">
+    <dgm:scene3d>
+      <a:camera prst="orthographicFront"/>
+      <a:lightRig rig="threePt" dir="t"/>
+    </dgm:scene3d>
+    <dgm:sp3d/>
+    <dgm:txPr/>
+    <dgm:style>
+      <a:lnRef idx="2">
+        <a:scrgbClr r="0" g="0" b="0"/>
+      </a:lnRef>
+      <a:fillRef idx="1">
+        <a:scrgbClr r="0" g="0" b="0"/>
+      </a:fillRef>
+      <a:effectRef idx="0">
+        <a:scrgbClr r="0" g="0" b="0"/>
+      </a:effectRef>
+      <a:fontRef idx="minor">
+        <a:schemeClr val="lt1"/>
+      </a:fontRef>
+    </dgm:style>
+  </dgm:styleLbl>
+  <dgm:styleLbl name="vennNode1">
+    <dgm:scene3d>
+      <a:camera prst="orthographicFront"/>
+      <a:lightRig rig="threePt" dir="t"/>
+    </dgm:scene3d>
+    <dgm:sp3d/>
+    <dgm:txPr/>
+    <dgm:style>
+      <a:lnRef idx="2">
+        <a:scrgbClr r="0" g="0" b="0"/>
+      </a:lnRef>
+      <a:fillRef idx="1">
+        <a:scrgbClr r="0" g="0" b="0"/>
+      </a:fillRef>
+      <a:effectRef idx="0">
+        <a:scrgbClr r="0" g="0" b="0"/>
+      </a:effectRef>
+      <a:fontRef idx="minor">
+        <a:schemeClr val="tx1"/>
+      </a:fontRef>
+    </dgm:style>
+  </dgm:styleLbl>
+  <dgm:styleLbl name="alignNode1">
+    <dgm:scene3d>
+      <a:camera prst="orthographicFront"/>
+      <a:lightRig rig="threePt" dir="t"/>
+    </dgm:scene3d>
+    <dgm:sp3d/>
+    <dgm:txPr/>
+    <dgm:style>
+      <a:lnRef idx="2">
+        <a:scrgbClr r="0" g="0" b="0"/>
+      </a:lnRef>
+      <a:fillRef idx="1">
+        <a:scrgbClr r="0" g="0" b="0"/>
+      </a:fillRef>
+      <a:effectRef idx="0">
+        <a:scrgbClr r="0" g="0" b="0"/>
+      </a:effectRef>
+      <a:fontRef idx="minor">
+        <a:schemeClr val="lt1"/>
+      </a:fontRef>
+    </dgm:style>
+  </dgm:styleLbl>
+  <dgm:styleLbl name="node1">
+    <dgm:scene3d>
+      <a:camera prst="orthographicFront"/>
+      <a:lightRig rig="threePt" dir="t"/>
+    </dgm:scene3d>
+    <dgm:sp3d/>
+    <dgm:txPr/>
+    <dgm:style>
+      <a:lnRef idx="2">
+        <a:scrgbClr r="0" g="0" b="0"/>
+      </a:lnRef>
+      <a:fillRef idx="1">
+        <a:scrgbClr r="0" g="0" b="0"/>
+      </a:fillRef>
+      <a:effectRef idx="0">
+        <a:scrgbClr r="0" g="0" b="0"/>
+      </a:effectRef>
+      <a:fontRef idx="minor">
+        <a:schemeClr val="lt1"/>
+      </a:fontRef>
+    </dgm:style>
+  </dgm:styleLbl>
+  <dgm:styleLbl name="node2">
+    <dgm:scene3d>
+      <a:camera prst="orthographicFront"/>
+      <a:lightRig rig="threePt" dir="t"/>
+    </dgm:scene3d>
+    <dgm:sp3d/>
+    <dgm:txPr/>
+    <dgm:style>
+      <a:lnRef idx="2">
+        <a:scrgbClr r="0" g="0" b="0"/>
+      </a:lnRef>
+      <a:fillRef idx="1">
+        <a:scrgbClr r="0" g="0" b="0"/>
+      </a:fillRef>
+      <a:effectRef idx="0">
+        <a:scrgbClr r="0" g="0" b="0"/>
+      </a:effectRef>
+      <a:fontRef idx="minor">
+        <a:schemeClr val="lt1"/>
+      </a:fontRef>
+    </dgm:style>
+  </dgm:styleLbl>
+  <dgm:styleLbl name="node3">
+    <dgm:scene3d>
+      <a:camera prst="orthographicFront"/>
+      <a:lightRig rig="threePt" dir="t"/>
+    </dgm:scene3d>
+    <dgm:sp3d/>
+    <dgm:txPr/>
+    <dgm:style>
+      <a:lnRef idx="2">
+        <a:scrgbClr r="0" g="0" b="0"/>
+      </a:lnRef>
+      <a:fillRef idx="1">
+        <a:scrgbClr r="0" g="0" b="0"/>
+      </a:fillRef>
+      <a:effectRef idx="0">
+        <a:scrgbClr r="0" g="0" b="0"/>
+      </a:effectRef>
+      <a:fontRef idx="minor">
+        <a:schemeClr val="lt1"/>
+      </a:fontRef>
+    </dgm:style>
+  </dgm:styleLbl>
+  <dgm:styleLbl name="node4">
+    <dgm:scene3d>
+      <a:camera prst="orthographicFront"/>
+      <a:lightRig rig="threePt" dir="t"/>
+    </dgm:scene3d>
+    <dgm:sp3d/>
+    <dgm:txPr/>
+    <dgm:style>
+      <a:lnRef idx="2">
+        <a:scrgbClr r="0" g="0" b="0"/>
+      </a:lnRef>
+      <a:fillRef idx="1">
+        <a:scrgbClr r="0" g="0" b="0"/>
+      </a:fillRef>
+      <a:effectRef idx="0">
+        <a:scrgbClr r="0" g="0" b="0"/>
+      </a:effectRef>
+      <a:fontRef idx="minor">
+        <a:schemeClr val="lt1"/>
+      </a:fontRef>
+    </dgm:style>
+  </dgm:styleLbl>
+  <dgm:styleLbl name="fgImgPlace1">
+    <dgm:scene3d>
+      <a:camera prst="orthographicFront"/>
+      <a:lightRig rig="threePt" dir="t"/>
+    </dgm:scene3d>
+    <dgm:sp3d/>
+    <dgm:txPr/>
+    <dgm:style>
+      <a:lnRef idx="2">
+        <a:scrgbClr r="0" g="0" b="0"/>
+      </a:lnRef>
+      <a:fillRef idx="1">
+        <a:scrgbClr r="0" g="0" b="0"/>
+      </a:fillRef>
+      <a:effectRef idx="0">
+        <a:scrgbClr r="0" g="0" b="0"/>
+      </a:effectRef>
+      <a:fontRef idx="minor"/>
+    </dgm:style>
+  </dgm:styleLbl>
+  <dgm:styleLbl name="alignImgPlace1">
+    <dgm:scene3d>
+      <a:camera prst="orthographicFront"/>
+      <a:lightRig rig="threePt" dir="t"/>
+    </dgm:scene3d>
+    <dgm:sp3d/>
+    <dgm:txPr/>
+    <dgm:style>
+      <a:lnRef idx="2">
+        <a:scrgbClr r="0" g="0" b="0"/>
+      </a:lnRef>
+      <a:fillRef idx="1">
+        <a:scrgbClr r="0" g="0" b="0"/>
+      </a:fillRef>
+      <a:effectRef idx="0">
+        <a:scrgbClr r="0" g="0" b="0"/>
+      </a:effectRef>
+      <a:fontRef idx="minor"/>
+    </dgm:style>
+  </dgm:styleLbl>
+  <dgm:styleLbl name="bgImgPlace1">
+    <dgm:scene3d>
+      <a:camera prst="orthographicFront"/>
+      <a:lightRig rig="threePt" dir="t"/>
+    </dgm:scene3d>
+    <dgm:sp3d/>
+    <dgm:txPr/>
+    <dgm:style>
+      <a:lnRef idx="2">
+        <a:scrgbClr r="0" g="0" b="0"/>
+      </a:lnRef>
+      <a:fillRef idx="1">
+        <a:scrgbClr r="0" g="0" b="0"/>
+      </a:fillRef>
+      <a:effectRef idx="0">
+        <a:scrgbClr r="0" g="0" b="0"/>
+      </a:effectRef>
+      <a:fontRef idx="minor"/>
+    </dgm:style>
+  </dgm:styleLbl>
+  <dgm:styleLbl name="sibTrans2D1">
+    <dgm:scene3d>
+      <a:camera prst="orthographicFront"/>
+      <a:lightRig rig="threePt" dir="t"/>
+    </dgm:scene3d>
+    <dgm:sp3d/>
+    <dgm:txPr/>
+    <dgm:style>
+      <a:lnRef idx="0">
+        <a:scrgbClr r="0" g="0" b="0"/>
+      </a:lnRef>
+      <a:fillRef idx="1">
+        <a:scrgbClr r="0" g="0" b="0"/>
+      </a:fillRef>
+      <a:effectRef idx="0">
+        <a:scrgbClr r="0" g="0" b="0"/>
+      </a:effectRef>
+      <a:fontRef idx="minor">
+        <a:schemeClr val="lt1"/>
+      </a:fontRef>
+    </dgm:style>
+  </dgm:styleLbl>
+  <dgm:styleLbl name="fgSibTrans2D1">
+    <dgm:scene3d>
+      <a:camera prst="orthographicFront"/>
+      <a:lightRig rig="threePt" dir="t"/>
+    </dgm:scene3d>
+    <dgm:sp3d/>
+    <dgm:txPr/>
+    <dgm:style>
+      <a:lnRef idx="0">
+        <a:scrgbClr r="0" g="0" b="0"/>
+      </a:lnRef>
+      <a:fillRef idx="1">
+        <a:scrgbClr r="0" g="0" b="0"/>
+      </a:fillRef>
+      <a:effectRef idx="0">
+        <a:scrgbClr r="0" g="0" b="0"/>
+      </a:effectRef>
+      <a:fontRef idx="minor">
+        <a:schemeClr val="lt1"/>
+      </a:fontRef>
+    </dgm:style>
+  </dgm:styleLbl>
+  <dgm:styleLbl name="bgSibTrans2D1">
+    <dgm:scene3d>
+      <a:camera prst="orthographicFront"/>
+      <a:lightRig rig="threePt" dir="t"/>
+    </dgm:scene3d>
+    <dgm:sp3d/>
+    <dgm:txPr/>
+    <dgm:style>
+      <a:lnRef idx="0">
+        <a:scrgbClr r="0" g="0" b="0"/>
+      </a:lnRef>
+      <a:fillRef idx="1">
+        <a:scrgbClr r="0" g="0" b="0"/>
+      </a:fillRef>
+      <a:effectRef idx="0">
+        <a:scrgbClr r="0" g="0" b="0"/>
+      </a:effectRef>
+      <a:fontRef idx="minor">
+        <a:schemeClr val="lt1"/>
+      </a:fontRef>
+    </dgm:style>
+  </dgm:styleLbl>
+  <dgm:styleLbl name="sibTrans1D1">
+    <dgm:scene3d>
+      <a:camera prst="orthographicFront"/>
+      <a:lightRig rig="threePt" dir="t"/>
+    </dgm:scene3d>
+    <dgm:sp3d/>
+    <dgm:txPr/>
+    <dgm:style>
+      <a:lnRef idx="1">
+        <a:scrgbClr r="0" g="0" b="0"/>
+      </a:lnRef>
+      <a:fillRef idx="0">
+        <a:scrgbClr r="0" g="0" b="0"/>
+      </a:fillRef>
+      <a:effectRef idx="0">
+        <a:scrgbClr r="0" g="0" b="0"/>
+      </a:effectRef>
+      <a:fontRef idx="minor"/>
+    </dgm:style>
+  </dgm:styleLbl>
+  <dgm:styleLbl name="callout">
+    <dgm:scene3d>
+      <a:camera prst="orthographicFront"/>
+      <a:lightRig rig="threePt" dir="t"/>
+    </dgm:scene3d>
+    <dgm:sp3d/>
+    <dgm:txPr/>
+    <dgm:style>
+      <a:lnRef idx="2">
+        <a:scrgbClr r="0" g="0" b="0"/>
+      </a:lnRef>
+      <a:fillRef idx="1">
+        <a:scrgbClr r="0" g="0" b="0"/>
+      </a:fillRef>
+      <a:effectRef idx="0">
+        <a:scrgbClr r="0" g="0" b="0"/>
+      </a:effectRef>
+      <a:fontRef idx="minor"/>
+    </dgm:style>
+  </dgm:styleLbl>
+  <dgm:styleLbl name="asst0">
+    <dgm:scene3d>
+      <a:camera prst="orthographicFront"/>
+      <a:lightRig rig="threePt" dir="t"/>
+    </dgm:scene3d>
+    <dgm:sp3d/>
+    <dgm:txPr/>
+    <dgm:style>
+      <a:lnRef idx="2">
+        <a:scrgbClr r="0" g="0" b="0"/>
+      </a:lnRef>
+      <a:fillRef idx="1">
+        <a:scrgbClr r="0" g="0" b="0"/>
+      </a:fillRef>
+      <a:effectRef idx="0">
+        <a:scrgbClr r="0" g="0" b="0"/>
+      </a:effectRef>
+      <a:fontRef idx="minor">
+        <a:schemeClr val="lt1"/>
+      </a:fontRef>
+    </dgm:style>
+  </dgm:styleLbl>
+  <dgm:styleLbl name="asst1">
+    <dgm:scene3d>
+      <a:camera prst="orthographicFront"/>
+      <a:lightRig rig="threePt" dir="t"/>
+    </dgm:scene3d>
+    <dgm:sp3d/>
+    <dgm:txPr/>
+    <dgm:style>
+      <a:lnRef idx="2">
+        <a:scrgbClr r="0" g="0" b="0"/>
+      </a:lnRef>
+      <a:fillRef idx="1">
+        <a:scrgbClr r="0" g="0" b="0"/>
+      </a:fillRef>
+      <a:effectRef idx="0">
+        <a:scrgbClr r="0" g="0" b="0"/>
+      </a:effectRef>
+      <a:fontRef idx="minor">
+        <a:schemeClr val="lt1"/>
+      </a:fontRef>
+    </dgm:style>
+  </dgm:styleLbl>
+  <dgm:styleLbl name="asst2">
+    <dgm:scene3d>
+      <a:camera prst="orthographicFront"/>
+      <a:lightRig rig="threePt" dir="t"/>
+    </dgm:scene3d>
+    <dgm:sp3d/>
+    <dgm:txPr/>
+    <dgm:style>
+      <a:lnRef idx="2">
+        <a:scrgbClr r="0" g="0" b="0"/>
+      </a:lnRef>
+      <a:fillRef idx="1">
+        <a:scrgbClr r="0" g="0" b="0"/>
+      </a:fillRef>
+      <a:effectRef idx="0">
+        <a:scrgbClr r="0" g="0" b="0"/>
+      </a:effectRef>
+      <a:fontRef idx="minor">
+        <a:schemeClr val="lt1"/>
+      </a:fontRef>
+    </dgm:style>
+  </dgm:styleLbl>
+  <dgm:styleLbl name="asst3">
+    <dgm:scene3d>
+      <a:camera prst="orthographicFront"/>
+      <a:lightRig rig="threePt" dir="t"/>
+    </dgm:scene3d>
+    <dgm:sp3d/>
+    <dgm:txPr/>
+    <dgm:style>
+      <a:lnRef idx="2">
+        <a:scrgbClr r="0" g="0" b="0"/>
+      </a:lnRef>
+      <a:fillRef idx="1">
+        <a:scrgbClr r="0" g="0" b="0"/>
+      </a:fillRef>
+      <a:effectRef idx="0">
+        <a:scrgbClr r="0" g="0" b="0"/>
+      </a:effectRef>
+      <a:fontRef idx="minor">
+        <a:schemeClr val="lt1"/>
+      </a:fontRef>
+    </dgm:style>
+  </dgm:styleLbl>
+  <dgm:styleLbl name="asst4">
+    <dgm:scene3d>
+      <a:camera prst="orthographicFront"/>
+      <a:lightRig rig="threePt" dir="t"/>
+    </dgm:scene3d>
+    <dgm:sp3d/>
+    <dgm:txPr/>
+    <dgm:style>
+      <a:lnRef idx="2">
+        <a:scrgbClr r="0" g="0" b="0"/>
+      </a:lnRef>
+      <a:fillRef idx="1">
+        <a:scrgbClr r="0" g="0" b="0"/>
+      </a:fillRef>
+      <a:effectRef idx="0">
+        <a:scrgbClr r="0" g="0" b="0"/>
+      </a:effectRef>
+      <a:fontRef idx="minor">
+        <a:schemeClr val="lt1"/>
+      </a:fontRef>
+    </dgm:style>
+  </dgm:styleLbl>
+  <dgm:styleLbl name="parChTrans2D1">
+    <dgm:scene3d>
+      <a:camera prst="orthographicFront"/>
+      <a:lightRig rig="threePt" dir="t"/>
+    </dgm:scene3d>
+    <dgm:sp3d/>
+    <dgm:txPr/>
+    <dgm:style>
+      <a:lnRef idx="2">
+        <a:scrgbClr r="0" g="0" b="0"/>
+      </a:lnRef>
+      <a:fillRef idx="1">
+        <a:scrgbClr r="0" g="0" b="0"/>
+      </a:fillRef>
+      <a:effectRef idx="0">
+        <a:scrgbClr r="0" g="0" b="0"/>
+      </a:effectRef>
+      <a:fontRef idx="minor">
+        <a:schemeClr val="lt1"/>
+      </a:fontRef>
+    </dgm:style>
+  </dgm:styleLbl>
+  <dgm:styleLbl name="parChTrans2D2">
+    <dgm:scene3d>
+      <a:camera prst="orthographicFront"/>
+      <a:lightRig rig="threePt" dir="t"/>
+    </dgm:scene3d>
+    <dgm:sp3d/>
+    <dgm:txPr/>
+    <dgm:style>
+      <a:lnRef idx="2">
+        <a:scrgbClr r="0" g="0" b="0"/>
+      </a:lnRef>
+      <a:fillRef idx="1">
+        <a:scrgbClr r="0" g="0" b="0"/>
+      </a:fillRef>
+      <a:effectRef idx="0">
+        <a:scrgbClr r="0" g="0" b="0"/>
+      </a:effectRef>
+      <a:fontRef idx="minor">
+        <a:schemeClr val="lt1"/>
+      </a:fontRef>
+    </dgm:style>
+  </dgm:styleLbl>
+  <dgm:styleLbl name="parChTrans2D3">
+    <dgm:scene3d>
+      <a:camera prst="orthographicFront"/>
+      <a:lightRig rig="threePt" dir="t"/>
+    </dgm:scene3d>
+    <dgm:sp3d/>
+    <dgm:txPr/>
+    <dgm:style>
+      <a:lnRef idx="2">
+        <a:scrgbClr r="0" g="0" b="0"/>
+      </a:lnRef>
+      <a:fillRef idx="1">
+        <a:scrgbClr r="0" g="0" b="0"/>
+      </a:fillRef>
+      <a:effectRef idx="0">
+        <a:scrgbClr r="0" g="0" b="0"/>
+      </a:effectRef>
+      <a:fontRef idx="minor">
+        <a:schemeClr val="lt1"/>
+      </a:fontRef>
+    </dgm:style>
+  </dgm:styleLbl>
+  <dgm:styleLbl name="parChTrans2D4">
+    <dgm:scene3d>
+      <a:camera prst="orthographicFront"/>
+      <a:lightRig rig="threePt" dir="t"/>
+    </dgm:scene3d>
+    <dgm:sp3d/>
+    <dgm:txPr/>
+    <dgm:style>
+      <a:lnRef idx="2">
+        <a:scrgbClr r="0" g="0" b="0"/>
+      </a:lnRef>
+      <a:fillRef idx="1">
+        <a:scrgbClr r="0" g="0" b="0"/>
+      </a:fillRef>
+      <a:effectRef idx="0">
+        <a:scrgbClr r="0" g="0" b="0"/>
+      </a:effectRef>
+      <a:fontRef idx="minor">
+        <a:schemeClr val="lt1"/>
+      </a:fontRef>
+    </dgm:style>
+  </dgm:styleLbl>
+  <dgm:styleLbl name="parChTrans1D1">
+    <dgm:scene3d>
+      <a:camera prst="orthographicFront"/>
+      <a:lightRig rig="threePt" dir="t"/>
+    </dgm:scene3d>
+    <dgm:sp3d/>
+    <dgm:txPr/>
+    <dgm:style>
+      <a:lnRef idx="2">
+        <a:scrgbClr r="0" g="0" b="0"/>
+      </a:lnRef>
+      <a:fillRef idx="0">
+        <a:scrgbClr r="0" g="0" b="0"/>
+      </a:fillRef>
+      <a:effectRef idx="0">
+        <a:scrgbClr r="0" g="0" b="0"/>
+      </a:effectRef>
+      <a:fontRef idx="minor"/>
+    </dgm:style>
+  </dgm:styleLbl>
+  <dgm:styleLbl name="parChTrans1D2">
+    <dgm:scene3d>
+      <a:camera prst="orthographicFront"/>
+      <a:lightRig rig="threePt" dir="t"/>
+    </dgm:scene3d>
+    <dgm:sp3d/>
+    <dgm:txPr/>
+    <dgm:style>
+      <a:lnRef idx="2">
+        <a:scrgbClr r="0" g="0" b="0"/>
+      </a:lnRef>
+      <a:fillRef idx="0">
+        <a:scrgbClr r="0" g="0" b="0"/>
+      </a:fillRef>
+      <a:effectRef idx="0">
+        <a:scrgbClr r="0" g="0" b="0"/>
+      </a:effectRef>
+      <a:fontRef idx="minor"/>
+    </dgm:style>
+  </dgm:styleLbl>
+  <dgm:styleLbl name="parChTrans1D3">
+    <dgm:scene3d>
+      <a:camera prst="orthographicFront"/>
+      <a:lightRig rig="threePt" dir="t"/>
+    </dgm:scene3d>
+    <dgm:sp3d/>
+    <dgm:txPr/>
+    <dgm:style>
+      <a:lnRef idx="2">
+        <a:scrgbClr r="0" g="0" b="0"/>
+      </a:lnRef>
+      <a:fillRef idx="0">
+        <a:scrgbClr r="0" g="0" b="0"/>
+      </a:fillRef>
+      <a:effectRef idx="0">
+        <a:scrgbClr r="0" g="0" b="0"/>
+      </a:effectRef>
+      <a:fontRef idx="minor"/>
+    </dgm:style>
+  </dgm:styleLbl>
+  <dgm:styleLbl name="parChTrans1D4">
+    <dgm:scene3d>
+      <a:camera prst="orthographicFront"/>
+      <a:lightRig rig="threePt" dir="t"/>
+    </dgm:scene3d>
+    <dgm:sp3d/>
+    <dgm:txPr/>
+    <dgm:style>
+      <a:lnRef idx="2">
+        <a:scrgbClr r="0" g="0" b="0"/>
+      </a:lnRef>
+      <a:fillRef idx="0">
+        <a:scrgbClr r="0" g="0" b="0"/>
+      </a:fillRef>
+      <a:effectRef idx="0">
+        <a:scrgbClr r="0" g="0" b="0"/>
+      </a:effectRef>
+      <a:fontRef idx="minor"/>
+    </dgm:style>
+  </dgm:styleLbl>
+  <dgm:styleLbl name="fgAcc1">
+    <dgm:scene3d>
+      <a:camera prst="orthographicFront"/>
+      <a:lightRig rig="threePt" dir="t"/>
+    </dgm:scene3d>
+    <dgm:sp3d/>
+    <dgm:txPr/>
+    <dgm:style>
+      <a:lnRef idx="2">
+        <a:scrgbClr r="0" g="0" b="0"/>
+      </a:lnRef>
+      <a:fillRef idx="1">
+        <a:scrgbClr r="0" g="0" b="0"/>
+      </a:fillRef>
+      <a:effectRef idx="0">
+        <a:scrgbClr r="0" g="0" b="0"/>
+      </a:effectRef>
+      <a:fontRef idx="minor"/>
+    </dgm:style>
+  </dgm:styleLbl>
+  <dgm:styleLbl name="conFgAcc1">
+    <dgm:scene3d>
+      <a:camera prst="orthographicFront"/>
+      <a:lightRig rig="threePt" dir="t"/>
+    </dgm:scene3d>
+    <dgm:sp3d/>
+    <dgm:txPr/>
+    <dgm:style>
+      <a:lnRef idx="2">
+        <a:scrgbClr r="0" g="0" b="0"/>
+      </a:lnRef>
+      <a:fillRef idx="1">
+        <a:scrgbClr r="0" g="0" b="0"/>
+      </a:fillRef>
+      <a:effectRef idx="0">
+        <a:scrgbClr r="0" g="0" b="0"/>
+      </a:effectRef>
+      <a:fontRef idx="minor"/>
+    </dgm:style>
+  </dgm:styleLbl>
+  <dgm:styleLbl name="alignAcc1">
+    <dgm:scene3d>
+      <a:camera prst="orthographicFront"/>
+      <a:lightRig rig="threePt" dir="t"/>
+    </dgm:scene3d>
+    <dgm:sp3d/>
+    <dgm:txPr/>
+    <dgm:style>
+      <a:lnRef idx="2">
+        <a:scrgbClr r="0" g="0" b="0"/>
+      </a:lnRef>
+      <a:fillRef idx="1">
+        <a:scrgbClr r="0" g="0" b="0"/>
+      </a:fillRef>
+      <a:effectRef idx="0">
+        <a:scrgbClr r="0" g="0" b="0"/>
+      </a:effectRef>
+      <a:fontRef idx="minor"/>
+    </dgm:style>
+  </dgm:styleLbl>
+  <dgm:styleLbl name="trAlignAcc1">
+    <dgm:scene3d>
+      <a:camera prst="orthographicFront"/>
+      <a:lightRig rig="threePt" dir="t"/>
+    </dgm:scene3d>
+    <dgm:sp3d/>
+    <dgm:txPr/>
+    <dgm:style>
+      <a:lnRef idx="1">
+        <a:scrgbClr r="0" g="0" b="0"/>
+      </a:lnRef>
+      <a:fillRef idx="1">
+        <a:scrgbClr r="0" g="0" b="0"/>
+      </a:fillRef>
+      <a:effectRef idx="0">
+        <a:scrgbClr r="0" g="0" b="0"/>
+      </a:effectRef>
+      <a:fontRef idx="minor"/>
+    </dgm:style>
+  </dgm:styleLbl>
+  <dgm:styleLbl name="bgAcc1">
+    <dgm:scene3d>
+      <a:camera prst="orthographicFront"/>
+      <a:lightRig rig="threePt" dir="t"/>
+    </dgm:scene3d>
+    <dgm:sp3d/>
+    <dgm:txPr/>
+    <dgm:style>
+      <a:lnRef idx="2">
+        <a:scrgbClr r="0" g="0" b="0"/>
+      </a:lnRef>
+      <a:fillRef idx="1">
+        <a:scrgbClr r="0" g="0" b="0"/>
+      </a:fillRef>
+      <a:effectRef idx="0">
+        <a:scrgbClr r="0" g="0" b="0"/>
+      </a:effectRef>
+      <a:fontRef idx="minor"/>
+    </dgm:style>
+  </dgm:styleLbl>
+  <dgm:styleLbl name="solidFgAcc1">
+    <dgm:scene3d>
+      <a:camera prst="orthographicFront"/>
+      <a:lightRig rig="threePt" dir="t"/>
+    </dgm:scene3d>
+    <dgm:sp3d/>
+    <dgm:txPr/>
+    <dgm:style>
+      <a:lnRef idx="2">
+        <a:scrgbClr r="0" g="0" b="0"/>
+      </a:lnRef>
+      <a:fillRef idx="1">
+        <a:scrgbClr r="0" g="0" b="0"/>
+      </a:fillRef>
+      <a:effectRef idx="0">
+        <a:scrgbClr r="0" g="0" b="0"/>
+      </a:effectRef>
+      <a:fontRef idx="minor"/>
+    </dgm:style>
+  </dgm:styleLbl>
+  <dgm:styleLbl name="solidAlignAcc1">
+    <dgm:scene3d>
+      <a:camera prst="orthographicFront"/>
+      <a:lightRig rig="threePt" dir="t"/>
+    </dgm:scene3d>
+    <dgm:sp3d/>
+    <dgm:txPr/>
+    <dgm:style>
+      <a:lnRef idx="2">
+        <a:scrgbClr r="0" g="0" b="0"/>
+      </a:lnRef>
+      <a:fillRef idx="1">
+        <a:scrgbClr r="0" g="0" b="0"/>
+      </a:fillRef>
+      <a:effectRef idx="0">
+        <a:scrgbClr r="0" g="0" b="0"/>
+      </a:effectRef>
+      <a:fontRef idx="minor"/>
+    </dgm:style>
+  </dgm:styleLbl>
+  <dgm:styleLbl name="solidBgAcc1">
+    <dgm:scene3d>
+      <a:camera prst="orthographicFront"/>
+      <a:lightRig rig="threePt" dir="t"/>
+    </dgm:scene3d>
+    <dgm:sp3d/>
+    <dgm:txPr/>
+    <dgm:style>
+      <a:lnRef idx="2">
+        <a:scrgbClr r="0" g="0" b="0"/>
+      </a:lnRef>
+      <a:fillRef idx="1">
+        <a:scrgbClr r="0" g="0" b="0"/>
+      </a:fillRef>
+      <a:effectRef idx="0">
+        <a:scrgbClr r="0" g="0" b="0"/>
+      </a:effectRef>
+      <a:fontRef idx="minor"/>
+    </dgm:style>
+  </dgm:styleLbl>
+  <dgm:styleLbl name="fgAccFollowNode1">
+    <dgm:scene3d>
+      <a:camera prst="orthographicFront"/>
+      <a:lightRig rig="threePt" dir="t"/>
+    </dgm:scene3d>
+    <dgm:sp3d/>
+    <dgm:txPr/>
+    <dgm:style>
+      <a:lnRef idx="2">
+        <a:scrgbClr r="0" g="0" b="0"/>
+      </a:lnRef>
+      <a:fillRef idx="1">
+        <a:scrgbClr r="0" g="0" b="0"/>
+      </a:fillRef>
+      <a:effectRef idx="0">
+        <a:scrgbClr r="0" g="0" b="0"/>
+      </a:effectRef>
+      <a:fontRef idx="minor"/>
+    </dgm:style>
+  </dgm:styleLbl>
+  <dgm:styleLbl name="alignAccFollowNode1">
+    <dgm:scene3d>
+      <a:camera prst="orthographicFront"/>
+      <a:lightRig rig="threePt" dir="t"/>
+    </dgm:scene3d>
+    <dgm:sp3d/>
+    <dgm:txPr/>
+    <dgm:style>
+      <a:lnRef idx="2">
+        <a:scrgbClr r="0" g="0" b="0"/>
+      </a:lnRef>
+      <a:fillRef idx="1">
+        <a:scrgbClr r="0" g="0" b="0"/>
+      </a:fillRef>
+      <a:effectRef idx="0">
+        <a:scrgbClr r="0" g="0" b="0"/>
+      </a:effectRef>
+      <a:fontRef idx="minor"/>
+    </dgm:style>
+  </dgm:styleLbl>
+  <dgm:styleLbl name="bgAccFollowNode1">
+    <dgm:scene3d>
+      <a:camera prst="orthographicFront"/>
+      <a:lightRig rig="threePt" dir="t"/>
+    </dgm:scene3d>
+    <dgm:sp3d/>
+    <dgm:txPr/>
+    <dgm:style>
+      <a:lnRef idx="2">
+        <a:scrgbClr r="0" g="0" b="0"/>
+      </a:lnRef>
+      <a:fillRef idx="1">
+        <a:scrgbClr r="0" g="0" b="0"/>
+      </a:fillRef>
+      <a:effectRef idx="0">
+        <a:scrgbClr r="0" g="0" b="0"/>
+      </a:effectRef>
+      <a:fontRef idx="minor"/>
+    </dgm:style>
+  </dgm:styleLbl>
+  <dgm:styleLbl name="fgAcc0">
+    <dgm:scene3d>
+      <a:camera prst="orthographicFront"/>
+      <a:lightRig rig="threePt" dir="t"/>
+    </dgm:scene3d>
+    <dgm:sp3d/>
+    <dgm:txPr/>
+    <dgm:style>
+      <a:lnRef idx="2">
+        <a:scrgbClr r="0" g="0" b="0"/>
+      </a:lnRef>
+      <a:fillRef idx="1">
+        <a:scrgbClr r="0" g="0" b="0"/>
+      </a:fillRef>
+      <a:effectRef idx="0">
+        <a:scrgbClr r="0" g="0" b="0"/>
+      </a:effectRef>
+      <a:fontRef idx="minor"/>
+    </dgm:style>
+  </dgm:styleLbl>
+  <dgm:styleLbl name="fgAcc2">
+    <dgm:scene3d>
+      <a:camera prst="orthographicFront"/>
+      <a:lightRig rig="threePt" dir="t"/>
+    </dgm:scene3d>
+    <dgm:sp3d/>
+    <dgm:txPr/>
+    <dgm:style>
+      <a:lnRef idx="2">
+        <a:scrgbClr r="0" g="0" b="0"/>
+      </a:lnRef>
+      <a:fillRef idx="1">
+        <a:scrgbClr r="0" g="0" b="0"/>
+      </a:fillRef>
+      <a:effectRef idx="0">
+        <a:scrgbClr r="0" g="0" b="0"/>
+      </a:effectRef>
+      <a:fontRef idx="minor"/>
+    </dgm:style>
+  </dgm:styleLbl>
+  <dgm:styleLbl name="fgAcc3">
+    <dgm:scene3d>
+      <a:camera prst="orthographicFront"/>
+      <a:lightRig rig="threePt" dir="t"/>
+    </dgm:scene3d>
+    <dgm:sp3d/>
+    <dgm:txPr/>
+    <dgm:style>
+      <a:lnRef idx="2">
+        <a:scrgbClr r="0" g="0" b="0"/>
+      </a:lnRef>
+      <a:fillRef idx="1">
+        <a:scrgbClr r="0" g="0" b="0"/>
+      </a:fillRef>
+      <a:effectRef idx="0">
+        <a:scrgbClr r="0" g="0" b="0"/>
+      </a:effectRef>
+      <a:fontRef idx="minor"/>
+    </dgm:style>
+  </dgm:styleLbl>
+  <dgm:styleLbl name="fgAcc4">
+    <dgm:scene3d>
+      <a:camera prst="orthographicFront"/>
+      <a:lightRig rig="threePt" dir="t"/>
+    </dgm:scene3d>
+    <dgm:sp3d/>
+    <dgm:txPr/>
+    <dgm:style>
+      <a:lnRef idx="2">
+        <a:scrgbClr r="0" g="0" b="0"/>
+      </a:lnRef>
+      <a:fillRef idx="1">
+        <a:scrgbClr r="0" g="0" b="0"/>
+      </a:fillRef>
+      <a:effectRef idx="0">
+        <a:scrgbClr r="0" g="0" b="0"/>
+      </a:effectRef>
+      <a:fontRef idx="minor"/>
+    </dgm:style>
+  </dgm:styleLbl>
+  <dgm:styleLbl name="bgShp">
+    <dgm:scene3d>
+      <a:camera prst="orthographicFront"/>
+      <a:lightRig rig="threePt" dir="t"/>
+    </dgm:scene3d>
+    <dgm:sp3d/>
+    <dgm:txPr/>
+    <dgm:style>
+      <a:lnRef idx="0">
+        <a:scrgbClr r="0" g="0" b="0"/>
+      </a:lnRef>
+      <a:fillRef idx="1">
+        <a:scrgbClr r="0" g="0" b="0"/>
+      </a:fillRef>
+      <a:effectRef idx="0">
+        <a:scrgbClr r="0" g="0" b="0"/>
+      </a:effectRef>
+      <a:fontRef idx="minor"/>
+    </dgm:style>
+  </dgm:styleLbl>
+  <dgm:styleLbl name="dkBgShp">
+    <dgm:scene3d>
+      <a:camera prst="orthographicFront"/>
+      <a:lightRig rig="threePt" dir="t"/>
+    </dgm:scene3d>
+    <dgm:sp3d/>
+    <dgm:txPr/>
+    <dgm:style>
+      <a:lnRef idx="0">
+        <a:scrgbClr r="0" g="0" b="0"/>
+      </a:lnRef>
+      <a:fillRef idx="1">
+        <a:scrgbClr r="0" g="0" b="0"/>
+      </a:fillRef>
+      <a:effectRef idx="0">
+        <a:scrgbClr r="0" g="0" b="0"/>
+      </a:effectRef>
+      <a:fontRef idx="minor"/>
+    </dgm:style>
+  </dgm:styleLbl>
+  <dgm:styleLbl name="trBgShp">
+    <dgm:scene3d>
+      <a:camera prst="orthographicFront"/>
+      <a:lightRig rig="threePt" dir="t"/>
+    </dgm:scene3d>
+    <dgm:sp3d/>
+    <dgm:txPr/>
+    <dgm:style>
+      <a:lnRef idx="0">
+        <a:scrgbClr r="0" g="0" b="0"/>
+      </a:lnRef>
+      <a:fillRef idx="1">
+        <a:scrgbClr r="0" g="0" b="0"/>
+      </a:fillRef>
+      <a:effectRef idx="0">
+        <a:scrgbClr r="0" g="0" b="0"/>
+      </a:effectRef>
+      <a:fontRef idx="minor"/>
+    </dgm:style>
+  </dgm:styleLbl>
+  <dgm:styleLbl name="fgShp">
+    <dgm:scene3d>
+      <a:camera prst="orthographicFront"/>
+      <a:lightRig rig="threePt" dir="t"/>
+    </dgm:scene3d>
+    <dgm:sp3d/>
+    <dgm:txPr/>
+    <dgm:style>
+      <a:lnRef idx="2">
+        <a:scrgbClr r="0" g="0" b="0"/>
+      </a:lnRef>
+      <a:fillRef idx="1">
+        <a:scrgbClr r="0" g="0" b="0"/>
+      </a:fillRef>
+      <a:effectRef idx="0">
+        <a:scrgbClr r="0" g="0" b="0"/>
+      </a:effectRef>
+      <a:fontRef idx="minor"/>
+    </dgm:style>
+  </dgm:styleLbl>
+  <dgm:styleLbl name="revTx">
+    <dgm:scene3d>
+      <a:camera prst="orthographicFront"/>
+      <a:lightRig rig="threePt" dir="t"/>
+    </dgm:scene3d>
+    <dgm:sp3d/>
+    <dgm:txPr/>
+    <dgm:style>
+      <a:lnRef idx="0">
+        <a:scrgbClr r="0" g="0" b="0"/>
+      </a:lnRef>
+      <a:fillRef idx="0">
+        <a:scrgbClr r="0" g="0" b="0"/>
+      </a:fillRef>
+      <a:effectRef idx="0">
+        <a:scrgbClr r="0" g="0" b="0"/>
+      </a:effectRef>
+      <a:fontRef idx="minor"/>
+    </dgm:style>
+  </dgm:styleLbl>
+</dgm:styleDef>
+</file>
+
+<file path=ppt/notesMasters/notesMaster1.xml><?xml version="1.0" encoding="utf-8"?>
+<p:notesMaster xmlns:a="http://schemas.openxmlformats.org/drawingml/2006/main" xmlns:r="http://schemas.openxmlformats.org/officeDocument/2006/relationships" xmlns:p="http://schemas.openxmlformats.org/presentationml/2006/main">
+  <p:cSld>
+    <p:bg>
+      <p:bgRef idx="1001">
+        <a:schemeClr val="bg1"/>
+      </p:bgRef>
+    </p:bg>
+    <p:spTree>
+      <p:nvGrpSpPr>
+        <p:cNvPr id="1" name=""/>
+        <p:cNvGrpSpPr/>
+        <p:nvPr/>
+      </p:nvGrpSpPr>
+      <p:grpSpPr>
+        <a:xfrm>
+          <a:off x="0" y="0"/>
+          <a:ext cx="0" cy="0"/>
+          <a:chOff x="0" y="0"/>
+          <a:chExt cx="0" cy="0"/>
+        </a:xfrm>
+      </p:grpSpPr>
+      <p:sp>
+        <p:nvSpPr>
+          <p:cNvPr id="2" name="Header Placeholder 1"/>
+          <p:cNvSpPr>
+            <a:spLocks noGrp="1"/>
+          </p:cNvSpPr>
+          <p:nvPr>
+            <p:ph type="hdr" sz="quarter"/>
+          </p:nvPr>
+        </p:nvSpPr>
+        <p:spPr>
+          <a:xfrm>
+            <a:off x="0" y="0"/>
+            <a:ext cx="2971800" cy="458788"/>
+          </a:xfrm>
+          <a:prstGeom prst="rect">
+            <a:avLst/>
+          </a:prstGeom>
+        </p:spPr>
+        <p:txBody>
+          <a:bodyPr vert="horz" lIns="91440" tIns="45720" rIns="91440" bIns="45720" rtlCol="0"/>
+          <a:lstStyle>
+            <a:lvl1pPr algn="l">
+              <a:defRPr sz="1200"/>
+            </a:lvl1pPr>
+          </a:lstStyle>
+          <a:p>
+            <a:endParaRPr lang="en-US"/>
+          </a:p>
+        </p:txBody>
+      </p:sp>
+      <p:sp>
+        <p:nvSpPr>
+          <p:cNvPr id="3" name="Date Placeholder 2"/>
+          <p:cNvSpPr>
+            <a:spLocks noGrp="1"/>
+          </p:cNvSpPr>
+          <p:nvPr>
+            <p:ph type="dt" idx="1"/>
+          </p:nvPr>
+        </p:nvSpPr>
+        <p:spPr>
+          <a:xfrm>
+            <a:off x="3884613" y="0"/>
+            <a:ext cx="2971800" cy="458788"/>
+          </a:xfrm>
+          <a:prstGeom prst="rect">
+            <a:avLst/>
+          </a:prstGeom>
+        </p:spPr>
+        <p:txBody>
+          <a:bodyPr vert="horz" lIns="91440" tIns="45720" rIns="91440" bIns="45720" rtlCol="0"/>
+          <a:lstStyle>
+            <a:lvl1pPr algn="r">
+              <a:defRPr sz="1200"/>
+            </a:lvl1pPr>
+          </a:lstStyle>
+          <a:p>
+            <a:fld id="{BCFED37B-5E28-4644-A468-43AB991E6436}" type="datetimeFigureOut">
+              <a:rPr lang="en-US" smtClean="0"/>
+              <a:t>6/25/2017</a:t>
+            </a:fld>
+            <a:endParaRPr lang="en-US"/>
+          </a:p>
+        </p:txBody>
+      </p:sp>
+      <p:sp>
+        <p:nvSpPr>
+          <p:cNvPr id="4" name="Slide Image Placeholder 3"/>
+          <p:cNvSpPr>
+            <a:spLocks noGrp="1" noRot="1" noChangeAspect="1"/>
+          </p:cNvSpPr>
+          <p:nvPr>
+            <p:ph type="sldImg" idx="2"/>
+          </p:nvPr>
+        </p:nvSpPr>
+        <p:spPr>
+          <a:xfrm>
+            <a:off x="1371600" y="1143000"/>
+            <a:ext cx="4114800" cy="3086100"/>
+          </a:xfrm>
+          <a:prstGeom prst="rect">
+            <a:avLst/>
+          </a:prstGeom>
+          <a:noFill/>
+          <a:ln w="12700">
+            <a:solidFill>
+              <a:prstClr val="black"/>
+            </a:solidFill>
+          </a:ln>
+        </p:spPr>
+        <p:txBody>
+          <a:bodyPr vert="horz" lIns="91440" tIns="45720" rIns="91440" bIns="45720" rtlCol="0" anchor="ctr"/>
+          <a:lstStyle/>
+          <a:p>
+            <a:endParaRPr lang="en-US"/>
+          </a:p>
+        </p:txBody>
+      </p:sp>
+      <p:sp>
+        <p:nvSpPr>
+          <p:cNvPr id="5" name="Notes Placeholder 4"/>
+          <p:cNvSpPr>
+            <a:spLocks noGrp="1"/>
+          </p:cNvSpPr>
+          <p:nvPr>
+            <p:ph type="body" sz="quarter" idx="3"/>
+          </p:nvPr>
+        </p:nvSpPr>
+        <p:spPr>
+          <a:xfrm>
+            <a:off x="685800" y="4400550"/>
+            <a:ext cx="5486400" cy="3600450"/>
+          </a:xfrm>
+          <a:prstGeom prst="rect">
+            <a:avLst/>
+          </a:prstGeom>
+        </p:spPr>
+        <p:txBody>
+          <a:bodyPr vert="horz" lIns="91440" tIns="45720" rIns="91440" bIns="45720" rtlCol="0"/>
+          <a:lstStyle/>
+          <a:p>
+            <a:pPr lvl="0"/>
+            <a:r>
+              <a:rPr lang="en-US" smtClean="0"/>
+              <a:t>Click to edit Master text styles</a:t>
+            </a:r>
+          </a:p>
+          <a:p>
+            <a:pPr lvl="1"/>
+            <a:r>
+              <a:rPr lang="en-US" smtClean="0"/>
+              <a:t>Second level</a:t>
+            </a:r>
+          </a:p>
+          <a:p>
+            <a:pPr lvl="2"/>
+            <a:r>
+              <a:rPr lang="en-US" smtClean="0"/>
+              <a:t>Third level</a:t>
+            </a:r>
+          </a:p>
+          <a:p>
+            <a:pPr lvl="3"/>
+            <a:r>
+              <a:rPr lang="en-US" smtClean="0"/>
+              <a:t>Fourth level</a:t>
+            </a:r>
+          </a:p>
+          <a:p>
+            <a:pPr lvl="4"/>
+            <a:r>
+              <a:rPr lang="en-US" smtClean="0"/>
+              <a:t>Fifth level</a:t>
+            </a:r>
+            <a:endParaRPr lang="en-US"/>
+          </a:p>
+        </p:txBody>
+      </p:sp>
+      <p:sp>
+        <p:nvSpPr>
+          <p:cNvPr id="6" name="Footer Placeholder 5"/>
+          <p:cNvSpPr>
+            <a:spLocks noGrp="1"/>
+          </p:cNvSpPr>
+          <p:nvPr>
+            <p:ph type="ftr" sz="quarter" idx="4"/>
+          </p:nvPr>
+        </p:nvSpPr>
+        <p:spPr>
+          <a:xfrm>
+            <a:off x="0" y="8685213"/>
+            <a:ext cx="2971800" cy="458787"/>
+          </a:xfrm>
+          <a:prstGeom prst="rect">
+            <a:avLst/>
+          </a:prstGeom>
+        </p:spPr>
+        <p:txBody>
+          <a:bodyPr vert="horz" lIns="91440" tIns="45720" rIns="91440" bIns="45720" rtlCol="0" anchor="b"/>
+          <a:lstStyle>
+            <a:lvl1pPr algn="l">
+              <a:defRPr sz="1200"/>
+            </a:lvl1pPr>
+          </a:lstStyle>
+          <a:p>
+            <a:endParaRPr lang="en-US"/>
+          </a:p>
+        </p:txBody>
+      </p:sp>
+      <p:sp>
+        <p:nvSpPr>
+          <p:cNvPr id="7" name="Slide Number Placeholder 6"/>
+          <p:cNvSpPr>
+            <a:spLocks noGrp="1"/>
+          </p:cNvSpPr>
+          <p:nvPr>
+            <p:ph type="sldNum" sz="quarter" idx="5"/>
+          </p:nvPr>
+        </p:nvSpPr>
+        <p:spPr>
+          <a:xfrm>
+            <a:off x="3884613" y="8685213"/>
+            <a:ext cx="2971800" cy="458787"/>
+          </a:xfrm>
+          <a:prstGeom prst="rect">
+            <a:avLst/>
+          </a:prstGeom>
+        </p:spPr>
+        <p:txBody>
+          <a:bodyPr vert="horz" lIns="91440" tIns="45720" rIns="91440" bIns="45720" rtlCol="0" anchor="b"/>
+          <a:lstStyle>
+            <a:lvl1pPr algn="r">
+              <a:defRPr sz="1200"/>
+            </a:lvl1pPr>
+          </a:lstStyle>
+          <a:p>
+            <a:fld id="{21B5C7C0-6507-4F6F-AA8A-CCDEE2A093A1}" type="slidenum">
+              <a:rPr lang="en-US" smtClean="0"/>
+              <a:t>‹#›</a:t>
+            </a:fld>
+            <a:endParaRPr lang="en-US"/>
+          </a:p>
+        </p:txBody>
+      </p:sp>
+    </p:spTree>
+    <p:extLst>
+      <p:ext uri="{BB962C8B-B14F-4D97-AF65-F5344CB8AC3E}">
+        <p14:creationId xmlns:p14="http://schemas.microsoft.com/office/powerpoint/2010/main" val="2411024108"/>
+      </p:ext>
+    </p:extLst>
+  </p:cSld>
+  <p:clrMap bg1="lt1" tx1="dk1" bg2="lt2" tx2="dk2" accent1="accent1" accent2="accent2" accent3="accent3" accent4="accent4" accent5="accent5" accent6="accent6" hlink="hlink" folHlink="folHlink"/>
+  <p:notesStyle>
+    <a:lvl1pPr marL="0" algn="l" defTabSz="914400" rtl="0" eaLnBrk="1" latinLnBrk="0" hangingPunct="1">
+      <a:defRPr sz="1200" kern="1200">
+        <a:solidFill>
+          <a:schemeClr val="tx1"/>
+        </a:solidFill>
+        <a:latin typeface="+mn-lt"/>
+        <a:ea typeface="+mn-ea"/>
+        <a:cs typeface="+mn-cs"/>
+      </a:defRPr>
+    </a:lvl1pPr>
+    <a:lvl2pPr marL="457200" algn="l" defTabSz="914400" rtl="0" eaLnBrk="1" latinLnBrk="0" hangingPunct="1">
+      <a:defRPr sz="1200" kern="1200">
+        <a:solidFill>
+          <a:schemeClr val="tx1"/>
+        </a:solidFill>
+        <a:latin typeface="+mn-lt"/>
+        <a:ea typeface="+mn-ea"/>
+        <a:cs typeface="+mn-cs"/>
+      </a:defRPr>
+    </a:lvl2pPr>
+    <a:lvl3pPr marL="914400" algn="l" defTabSz="914400" rtl="0" eaLnBrk="1" latinLnBrk="0" hangingPunct="1">
+      <a:defRPr sz="1200" kern="1200">
+        <a:solidFill>
+          <a:schemeClr val="tx1"/>
+        </a:solidFill>
+        <a:latin typeface="+mn-lt"/>
+        <a:ea typeface="+mn-ea"/>
+        <a:cs typeface="+mn-cs"/>
+      </a:defRPr>
+    </a:lvl3pPr>
+    <a:lvl4pPr marL="1371600" algn="l" defTabSz="914400" rtl="0" eaLnBrk="1" latinLnBrk="0" hangingPunct="1">
+      <a:defRPr sz="1200" kern="1200">
+        <a:solidFill>
+          <a:schemeClr val="tx1"/>
+        </a:solidFill>
+        <a:latin typeface="+mn-lt"/>
+        <a:ea typeface="+mn-ea"/>
+        <a:cs typeface="+mn-cs"/>
+      </a:defRPr>
+    </a:lvl4pPr>
+    <a:lvl5pPr marL="1828800" algn="l" defTabSz="914400" rtl="0" eaLnBrk="1" latinLnBrk="0" hangingPunct="1">
+      <a:defRPr sz="1200" kern="1200">
+        <a:solidFill>
+          <a:schemeClr val="tx1"/>
+        </a:solidFill>
+        <a:latin typeface="+mn-lt"/>
+        <a:ea typeface="+mn-ea"/>
+        <a:cs typeface="+mn-cs"/>
+      </a:defRPr>
+    </a:lvl5pPr>
+    <a:lvl6pPr marL="2286000" algn="l" defTabSz="914400" rtl="0" eaLnBrk="1" latinLnBrk="0" hangingPunct="1">
+      <a:defRPr sz="1200" kern="1200">
+        <a:solidFill>
+          <a:schemeClr val="tx1"/>
+        </a:solidFill>
+        <a:latin typeface="+mn-lt"/>
+        <a:ea typeface="+mn-ea"/>
+        <a:cs typeface="+mn-cs"/>
+      </a:defRPr>
+    </a:lvl6pPr>
+    <a:lvl7pPr marL="2743200" algn="l" defTabSz="914400" rtl="0" eaLnBrk="1" latinLnBrk="0" hangingPunct="1">
+      <a:defRPr sz="1200" kern="1200">
+        <a:solidFill>
+          <a:schemeClr val="tx1"/>
+        </a:solidFill>
+        <a:latin typeface="+mn-lt"/>
+        <a:ea typeface="+mn-ea"/>
+        <a:cs typeface="+mn-cs"/>
+      </a:defRPr>
+    </a:lvl7pPr>
+    <a:lvl8pPr marL="3200400" algn="l" defTabSz="914400" rtl="0" eaLnBrk="1" latinLnBrk="0" hangingPunct="1">
+      <a:defRPr sz="1200" kern="1200">
+        <a:solidFill>
+          <a:schemeClr val="tx1"/>
+        </a:solidFill>
+        <a:latin typeface="+mn-lt"/>
+        <a:ea typeface="+mn-ea"/>
+        <a:cs typeface="+mn-cs"/>
+      </a:defRPr>
+    </a:lvl8pPr>
+    <a:lvl9pPr marL="3657600" algn="l" defTabSz="914400" rtl="0" eaLnBrk="1" latinLnBrk="0" hangingPunct="1">
+      <a:defRPr sz="1200" kern="1200">
+        <a:solidFill>
+          <a:schemeClr val="tx1"/>
+        </a:solidFill>
+        <a:latin typeface="+mn-lt"/>
+        <a:ea typeface="+mn-ea"/>
+        <a:cs typeface="+mn-cs"/>
+      </a:defRPr>
+    </a:lvl9pPr>
+  </p:notesStyle>
+</p:notesMaster>
+</file>
+
+<file path=ppt/notesSlides/notesSlide1.xml><?xml version="1.0" encoding="utf-8"?>
+<p:notes xmlns:a="http://schemas.openxmlformats.org/drawingml/2006/main" xmlns:r="http://schemas.openxmlformats.org/officeDocument/2006/relationships" xmlns:p="http://schemas.openxmlformats.org/presentationml/2006/main">
+  <p:cSld>
+    <p:spTree>
+      <p:nvGrpSpPr>
+        <p:cNvPr id="1" name=""/>
+        <p:cNvGrpSpPr/>
+        <p:nvPr/>
+      </p:nvGrpSpPr>
+      <p:grpSpPr>
+        <a:xfrm>
+          <a:off x="0" y="0"/>
+          <a:ext cx="0" cy="0"/>
+          <a:chOff x="0" y="0"/>
+          <a:chExt cx="0" cy="0"/>
+        </a:xfrm>
+      </p:grpSpPr>
+      <p:sp>
+        <p:nvSpPr>
+          <p:cNvPr id="2" name="Slide Image Placeholder 1"/>
+          <p:cNvSpPr>
+            <a:spLocks noGrp="1" noRot="1" noChangeAspect="1"/>
+          </p:cNvSpPr>
+          <p:nvPr>
+            <p:ph type="sldImg"/>
+          </p:nvPr>
+        </p:nvSpPr>
+        <p:spPr/>
+      </p:sp>
+      <p:sp>
+        <p:nvSpPr>
+          <p:cNvPr id="3" name="Notes Placeholder 2"/>
+          <p:cNvSpPr>
+            <a:spLocks noGrp="1"/>
+          </p:cNvSpPr>
+          <p:nvPr>
+            <p:ph type="body" idx="1"/>
+          </p:nvPr>
+        </p:nvSpPr>
+        <p:spPr/>
+        <p:txBody>
+          <a:bodyPr/>
+          <a:lstStyle/>
+          <a:p>
+            <a:r>
+              <a:rPr lang="ko-KR" altLang="en-US" dirty="0" smtClean="0"/>
+              <a:t>말이 존재하는 칸으로 이동하려고 할 때 같은 팀의 말인지 확인하는 코드</a:t>
+            </a:r>
+            <a:endParaRPr lang="en-US" dirty="0"/>
+          </a:p>
+        </p:txBody>
+      </p:sp>
+      <p:sp>
+        <p:nvSpPr>
+          <p:cNvPr id="4" name="Slide Number Placeholder 3"/>
+          <p:cNvSpPr>
+            <a:spLocks noGrp="1"/>
+          </p:cNvSpPr>
+          <p:nvPr>
+            <p:ph type="sldNum" sz="quarter" idx="10"/>
+          </p:nvPr>
+        </p:nvSpPr>
+        <p:spPr/>
+        <p:txBody>
+          <a:bodyPr/>
+          <a:lstStyle/>
+          <a:p>
+            <a:fld id="{21B5C7C0-6507-4F6F-AA8A-CCDEE2A093A1}" type="slidenum">
+              <a:rPr lang="en-US" smtClean="0"/>
+              <a:t>9</a:t>
+            </a:fld>
+            <a:endParaRPr lang="en-US"/>
+          </a:p>
+        </p:txBody>
+      </p:sp>
+    </p:spTree>
+    <p:extLst>
+      <p:ext uri="{BB962C8B-B14F-4D97-AF65-F5344CB8AC3E}">
+        <p14:creationId xmlns:p14="http://schemas.microsoft.com/office/powerpoint/2010/main" val="3188475614"/>
+      </p:ext>
+    </p:extLst>
+  </p:cSld>
+  <p:clrMapOvr>
+    <a:masterClrMapping/>
+  </p:clrMapOvr>
+</p:notes>
+</file>
+
+<file path=ppt/notesSlides/notesSlide2.xml><?xml version="1.0" encoding="utf-8"?>
+<p:notes xmlns:a="http://schemas.openxmlformats.org/drawingml/2006/main" xmlns:r="http://schemas.openxmlformats.org/officeDocument/2006/relationships" xmlns:p="http://schemas.openxmlformats.org/presentationml/2006/main">
+  <p:cSld>
+    <p:spTree>
+      <p:nvGrpSpPr>
+        <p:cNvPr id="1" name=""/>
+        <p:cNvGrpSpPr/>
+        <p:nvPr/>
+      </p:nvGrpSpPr>
+      <p:grpSpPr>
+        <a:xfrm>
+          <a:off x="0" y="0"/>
+          <a:ext cx="0" cy="0"/>
+          <a:chOff x="0" y="0"/>
+          <a:chExt cx="0" cy="0"/>
+        </a:xfrm>
+      </p:grpSpPr>
+      <p:sp>
+        <p:nvSpPr>
+          <p:cNvPr id="2" name="Slide Image Placeholder 1"/>
+          <p:cNvSpPr>
+            <a:spLocks noGrp="1" noRot="1" noChangeAspect="1"/>
+          </p:cNvSpPr>
+          <p:nvPr>
+            <p:ph type="sldImg"/>
+          </p:nvPr>
+        </p:nvSpPr>
+        <p:spPr/>
+      </p:sp>
+      <p:sp>
+        <p:nvSpPr>
+          <p:cNvPr id="3" name="Notes Placeholder 2"/>
+          <p:cNvSpPr>
+            <a:spLocks noGrp="1"/>
+          </p:cNvSpPr>
+          <p:nvPr>
+            <p:ph type="body" idx="1"/>
+          </p:nvPr>
+        </p:nvSpPr>
+        <p:spPr/>
+        <p:txBody>
+          <a:bodyPr/>
+          <a:lstStyle/>
+          <a:p>
+            <a:r>
+              <a:rPr lang="ko-KR" altLang="en-US" dirty="0" smtClean="0"/>
+              <a:t>입력 받을 때 입력 값이</a:t>
+            </a:r>
+            <a:r>
+              <a:rPr lang="ko-KR" altLang="en-US" baseline="0" dirty="0" smtClean="0"/>
+              <a:t> 완전하지 않으면 재귀 호출로 다시 </a:t>
+            </a:r>
+            <a:r>
+              <a:rPr lang="ko-KR" altLang="en-US" baseline="0" dirty="0" err="1" smtClean="0"/>
+              <a:t>입력받음</a:t>
+            </a:r>
+            <a:endParaRPr lang="en-US" dirty="0"/>
+          </a:p>
+        </p:txBody>
+      </p:sp>
+      <p:sp>
+        <p:nvSpPr>
+          <p:cNvPr id="4" name="Slide Number Placeholder 3"/>
+          <p:cNvSpPr>
+            <a:spLocks noGrp="1"/>
+          </p:cNvSpPr>
+          <p:nvPr>
+            <p:ph type="sldNum" sz="quarter" idx="10"/>
+          </p:nvPr>
+        </p:nvSpPr>
+        <p:spPr/>
+        <p:txBody>
+          <a:bodyPr/>
+          <a:lstStyle/>
+          <a:p>
+            <a:fld id="{21B5C7C0-6507-4F6F-AA8A-CCDEE2A093A1}" type="slidenum">
+              <a:rPr lang="en-US" smtClean="0"/>
+              <a:t>10</a:t>
+            </a:fld>
+            <a:endParaRPr lang="en-US"/>
+          </a:p>
+        </p:txBody>
+      </p:sp>
+    </p:spTree>
+    <p:extLst>
+      <p:ext uri="{BB962C8B-B14F-4D97-AF65-F5344CB8AC3E}">
+        <p14:creationId xmlns:p14="http://schemas.microsoft.com/office/powerpoint/2010/main" val="3217119252"/>
+      </p:ext>
+    </p:extLst>
+  </p:cSld>
+  <p:clrMapOvr>
+    <a:masterClrMapping/>
+  </p:clrMapOvr>
+</p:notes>
+</file>
+
 <file path=ppt/slideLayouts/slideLayout1.xml><?xml version="1.0" encoding="utf-8"?>
 <p:sldLayout xmlns:a="http://schemas.openxmlformats.org/drawingml/2006/main" xmlns:r="http://schemas.openxmlformats.org/officeDocument/2006/relationships" xmlns:p="http://schemas.openxmlformats.org/presentationml/2006/main" type="title" preserve="1">
   <p:cSld name="제목 슬라이드">
@@ -248,7 +5521,7 @@
           <a:p>
             <a:fld id="{D5A56EB4-82C6-44A6-95F9-E1932E3C740E}" type="datetimeFigureOut">
               <a:rPr lang="ko-KR" altLang="en-US" smtClean="0"/>
-              <a:t>2017-06-22</a:t>
+              <a:t>2017-06-25</a:t>
             </a:fld>
             <a:endParaRPr lang="ko-KR" altLang="en-US"/>
           </a:p>
@@ -429,7 +5702,7 @@
           <a:p>
             <a:fld id="{D5A56EB4-82C6-44A6-95F9-E1932E3C740E}" type="datetimeFigureOut">
               <a:rPr lang="ko-KR" altLang="en-US" smtClean="0"/>
-              <a:t>2017-06-22</a:t>
+              <a:t>2017-06-25</a:t>
             </a:fld>
             <a:endParaRPr lang="ko-KR" altLang="en-US"/>
           </a:p>
@@ -609,7 +5882,7 @@
           <a:p>
             <a:fld id="{D5A56EB4-82C6-44A6-95F9-E1932E3C740E}" type="datetimeFigureOut">
               <a:rPr lang="ko-KR" altLang="en-US" smtClean="0"/>
-              <a:t>2017-06-22</a:t>
+              <a:t>2017-06-25</a:t>
             </a:fld>
             <a:endParaRPr lang="ko-KR" altLang="en-US"/>
           </a:p>
@@ -779,7 +6052,7 @@
           <a:p>
             <a:fld id="{D5A56EB4-82C6-44A6-95F9-E1932E3C740E}" type="datetimeFigureOut">
               <a:rPr lang="ko-KR" altLang="en-US" smtClean="0"/>
-              <a:t>2017-06-22</a:t>
+              <a:t>2017-06-25</a:t>
             </a:fld>
             <a:endParaRPr lang="ko-KR" altLang="en-US"/>
           </a:p>
@@ -1030,7 +6303,7 @@
           <a:p>
             <a:fld id="{D5A56EB4-82C6-44A6-95F9-E1932E3C740E}" type="datetimeFigureOut">
               <a:rPr lang="ko-KR" altLang="en-US" smtClean="0"/>
-              <a:t>2017-06-22</a:t>
+              <a:t>2017-06-25</a:t>
             </a:fld>
             <a:endParaRPr lang="ko-KR" altLang="en-US"/>
           </a:p>
@@ -1262,7 +6535,7 @@
           <a:p>
             <a:fld id="{D5A56EB4-82C6-44A6-95F9-E1932E3C740E}" type="datetimeFigureOut">
               <a:rPr lang="ko-KR" altLang="en-US" smtClean="0"/>
-              <a:t>2017-06-22</a:t>
+              <a:t>2017-06-25</a:t>
             </a:fld>
             <a:endParaRPr lang="ko-KR" altLang="en-US"/>
           </a:p>
@@ -1629,7 +6902,7 @@
           <a:p>
             <a:fld id="{D5A56EB4-82C6-44A6-95F9-E1932E3C740E}" type="datetimeFigureOut">
               <a:rPr lang="ko-KR" altLang="en-US" smtClean="0"/>
-              <a:t>2017-06-22</a:t>
+              <a:t>2017-06-25</a:t>
             </a:fld>
             <a:endParaRPr lang="ko-KR" altLang="en-US"/>
           </a:p>
@@ -1747,7 +7020,7 @@
           <a:p>
             <a:fld id="{D5A56EB4-82C6-44A6-95F9-E1932E3C740E}" type="datetimeFigureOut">
               <a:rPr lang="ko-KR" altLang="en-US" smtClean="0"/>
-              <a:t>2017-06-22</a:t>
+              <a:t>2017-06-25</a:t>
             </a:fld>
             <a:endParaRPr lang="ko-KR" altLang="en-US"/>
           </a:p>
@@ -1842,7 +7115,7 @@
           <a:p>
             <a:fld id="{D5A56EB4-82C6-44A6-95F9-E1932E3C740E}" type="datetimeFigureOut">
               <a:rPr lang="ko-KR" altLang="en-US" smtClean="0"/>
-              <a:t>2017-06-22</a:t>
+              <a:t>2017-06-25</a:t>
             </a:fld>
             <a:endParaRPr lang="ko-KR" altLang="en-US"/>
           </a:p>
@@ -2119,7 +7392,7 @@
           <a:p>
             <a:fld id="{D5A56EB4-82C6-44A6-95F9-E1932E3C740E}" type="datetimeFigureOut">
               <a:rPr lang="ko-KR" altLang="en-US" smtClean="0"/>
-              <a:t>2017-06-22</a:t>
+              <a:t>2017-06-25</a:t>
             </a:fld>
             <a:endParaRPr lang="ko-KR" altLang="en-US"/>
           </a:p>
@@ -2376,7 +7649,7 @@
           <a:p>
             <a:fld id="{D5A56EB4-82C6-44A6-95F9-E1932E3C740E}" type="datetimeFigureOut">
               <a:rPr lang="ko-KR" altLang="en-US" smtClean="0"/>
-              <a:t>2017-06-22</a:t>
+              <a:t>2017-06-25</a:t>
             </a:fld>
             <a:endParaRPr lang="ko-KR" altLang="en-US"/>
           </a:p>
@@ -2591,7 +7864,7 @@
             <a:fld id="{D5A56EB4-82C6-44A6-95F9-E1932E3C740E}" type="datetimeFigureOut">
               <a:rPr lang="ko-KR" altLang="en-US" smtClean="0"/>
               <a:pPr/>
-              <a:t>2017-06-22</a:t>
+              <a:t>2017-06-25</a:t>
             </a:fld>
             <a:endParaRPr lang="ko-KR" altLang="en-US"/>
           </a:p>
@@ -3084,13 +8357,7 @@
               <a:rPr lang="ko-KR" altLang="en-US" sz="1600" i="1" dirty="0" smtClean="0">
                 <a:ea typeface="문체부 쓰기 정체" panose="02030609000101010101" pitchFamily="17" charset="-127"/>
               </a:rPr>
-              <a:t>이</a:t>
-            </a:r>
-            <a:r>
-              <a:rPr lang="ko-KR" altLang="en-US" sz="1600" i="1" dirty="0" smtClean="0">
-                <a:ea typeface="문체부 쓰기 정체" panose="02030609000101010101" pitchFamily="17" charset="-127"/>
-              </a:rPr>
-              <a:t>한수</a:t>
+              <a:t>이한수</a:t>
             </a:r>
             <a:endParaRPr lang="en-US" altLang="ko-KR" sz="1600" i="1" dirty="0" smtClean="0">
               <a:ea typeface="문체부 쓰기 정체" panose="02030609000101010101" pitchFamily="17" charset="-127"/>
@@ -3118,6 +8385,328 @@
     <p:extLst>
       <p:ext uri="{BB962C8B-B14F-4D97-AF65-F5344CB8AC3E}">
         <p14:creationId xmlns:p14="http://schemas.microsoft.com/office/powerpoint/2010/main" val="817472413"/>
+      </p:ext>
+    </p:extLst>
+  </p:cSld>
+  <p:clrMapOvr>
+    <a:masterClrMapping/>
+  </p:clrMapOvr>
+  <p:timing>
+    <p:tnLst>
+      <p:par>
+        <p:cTn id="1" dur="indefinite" restart="never" nodeType="tmRoot"/>
+      </p:par>
+    </p:tnLst>
+  </p:timing>
+</p:sld>
+</file>
+
+<file path=ppt/slides/slide10.xml><?xml version="1.0" encoding="utf-8"?>
+<p:sld xmlns:a="http://schemas.openxmlformats.org/drawingml/2006/main" xmlns:r="http://schemas.openxmlformats.org/officeDocument/2006/relationships" xmlns:p="http://schemas.openxmlformats.org/presentationml/2006/main">
+  <p:cSld>
+    <p:bg>
+      <p:bgPr>
+        <a:solidFill>
+          <a:schemeClr val="tx1"/>
+        </a:solidFill>
+        <a:effectLst/>
+      </p:bgPr>
+    </p:bg>
+    <p:spTree>
+      <p:nvGrpSpPr>
+        <p:cNvPr id="1" name=""/>
+        <p:cNvGrpSpPr/>
+        <p:nvPr/>
+      </p:nvGrpSpPr>
+      <p:grpSpPr>
+        <a:xfrm>
+          <a:off x="0" y="0"/>
+          <a:ext cx="0" cy="0"/>
+          <a:chOff x="0" y="0"/>
+          <a:chExt cx="0" cy="0"/>
+        </a:xfrm>
+      </p:grpSpPr>
+      <p:sp>
+        <p:nvSpPr>
+          <p:cNvPr id="2" name="Title 1"/>
+          <p:cNvSpPr>
+            <a:spLocks noGrp="1"/>
+          </p:cNvSpPr>
+          <p:nvPr>
+            <p:ph type="title"/>
+          </p:nvPr>
+        </p:nvSpPr>
+        <p:spPr/>
+        <p:txBody>
+          <a:bodyPr/>
+          <a:lstStyle/>
+          <a:p>
+            <a:r>
+              <a:rPr lang="ko-KR" altLang="en-US" dirty="0" smtClean="0">
+                <a:solidFill>
+                  <a:schemeClr val="bg1"/>
+                </a:solidFill>
+              </a:rPr>
+              <a:t>예외 처리</a:t>
+            </a:r>
+            <a:endParaRPr lang="en-US" dirty="0">
+              <a:solidFill>
+                <a:schemeClr val="bg1"/>
+              </a:solidFill>
+            </a:endParaRPr>
+          </a:p>
+        </p:txBody>
+      </p:sp>
+      <p:pic>
+        <p:nvPicPr>
+          <p:cNvPr id="4" name="Content Placeholder 3"/>
+          <p:cNvPicPr>
+            <a:picLocks noGrp="1" noChangeAspect="1"/>
+          </p:cNvPicPr>
+          <p:nvPr>
+            <p:ph idx="1"/>
+          </p:nvPr>
+        </p:nvPicPr>
+        <p:blipFill>
+          <a:blip r:embed="rId3"/>
+          <a:stretch>
+            <a:fillRect/>
+          </a:stretch>
+        </p:blipFill>
+        <p:spPr>
+          <a:xfrm>
+            <a:off x="628650" y="1877323"/>
+            <a:ext cx="7886700" cy="4247942"/>
+          </a:xfrm>
+          <a:prstGeom prst="rect">
+            <a:avLst/>
+          </a:prstGeom>
+        </p:spPr>
+      </p:pic>
+    </p:spTree>
+    <p:extLst>
+      <p:ext uri="{BB962C8B-B14F-4D97-AF65-F5344CB8AC3E}">
+        <p14:creationId xmlns:p14="http://schemas.microsoft.com/office/powerpoint/2010/main" val="921585212"/>
+      </p:ext>
+    </p:extLst>
+  </p:cSld>
+  <p:clrMapOvr>
+    <a:masterClrMapping/>
+  </p:clrMapOvr>
+  <p:timing>
+    <p:tnLst>
+      <p:par>
+        <p:cTn id="1" dur="indefinite" restart="never" nodeType="tmRoot"/>
+      </p:par>
+    </p:tnLst>
+  </p:timing>
+</p:sld>
+</file>
+
+<file path=ppt/slides/slide11.xml><?xml version="1.0" encoding="utf-8"?>
+<p:sld xmlns:a="http://schemas.openxmlformats.org/drawingml/2006/main" xmlns:r="http://schemas.openxmlformats.org/officeDocument/2006/relationships" xmlns:p="http://schemas.openxmlformats.org/presentationml/2006/main">
+  <p:cSld>
+    <p:spTree>
+      <p:nvGrpSpPr>
+        <p:cNvPr id="1" name=""/>
+        <p:cNvGrpSpPr/>
+        <p:nvPr/>
+      </p:nvGrpSpPr>
+      <p:grpSpPr>
+        <a:xfrm>
+          <a:off x="0" y="0"/>
+          <a:ext cx="0" cy="0"/>
+          <a:chOff x="0" y="0"/>
+          <a:chExt cx="0" cy="0"/>
+        </a:xfrm>
+      </p:grpSpPr>
+      <p:sp>
+        <p:nvSpPr>
+          <p:cNvPr id="2" name="Title 1"/>
+          <p:cNvSpPr>
+            <a:spLocks noGrp="1"/>
+          </p:cNvSpPr>
+          <p:nvPr>
+            <p:ph type="title"/>
+          </p:nvPr>
+        </p:nvSpPr>
+        <p:spPr/>
+        <p:txBody>
+          <a:bodyPr/>
+          <a:lstStyle/>
+          <a:p>
+            <a:r>
+              <a:rPr lang="ko-KR" altLang="en-US" dirty="0" smtClean="0"/>
+              <a:t>시연 영상</a:t>
+            </a:r>
+            <a:endParaRPr lang="en-US" dirty="0"/>
+          </a:p>
+        </p:txBody>
+      </p:sp>
+      <p:sp>
+        <p:nvSpPr>
+          <p:cNvPr id="3" name="Content Placeholder 2"/>
+          <p:cNvSpPr>
+            <a:spLocks noGrp="1"/>
+          </p:cNvSpPr>
+          <p:nvPr>
+            <p:ph idx="1"/>
+          </p:nvPr>
+        </p:nvSpPr>
+        <p:spPr>
+          <a:xfrm>
+            <a:off x="628650" y="3027735"/>
+            <a:ext cx="7886700" cy="802530"/>
+          </a:xfrm>
+        </p:spPr>
+        <p:txBody>
+          <a:bodyPr/>
+          <a:lstStyle/>
+          <a:p>
+            <a:pPr marL="0" indent="0" algn="ctr">
+              <a:buNone/>
+            </a:pPr>
+            <a:r>
+              <a:rPr lang="ko-KR" altLang="en-US" dirty="0" err="1" smtClean="0">
+                <a:hlinkClick r:id="rId2"/>
+              </a:rPr>
+              <a:t>어메이징</a:t>
+            </a:r>
+            <a:r>
+              <a:rPr lang="en-US" altLang="ko-KR" dirty="0" smtClean="0">
+                <a:hlinkClick r:id="rId2"/>
+              </a:rPr>
+              <a:t>_</a:t>
+            </a:r>
+            <a:r>
+              <a:rPr lang="ko-KR" altLang="en-US" dirty="0" err="1" smtClean="0">
+                <a:hlinkClick r:id="rId2"/>
+              </a:rPr>
+              <a:t>첵스</a:t>
+            </a:r>
+            <a:r>
+              <a:rPr lang="en-US" altLang="ko-KR" dirty="0" smtClean="0">
+                <a:hlinkClick r:id="rId2"/>
+              </a:rPr>
+              <a:t>.mp4</a:t>
+            </a:r>
+            <a:endParaRPr lang="en-US" dirty="0"/>
+          </a:p>
+        </p:txBody>
+      </p:sp>
+    </p:spTree>
+    <p:extLst>
+      <p:ext uri="{BB962C8B-B14F-4D97-AF65-F5344CB8AC3E}">
+        <p14:creationId xmlns:p14="http://schemas.microsoft.com/office/powerpoint/2010/main" val="3527143795"/>
+      </p:ext>
+    </p:extLst>
+  </p:cSld>
+  <p:clrMapOvr>
+    <a:masterClrMapping/>
+  </p:clrMapOvr>
+  <p:timing>
+    <p:tnLst>
+      <p:par>
+        <p:cTn id="1" dur="indefinite" restart="never" nodeType="tmRoot"/>
+      </p:par>
+    </p:tnLst>
+  </p:timing>
+</p:sld>
+</file>
+
+<file path=ppt/slides/slide12.xml><?xml version="1.0" encoding="utf-8"?>
+<p:sld xmlns:a="http://schemas.openxmlformats.org/drawingml/2006/main" xmlns:r="http://schemas.openxmlformats.org/officeDocument/2006/relationships" xmlns:p="http://schemas.openxmlformats.org/presentationml/2006/main">
+  <p:cSld>
+    <p:bg>
+      <p:bgPr>
+        <a:solidFill>
+          <a:schemeClr val="tx1"/>
+        </a:solidFill>
+        <a:effectLst/>
+      </p:bgPr>
+    </p:bg>
+    <p:spTree>
+      <p:nvGrpSpPr>
+        <p:cNvPr id="1" name=""/>
+        <p:cNvGrpSpPr/>
+        <p:nvPr/>
+      </p:nvGrpSpPr>
+      <p:grpSpPr>
+        <a:xfrm>
+          <a:off x="0" y="0"/>
+          <a:ext cx="0" cy="0"/>
+          <a:chOff x="0" y="0"/>
+          <a:chExt cx="0" cy="0"/>
+        </a:xfrm>
+      </p:grpSpPr>
+      <p:sp>
+        <p:nvSpPr>
+          <p:cNvPr id="4" name="Title 3"/>
+          <p:cNvSpPr>
+            <a:spLocks noGrp="1"/>
+          </p:cNvSpPr>
+          <p:nvPr>
+            <p:ph type="ctrTitle"/>
+          </p:nvPr>
+        </p:nvSpPr>
+        <p:spPr/>
+        <p:txBody>
+          <a:bodyPr/>
+          <a:lstStyle/>
+          <a:p>
+            <a:r>
+              <a:rPr lang="ko-KR" altLang="en-US" dirty="0" smtClean="0">
+                <a:solidFill>
+                  <a:schemeClr val="bg1"/>
+                </a:solidFill>
+              </a:rPr>
+              <a:t>감사합니다</a:t>
+            </a:r>
+            <a:endParaRPr lang="en-US" dirty="0">
+              <a:solidFill>
+                <a:schemeClr val="bg1"/>
+              </a:solidFill>
+            </a:endParaRPr>
+          </a:p>
+        </p:txBody>
+      </p:sp>
+      <p:sp>
+        <p:nvSpPr>
+          <p:cNvPr id="5" name="Subtitle 4"/>
+          <p:cNvSpPr>
+            <a:spLocks noGrp="1"/>
+          </p:cNvSpPr>
+          <p:nvPr>
+            <p:ph type="subTitle" idx="1"/>
+          </p:nvPr>
+        </p:nvSpPr>
+        <p:spPr/>
+        <p:txBody>
+          <a:bodyPr/>
+          <a:lstStyle/>
+          <a:p>
+            <a:r>
+              <a:rPr lang="en-US" i="1" dirty="0" smtClean="0">
+                <a:solidFill>
+                  <a:schemeClr val="bg1"/>
+                </a:solidFill>
+                <a:latin typeface="Algerian" panose="04020705040A02060702" pitchFamily="82" charset="0"/>
+              </a:rPr>
+              <a:t>THANKS FOR WATCHING</a:t>
+            </a:r>
+            <a:endParaRPr lang="en-US" i="1" dirty="0">
+              <a:solidFill>
+                <a:schemeClr val="bg1"/>
+              </a:solidFill>
+              <a:latin typeface="Algerian" panose="04020705040A02060702" pitchFamily="82" charset="0"/>
+            </a:endParaRPr>
+          </a:p>
+        </p:txBody>
+      </p:sp>
+    </p:spTree>
+    <p:extLst>
+      <p:ext uri="{BB962C8B-B14F-4D97-AF65-F5344CB8AC3E}">
+        <p14:creationId xmlns:p14="http://schemas.microsoft.com/office/powerpoint/2010/main" val="1676208041"/>
       </p:ext>
     </p:extLst>
   </p:cSld>
@@ -3351,15 +8940,7 @@
                   <a:schemeClr val="bg1"/>
                 </a:solidFill>
               </a:rPr>
-              <a:t>게임으로 </a:t>
-            </a:r>
-            <a:r>
-              <a:rPr lang="ko-KR" altLang="en-US" dirty="0" smtClean="0">
-                <a:solidFill>
-                  <a:schemeClr val="bg1"/>
-                </a:solidFill>
-              </a:rPr>
-              <a:t>기본적인 체스 기반</a:t>
+              <a:t>게임으로 기본적인 체스 기반</a:t>
             </a:r>
             <a:endParaRPr lang="ko-KR" altLang="en-US" dirty="0">
               <a:solidFill>
@@ -3481,7 +9062,12 @@
             <p:ph idx="1"/>
           </p:nvPr>
         </p:nvSpPr>
-        <p:spPr/>
+        <p:spPr>
+          <a:xfrm>
+            <a:off x="628650" y="1825625"/>
+            <a:ext cx="7886700" cy="4351338"/>
+          </a:xfrm>
+        </p:spPr>
         <p:txBody>
           <a:bodyPr>
             <a:normAutofit fontScale="92500" lnSpcReduction="10000"/>
@@ -3506,11 +9092,7 @@
             </a:r>
             <a:r>
               <a:rPr lang="ko-KR" altLang="en-US" i="1" dirty="0" smtClean="0"/>
-              <a:t>가지 </a:t>
-            </a:r>
-            <a:r>
-              <a:rPr lang="ko-KR" altLang="en-US" i="1" dirty="0" smtClean="0"/>
-              <a:t>모드</a:t>
+              <a:t>가지 모드</a:t>
             </a:r>
             <a:endParaRPr lang="en-US" altLang="ko-KR" i="1" dirty="0" smtClean="0"/>
           </a:p>
@@ -3536,11 +9118,7 @@
             </a:pPr>
             <a:r>
               <a:rPr lang="ko-KR" altLang="en-US" dirty="0" smtClean="0"/>
-              <a:t>우리가 </a:t>
-            </a:r>
-            <a:r>
-              <a:rPr lang="ko-KR" altLang="en-US" dirty="0" smtClean="0"/>
-              <a:t>아는 그냥 </a:t>
+              <a:t>우리가 아는 그냥 </a:t>
             </a:r>
             <a:r>
               <a:rPr lang="ko-KR" altLang="en-US" dirty="0" err="1" smtClean="0"/>
@@ -3586,15 +9164,7 @@
             </a:pPr>
             <a:r>
               <a:rPr lang="ko-KR" altLang="en-US" dirty="0" smtClean="0"/>
-              <a:t>기본 </a:t>
-            </a:r>
-            <a:r>
-              <a:rPr lang="ko-KR" altLang="en-US" dirty="0" smtClean="0"/>
-              <a:t>체스의 말의 범위가 더 넓게 </a:t>
-            </a:r>
-            <a:r>
-              <a:rPr lang="ko-KR" altLang="en-US" dirty="0" smtClean="0"/>
-              <a:t>변경</a:t>
+              <a:t>기본 체스의 말의 범위가 더 넓게 변경</a:t>
             </a:r>
             <a:endParaRPr lang="en-US" altLang="ko-KR" dirty="0"/>
           </a:p>
@@ -3647,6 +9217,307 @@
               <a:t> 모드가 작동함</a:t>
             </a:r>
             <a:endParaRPr lang="ko-KR" altLang="en-US" dirty="0"/>
+          </a:p>
+        </p:txBody>
+      </p:sp>
+      <p:sp>
+        <p:nvSpPr>
+          <p:cNvPr id="4" name="내용 개체 틀 2"/>
+          <p:cNvSpPr txBox="1">
+            <a:spLocks/>
+          </p:cNvSpPr>
+          <p:nvPr/>
+        </p:nvSpPr>
+        <p:spPr>
+          <a:xfrm>
+            <a:off x="628650" y="1825625"/>
+            <a:ext cx="7886700" cy="4351338"/>
+          </a:xfrm>
+          <a:prstGeom prst="rect">
+            <a:avLst/>
+          </a:prstGeom>
+        </p:spPr>
+        <p:txBody>
+          <a:bodyPr vert="horz" lIns="91440" tIns="45720" rIns="91440" bIns="45720" rtlCol="0">
+            <a:normAutofit fontScale="92500" lnSpcReduction="10000"/>
+          </a:bodyPr>
+          <a:lstStyle>
+            <a:lvl1pPr marL="228600" indent="-228600" algn="l" defTabSz="914400" rtl="0" eaLnBrk="1" latinLnBrk="1" hangingPunct="1">
+              <a:lnSpc>
+                <a:spcPct val="150000"/>
+              </a:lnSpc>
+              <a:spcBef>
+                <a:spcPts val="1000"/>
+              </a:spcBef>
+              <a:buFont typeface="Arial" panose="020B0604020202020204" pitchFamily="34" charset="0"/>
+              <a:buChar char="•"/>
+              <a:defRPr sz="2800" kern="1200">
+                <a:solidFill>
+                  <a:schemeClr val="tx1"/>
+                </a:solidFill>
+                <a:latin typeface="+mn-lt"/>
+                <a:ea typeface="문체부 쓰기 정체" panose="02030609000101010101" pitchFamily="17" charset="-127"/>
+                <a:cs typeface="+mn-cs"/>
+              </a:defRPr>
+            </a:lvl1pPr>
+            <a:lvl2pPr marL="685800" indent="-228600" algn="l" defTabSz="914400" rtl="0" eaLnBrk="1" latinLnBrk="1" hangingPunct="1">
+              <a:lnSpc>
+                <a:spcPct val="150000"/>
+              </a:lnSpc>
+              <a:spcBef>
+                <a:spcPts val="500"/>
+              </a:spcBef>
+              <a:buFont typeface="Arial" panose="020B0604020202020204" pitchFamily="34" charset="0"/>
+              <a:buChar char="•"/>
+              <a:defRPr sz="2400" kern="1200">
+                <a:solidFill>
+                  <a:schemeClr val="tx1"/>
+                </a:solidFill>
+                <a:latin typeface="+mn-lt"/>
+                <a:ea typeface="문체부 쓰기 정체" panose="02030609000101010101" pitchFamily="17" charset="-127"/>
+                <a:cs typeface="+mn-cs"/>
+              </a:defRPr>
+            </a:lvl2pPr>
+            <a:lvl3pPr marL="1143000" indent="-228600" algn="l" defTabSz="914400" rtl="0" eaLnBrk="1" latinLnBrk="1" hangingPunct="1">
+              <a:lnSpc>
+                <a:spcPct val="150000"/>
+              </a:lnSpc>
+              <a:spcBef>
+                <a:spcPts val="500"/>
+              </a:spcBef>
+              <a:buFont typeface="Arial" panose="020B0604020202020204" pitchFamily="34" charset="0"/>
+              <a:buChar char="•"/>
+              <a:defRPr sz="2000" kern="1200">
+                <a:solidFill>
+                  <a:schemeClr val="tx1"/>
+                </a:solidFill>
+                <a:latin typeface="+mn-lt"/>
+                <a:ea typeface="문체부 쓰기 정체" panose="02030609000101010101" pitchFamily="17" charset="-127"/>
+                <a:cs typeface="+mn-cs"/>
+              </a:defRPr>
+            </a:lvl3pPr>
+            <a:lvl4pPr marL="1600200" indent="-228600" algn="l" defTabSz="914400" rtl="0" eaLnBrk="1" latinLnBrk="1" hangingPunct="1">
+              <a:lnSpc>
+                <a:spcPct val="150000"/>
+              </a:lnSpc>
+              <a:spcBef>
+                <a:spcPts val="500"/>
+              </a:spcBef>
+              <a:buFont typeface="Arial" panose="020B0604020202020204" pitchFamily="34" charset="0"/>
+              <a:buChar char="•"/>
+              <a:defRPr sz="1800" kern="1200">
+                <a:solidFill>
+                  <a:schemeClr val="tx1"/>
+                </a:solidFill>
+                <a:latin typeface="+mn-lt"/>
+                <a:ea typeface="문체부 쓰기 정체" panose="02030609000101010101" pitchFamily="17" charset="-127"/>
+                <a:cs typeface="+mn-cs"/>
+              </a:defRPr>
+            </a:lvl4pPr>
+            <a:lvl5pPr marL="2057400" indent="-228600" algn="l" defTabSz="914400" rtl="0" eaLnBrk="1" latinLnBrk="1" hangingPunct="1">
+              <a:lnSpc>
+                <a:spcPct val="150000"/>
+              </a:lnSpc>
+              <a:spcBef>
+                <a:spcPts val="500"/>
+              </a:spcBef>
+              <a:buFont typeface="Arial" panose="020B0604020202020204" pitchFamily="34" charset="0"/>
+              <a:buChar char="•"/>
+              <a:defRPr sz="1800" kern="1200">
+                <a:solidFill>
+                  <a:schemeClr val="tx1"/>
+                </a:solidFill>
+                <a:latin typeface="+mn-lt"/>
+                <a:ea typeface="문체부 쓰기 정체" panose="02030609000101010101" pitchFamily="17" charset="-127"/>
+                <a:cs typeface="+mn-cs"/>
+              </a:defRPr>
+            </a:lvl5pPr>
+            <a:lvl6pPr marL="2514600" indent="-228600" algn="l" defTabSz="914400" rtl="0" eaLnBrk="1" latinLnBrk="1" hangingPunct="1">
+              <a:lnSpc>
+                <a:spcPct val="90000"/>
+              </a:lnSpc>
+              <a:spcBef>
+                <a:spcPts val="500"/>
+              </a:spcBef>
+              <a:buFont typeface="Arial" panose="020B0604020202020204" pitchFamily="34" charset="0"/>
+              <a:buChar char="•"/>
+              <a:defRPr sz="1800" kern="1200">
+                <a:solidFill>
+                  <a:schemeClr val="tx1"/>
+                </a:solidFill>
+                <a:latin typeface="+mn-lt"/>
+                <a:ea typeface="+mn-ea"/>
+                <a:cs typeface="+mn-cs"/>
+              </a:defRPr>
+            </a:lvl6pPr>
+            <a:lvl7pPr marL="2971800" indent="-228600" algn="l" defTabSz="914400" rtl="0" eaLnBrk="1" latinLnBrk="1" hangingPunct="1">
+              <a:lnSpc>
+                <a:spcPct val="90000"/>
+              </a:lnSpc>
+              <a:spcBef>
+                <a:spcPts val="500"/>
+              </a:spcBef>
+              <a:buFont typeface="Arial" panose="020B0604020202020204" pitchFamily="34" charset="0"/>
+              <a:buChar char="•"/>
+              <a:defRPr sz="1800" kern="1200">
+                <a:solidFill>
+                  <a:schemeClr val="tx1"/>
+                </a:solidFill>
+                <a:latin typeface="+mn-lt"/>
+                <a:ea typeface="+mn-ea"/>
+                <a:cs typeface="+mn-cs"/>
+              </a:defRPr>
+            </a:lvl7pPr>
+            <a:lvl8pPr marL="3429000" indent="-228600" algn="l" defTabSz="914400" rtl="0" eaLnBrk="1" latinLnBrk="1" hangingPunct="1">
+              <a:lnSpc>
+                <a:spcPct val="90000"/>
+              </a:lnSpc>
+              <a:spcBef>
+                <a:spcPts val="500"/>
+              </a:spcBef>
+              <a:buFont typeface="Arial" panose="020B0604020202020204" pitchFamily="34" charset="0"/>
+              <a:buChar char="•"/>
+              <a:defRPr sz="1800" kern="1200">
+                <a:solidFill>
+                  <a:schemeClr val="tx1"/>
+                </a:solidFill>
+                <a:latin typeface="+mn-lt"/>
+                <a:ea typeface="+mn-ea"/>
+                <a:cs typeface="+mn-cs"/>
+              </a:defRPr>
+            </a:lvl8pPr>
+            <a:lvl9pPr marL="3886200" indent="-228600" algn="l" defTabSz="914400" rtl="0" eaLnBrk="1" latinLnBrk="1" hangingPunct="1">
+              <a:lnSpc>
+                <a:spcPct val="90000"/>
+              </a:lnSpc>
+              <a:spcBef>
+                <a:spcPts val="500"/>
+              </a:spcBef>
+              <a:buFont typeface="Arial" panose="020B0604020202020204" pitchFamily="34" charset="0"/>
+              <a:buChar char="•"/>
+              <a:defRPr sz="1800" kern="1200">
+                <a:solidFill>
+                  <a:schemeClr val="tx1"/>
+                </a:solidFill>
+                <a:latin typeface="+mn-lt"/>
+                <a:ea typeface="+mn-ea"/>
+                <a:cs typeface="+mn-cs"/>
+              </a:defRPr>
+            </a:lvl9pPr>
+          </a:lstStyle>
+          <a:p>
+            <a:pPr marL="0" indent="0">
+              <a:buFont typeface="Arial" panose="020B0604020202020204" pitchFamily="34" charset="0"/>
+              <a:buNone/>
+            </a:pPr>
+            <a:r>
+              <a:rPr lang="ko-KR" altLang="en-US" i="1" dirty="0" smtClean="0"/>
+              <a:t>총 </a:t>
+            </a:r>
+            <a:r>
+              <a:rPr lang="en-US" altLang="ko-KR" i="1" dirty="0" smtClean="0">
+                <a:latin typeface="Algerian" panose="04020705040A02060702" pitchFamily="82" charset="0"/>
+              </a:rPr>
+              <a:t>3</a:t>
+            </a:r>
+            <a:r>
+              <a:rPr lang="ko-KR" altLang="en-US" i="1" dirty="0" smtClean="0"/>
+              <a:t>가지 모드</a:t>
+            </a:r>
+            <a:endParaRPr lang="en-US" altLang="ko-KR" i="1" dirty="0" smtClean="0"/>
+          </a:p>
+          <a:p>
+            <a:pPr marL="571500" indent="-571500">
+              <a:buFont typeface="+mj-lt"/>
+              <a:buAutoNum type="romanUcPeriod"/>
+            </a:pPr>
+            <a:r>
+              <a:rPr lang="ko-KR" altLang="en-US" dirty="0" smtClean="0"/>
+              <a:t>기본 모드</a:t>
+            </a:r>
+            <a:endParaRPr lang="en-US" altLang="ko-KR" dirty="0" smtClean="0"/>
+          </a:p>
+          <a:p>
+            <a:pPr lvl="1"/>
+            <a:r>
+              <a:rPr lang="ko-KR" altLang="en-US" dirty="0" smtClean="0"/>
+              <a:t>우리가 아는 그냥 </a:t>
+            </a:r>
+            <a:r>
+              <a:rPr lang="ko-KR" altLang="en-US" dirty="0" err="1" smtClean="0"/>
+              <a:t>노멀한</a:t>
+            </a:r>
+            <a:r>
+              <a:rPr lang="ko-KR" altLang="en-US" dirty="0" smtClean="0"/>
+              <a:t> 체스</a:t>
+            </a:r>
+            <a:endParaRPr lang="en-US" altLang="ko-KR" dirty="0" smtClean="0"/>
+          </a:p>
+          <a:p>
+            <a:pPr marL="385763" indent="-385763">
+              <a:buFont typeface="+mj-lt"/>
+              <a:buAutoNum type="romanUcPeriod"/>
+            </a:pPr>
+            <a:r>
+              <a:rPr lang="ko-KR" altLang="en-US" strike="sngStrike" dirty="0" err="1" smtClean="0"/>
+              <a:t>다이나믹</a:t>
+            </a:r>
+            <a:r>
+              <a:rPr lang="ko-KR" altLang="en-US" strike="sngStrike" dirty="0" smtClean="0"/>
+              <a:t> 모드</a:t>
+            </a:r>
+            <a:endParaRPr lang="en-US" altLang="ko-KR" strike="sngStrike" dirty="0" smtClean="0"/>
+          </a:p>
+          <a:p>
+            <a:pPr lvl="1"/>
+            <a:r>
+              <a:rPr lang="ko-KR" altLang="en-US" strike="sngStrike" dirty="0" smtClean="0"/>
+              <a:t>기본 체스의 말의 범위가 더 넓게 변경</a:t>
+            </a:r>
+            <a:endParaRPr lang="en-US" altLang="ko-KR" strike="sngStrike" dirty="0" smtClean="0"/>
+          </a:p>
+          <a:p>
+            <a:pPr marL="385763" indent="-385763">
+              <a:buFont typeface="+mj-lt"/>
+              <a:buAutoNum type="romanUcPeriod"/>
+            </a:pPr>
+            <a:r>
+              <a:rPr lang="ko-KR" altLang="en-US" strike="sngStrike" dirty="0" err="1" smtClean="0"/>
+              <a:t>다이나믹</a:t>
+            </a:r>
+            <a:r>
+              <a:rPr lang="ko-KR" altLang="en-US" strike="sngStrike" dirty="0" smtClean="0"/>
+              <a:t> </a:t>
+            </a:r>
+            <a:r>
+              <a:rPr lang="en-US" altLang="ko-KR" strike="sngStrike" baseline="30000" dirty="0" smtClean="0"/>
+              <a:t>2</a:t>
+            </a:r>
+            <a:r>
+              <a:rPr lang="en-US" altLang="ko-KR" strike="sngStrike" dirty="0" smtClean="0"/>
+              <a:t> </a:t>
+            </a:r>
+            <a:r>
+              <a:rPr lang="ko-KR" altLang="en-US" strike="sngStrike" dirty="0" smtClean="0"/>
+              <a:t>모드</a:t>
+            </a:r>
+            <a:endParaRPr lang="en-US" altLang="ko-KR" strike="sngStrike" dirty="0" smtClean="0"/>
+          </a:p>
+          <a:p>
+            <a:pPr lvl="1"/>
+            <a:r>
+              <a:rPr lang="ko-KR" altLang="en-US" strike="sngStrike" dirty="0" smtClean="0"/>
+              <a:t>말과 같은 색깔의 칸에서만 말의 </a:t>
+            </a:r>
+            <a:r>
+              <a:rPr lang="ko-KR" altLang="en-US" strike="sngStrike" dirty="0" err="1" smtClean="0"/>
+              <a:t>다이나믹</a:t>
+            </a:r>
+            <a:r>
+              <a:rPr lang="ko-KR" altLang="en-US" strike="sngStrike" dirty="0" smtClean="0"/>
+              <a:t> 모드가 작동함</a:t>
+            </a:r>
+            <a:endParaRPr lang="ko-KR" altLang="en-US" strike="sngStrike" dirty="0"/>
           </a:p>
         </p:txBody>
       </p:sp>
@@ -3666,9 +9537,88 @@
   <p:timing>
     <p:tnLst>
       <p:par>
-        <p:cTn id="1" dur="indefinite" restart="never" nodeType="tmRoot"/>
+        <p:cTn id="1" dur="indefinite" restart="never" nodeType="tmRoot">
+          <p:childTnLst>
+            <p:seq concurrent="1" nextAc="seek">
+              <p:cTn id="2" dur="indefinite" nodeType="mainSeq">
+                <p:childTnLst>
+                  <p:par>
+                    <p:cTn id="3" fill="hold">
+                      <p:stCondLst>
+                        <p:cond delay="indefinite"/>
+                      </p:stCondLst>
+                      <p:childTnLst>
+                        <p:par>
+                          <p:cTn id="4" fill="hold">
+                            <p:stCondLst>
+                              <p:cond delay="0"/>
+                            </p:stCondLst>
+                            <p:childTnLst>
+                              <p:par>
+                                <p:cTn id="5" presetID="10" presetClass="entr" presetSubtype="0" fill="hold" grpId="0" nodeType="clickEffect">
+                                  <p:stCondLst>
+                                    <p:cond delay="0"/>
+                                  </p:stCondLst>
+                                  <p:childTnLst>
+                                    <p:set>
+                                      <p:cBhvr>
+                                        <p:cTn id="6" dur="1" fill="hold">
+                                          <p:stCondLst>
+                                            <p:cond delay="0"/>
+                                          </p:stCondLst>
+                                        </p:cTn>
+                                        <p:tgtEl>
+                                          <p:spTgt spid="4"/>
+                                        </p:tgtEl>
+                                        <p:attrNameLst>
+                                          <p:attrName>style.visibility</p:attrName>
+                                        </p:attrNameLst>
+                                      </p:cBhvr>
+                                      <p:to>
+                                        <p:strVal val="visible"/>
+                                      </p:to>
+                                    </p:set>
+                                    <p:animEffect transition="in" filter="fade">
+                                      <p:cBhvr>
+                                        <p:cTn id="7" dur="500"/>
+                                        <p:tgtEl>
+                                          <p:spTgt spid="4"/>
+                                        </p:tgtEl>
+                                      </p:cBhvr>
+                                    </p:animEffect>
+                                  </p:childTnLst>
+                                </p:cTn>
+                              </p:par>
+                            </p:childTnLst>
+                          </p:cTn>
+                        </p:par>
+                      </p:childTnLst>
+                    </p:cTn>
+                  </p:par>
+                </p:childTnLst>
+              </p:cTn>
+              <p:prevCondLst>
+                <p:cond evt="onPrev" delay="0">
+                  <p:tgtEl>
+                    <p:sldTgt/>
+                  </p:tgtEl>
+                </p:cond>
+              </p:prevCondLst>
+              <p:nextCondLst>
+                <p:cond evt="onNext" delay="0">
+                  <p:tgtEl>
+                    <p:sldTgt/>
+                  </p:tgtEl>
+                </p:cond>
+              </p:nextCondLst>
+            </p:seq>
+          </p:childTnLst>
+        </p:cTn>
       </p:par>
     </p:tnLst>
+    <p:bldLst>
+      <p:bldP spid="4" grpId="0"/>
+    </p:bldLst>
   </p:timing>
 </p:sld>
 </file>
@@ -3757,59 +9707,27 @@
                   <a:schemeClr val="bg1"/>
                 </a:solidFill>
               </a:rPr>
-              <a:t>상속 구조가 잘 나타나 있는 체스 게임을 만들어 보려 </a:t>
-            </a:r>
+              <a:t>상속 구조가 잘 나타나 있는 체스 게임을 만들어 보려 했었음</a:t>
+            </a:r>
+            <a:endParaRPr lang="en-US" altLang="ko-KR" sz="2000" dirty="0" smtClean="0">
+              <a:solidFill>
+                <a:schemeClr val="bg1"/>
+              </a:solidFill>
+            </a:endParaRPr>
+          </a:p>
+          <a:p>
+            <a:pPr>
+              <a:lnSpc>
+                <a:spcPct val="150000"/>
+              </a:lnSpc>
+            </a:pPr>
             <a:r>
               <a:rPr lang="ko-KR" altLang="en-US" sz="2000" dirty="0" smtClean="0">
                 <a:solidFill>
                   <a:schemeClr val="bg1"/>
                 </a:solidFill>
               </a:rPr>
-              <a:t>했었음</a:t>
-            </a:r>
-            <a:endParaRPr lang="en-US" altLang="ko-KR" sz="2000" dirty="0" smtClean="0">
-              <a:solidFill>
-                <a:schemeClr val="bg1"/>
-              </a:solidFill>
-            </a:endParaRPr>
-          </a:p>
-          <a:p>
-            <a:pPr>
-              <a:lnSpc>
-                <a:spcPct val="150000"/>
-              </a:lnSpc>
-            </a:pPr>
-            <a:r>
-              <a:rPr lang="ko-KR" altLang="en-US" sz="2000" dirty="0" smtClean="0">
-                <a:solidFill>
-                  <a:schemeClr val="bg1"/>
-                </a:solidFill>
-              </a:rPr>
-              <a:t>기본적인 체스에</a:t>
-            </a:r>
-            <a:r>
-              <a:rPr lang="ko-KR" altLang="en-US" sz="2000" dirty="0" smtClean="0">
-                <a:solidFill>
-                  <a:schemeClr val="bg1"/>
-                </a:solidFill>
-              </a:rPr>
-              <a:t> 또 다른 </a:t>
-            </a:r>
-            <a:r>
-              <a:rPr lang="ko-KR" altLang="en-US" sz="2000" dirty="0" smtClean="0">
-                <a:solidFill>
-                  <a:schemeClr val="bg1"/>
-                </a:solidFill>
-              </a:rPr>
-              <a:t>재미를 추가해보고 </a:t>
-            </a:r>
-            <a:r>
-              <a:rPr lang="ko-KR" altLang="en-US" sz="2000" dirty="0" smtClean="0">
-                <a:solidFill>
-                  <a:schemeClr val="bg1"/>
-                </a:solidFill>
-              </a:rPr>
-              <a:t>싶었음</a:t>
+              <a:t>기본적인 체스에 또 다른 재미를 추가해보고 싶었음</a:t>
             </a:r>
             <a:endParaRPr lang="ko-KR" altLang="en-US" sz="2000" dirty="0">
               <a:solidFill>
@@ -4172,14 +10090,14 @@
               </a:lnSpc>
             </a:pPr>
             <a:r>
-              <a:rPr lang="ko-KR" altLang="en-US" sz="1800" dirty="0" err="1" smtClean="0"/>
+              <a:rPr lang="ko-KR" altLang="en-US" sz="1800" strike="sngStrike" dirty="0" err="1" smtClean="0"/>
               <a:t>다이나믹</a:t>
             </a:r>
             <a:r>
-              <a:rPr lang="ko-KR" altLang="en-US" sz="1800" dirty="0" smtClean="0"/>
+              <a:rPr lang="ko-KR" altLang="en-US" sz="1800" strike="sngStrike" dirty="0" smtClean="0"/>
               <a:t> 알고리즘 제작</a:t>
             </a:r>
-            <a:endParaRPr lang="en-US" altLang="ko-KR" sz="1800" dirty="0" smtClean="0"/>
+            <a:endParaRPr lang="en-US" altLang="ko-KR" sz="1800" strike="sngStrike" dirty="0" smtClean="0"/>
           </a:p>
           <a:p>
             <a:pPr lvl="1">
@@ -4344,6 +10262,379 @@
 <file path=ppt/slides/slide6.xml><?xml version="1.0" encoding="utf-8"?>
 <p:sld xmlns:a="http://schemas.openxmlformats.org/drawingml/2006/main" xmlns:r="http://schemas.openxmlformats.org/officeDocument/2006/relationships" xmlns:p="http://schemas.openxmlformats.org/presentationml/2006/main">
   <p:cSld>
+    <p:bg>
+      <p:bgPr>
+        <a:solidFill>
+          <a:schemeClr val="tx1"/>
+        </a:solidFill>
+        <a:effectLst/>
+      </p:bgPr>
+    </p:bg>
+    <p:spTree>
+      <p:nvGrpSpPr>
+        <p:cNvPr id="1" name=""/>
+        <p:cNvGrpSpPr/>
+        <p:nvPr/>
+      </p:nvGrpSpPr>
+      <p:grpSpPr>
+        <a:xfrm>
+          <a:off x="0" y="0"/>
+          <a:ext cx="0" cy="0"/>
+          <a:chOff x="0" y="0"/>
+          <a:chExt cx="0" cy="0"/>
+        </a:xfrm>
+      </p:grpSpPr>
+      <p:sp>
+        <p:nvSpPr>
+          <p:cNvPr id="2" name="Title 1"/>
+          <p:cNvSpPr>
+            <a:spLocks noGrp="1"/>
+          </p:cNvSpPr>
+          <p:nvPr>
+            <p:ph type="title"/>
+          </p:nvPr>
+        </p:nvSpPr>
+        <p:spPr/>
+        <p:txBody>
+          <a:bodyPr/>
+          <a:lstStyle/>
+          <a:p>
+            <a:r>
+              <a:rPr lang="ko-KR" altLang="en-US" dirty="0" smtClean="0">
+                <a:solidFill>
+                  <a:schemeClr val="bg1"/>
+                </a:solidFill>
+              </a:rPr>
+              <a:t>프로젝트 세부 사항</a:t>
+            </a:r>
+            <a:endParaRPr lang="en-US" dirty="0">
+              <a:solidFill>
+                <a:schemeClr val="bg1"/>
+              </a:solidFill>
+            </a:endParaRPr>
+          </a:p>
+        </p:txBody>
+      </p:sp>
+      <p:pic>
+        <p:nvPicPr>
+          <p:cNvPr id="6" name="Content Placeholder 3"/>
+          <p:cNvPicPr>
+            <a:picLocks noGrp="1" noChangeAspect="1"/>
+          </p:cNvPicPr>
+          <p:nvPr>
+            <p:ph idx="1"/>
+          </p:nvPr>
+        </p:nvPicPr>
+        <p:blipFill>
+          <a:blip r:embed="rId2" cstate="print">
+            <a:extLst>
+              <a:ext uri="{28A0092B-C50C-407E-A947-70E740481C1C}">
+                <a14:useLocalDpi xmlns:a14="http://schemas.microsoft.com/office/drawing/2010/main" val="0"/>
+              </a:ext>
+            </a:extLst>
+          </a:blip>
+          <a:stretch>
+            <a:fillRect/>
+          </a:stretch>
+        </p:blipFill>
+        <p:spPr>
+          <a:xfrm>
+            <a:off x="1356244" y="1690689"/>
+            <a:ext cx="6431513" cy="4660066"/>
+          </a:xfrm>
+        </p:spPr>
+      </p:pic>
+      <p:pic>
+        <p:nvPicPr>
+          <p:cNvPr id="7" name="Picture 6"/>
+          <p:cNvPicPr>
+            <a:picLocks noChangeAspect="1"/>
+          </p:cNvPicPr>
+          <p:nvPr/>
+        </p:nvPicPr>
+        <p:blipFill>
+          <a:blip r:embed="rId3"/>
+          <a:stretch>
+            <a:fillRect/>
+          </a:stretch>
+        </p:blipFill>
+        <p:spPr>
+          <a:xfrm>
+            <a:off x="968439" y="1690689"/>
+            <a:ext cx="7207123" cy="4660066"/>
+          </a:xfrm>
+          <a:prstGeom prst="rect">
+            <a:avLst/>
+          </a:prstGeom>
+        </p:spPr>
+      </p:pic>
+    </p:spTree>
+    <p:extLst>
+      <p:ext uri="{BB962C8B-B14F-4D97-AF65-F5344CB8AC3E}">
+        <p14:creationId xmlns:p14="http://schemas.microsoft.com/office/powerpoint/2010/main" val="2148258454"/>
+      </p:ext>
+    </p:extLst>
+  </p:cSld>
+  <p:clrMapOvr>
+    <a:masterClrMapping/>
+  </p:clrMapOvr>
+  <p:timing>
+    <p:tnLst>
+      <p:par>
+        <p:cTn id="1" dur="indefinite" restart="never" nodeType="tmRoot">
+          <p:childTnLst>
+            <p:seq concurrent="1" nextAc="seek">
+              <p:cTn id="2" dur="indefinite" nodeType="mainSeq">
+                <p:childTnLst>
+                  <p:par>
+                    <p:cTn id="3" fill="hold">
+                      <p:stCondLst>
+                        <p:cond delay="indefinite"/>
+                      </p:stCondLst>
+                      <p:childTnLst>
+                        <p:par>
+                          <p:cTn id="4" fill="hold">
+                            <p:stCondLst>
+                              <p:cond delay="0"/>
+                            </p:stCondLst>
+                            <p:childTnLst>
+                              <p:par>
+                                <p:cTn id="5" presetID="10" presetClass="entr" presetSubtype="0" fill="hold" nodeType="clickEffect">
+                                  <p:stCondLst>
+                                    <p:cond delay="0"/>
+                                  </p:stCondLst>
+                                  <p:childTnLst>
+                                    <p:set>
+                                      <p:cBhvr>
+                                        <p:cTn id="6" dur="1" fill="hold">
+                                          <p:stCondLst>
+                                            <p:cond delay="0"/>
+                                          </p:stCondLst>
+                                        </p:cTn>
+                                        <p:tgtEl>
+                                          <p:spTgt spid="7"/>
+                                        </p:tgtEl>
+                                        <p:attrNameLst>
+                                          <p:attrName>style.visibility</p:attrName>
+                                        </p:attrNameLst>
+                                      </p:cBhvr>
+                                      <p:to>
+                                        <p:strVal val="visible"/>
+                                      </p:to>
+                                    </p:set>
+                                    <p:animEffect transition="in" filter="fade">
+                                      <p:cBhvr>
+                                        <p:cTn id="7" dur="500"/>
+                                        <p:tgtEl>
+                                          <p:spTgt spid="7"/>
+                                        </p:tgtEl>
+                                      </p:cBhvr>
+                                    </p:animEffect>
+                                  </p:childTnLst>
+                                </p:cTn>
+                              </p:par>
+                            </p:childTnLst>
+                          </p:cTn>
+                        </p:par>
+                      </p:childTnLst>
+                    </p:cTn>
+                  </p:par>
+                </p:childTnLst>
+              </p:cTn>
+              <p:prevCondLst>
+                <p:cond evt="onPrev" delay="0">
+                  <p:tgtEl>
+                    <p:sldTgt/>
+                  </p:tgtEl>
+                </p:cond>
+              </p:prevCondLst>
+              <p:nextCondLst>
+                <p:cond evt="onNext" delay="0">
+                  <p:tgtEl>
+                    <p:sldTgt/>
+                  </p:tgtEl>
+                </p:cond>
+              </p:nextCondLst>
+            </p:seq>
+          </p:childTnLst>
+        </p:cTn>
+      </p:par>
+    </p:tnLst>
+  </p:timing>
+</p:sld>
+</file>
+
+<file path=ppt/slides/slide7.xml><?xml version="1.0" encoding="utf-8"?>
+<p:sld xmlns:a="http://schemas.openxmlformats.org/drawingml/2006/main" xmlns:r="http://schemas.openxmlformats.org/officeDocument/2006/relationships" xmlns:p="http://schemas.openxmlformats.org/presentationml/2006/main">
+  <p:cSld>
+    <p:spTree>
+      <p:nvGrpSpPr>
+        <p:cNvPr id="1" name=""/>
+        <p:cNvGrpSpPr/>
+        <p:nvPr/>
+      </p:nvGrpSpPr>
+      <p:grpSpPr>
+        <a:xfrm>
+          <a:off x="0" y="0"/>
+          <a:ext cx="0" cy="0"/>
+          <a:chOff x="0" y="0"/>
+          <a:chExt cx="0" cy="0"/>
+        </a:xfrm>
+      </p:grpSpPr>
+      <p:sp>
+        <p:nvSpPr>
+          <p:cNvPr id="2" name="Title 1"/>
+          <p:cNvSpPr>
+            <a:spLocks noGrp="1"/>
+          </p:cNvSpPr>
+          <p:nvPr>
+            <p:ph type="title"/>
+          </p:nvPr>
+        </p:nvSpPr>
+        <p:spPr/>
+        <p:txBody>
+          <a:bodyPr/>
+          <a:lstStyle/>
+          <a:p>
+            <a:r>
+              <a:rPr lang="en-US" dirty="0" smtClean="0">
+                <a:latin typeface="Algerian" panose="04020705040A02060702" pitchFamily="82" charset="0"/>
+              </a:rPr>
+              <a:t>Java → C++</a:t>
+            </a:r>
+            <a:endParaRPr lang="en-US" dirty="0">
+              <a:latin typeface="Algerian" panose="04020705040A02060702" pitchFamily="82" charset="0"/>
+            </a:endParaRPr>
+          </a:p>
+        </p:txBody>
+      </p:sp>
+      <p:pic>
+        <p:nvPicPr>
+          <p:cNvPr id="6" name="Content Placeholder 5"/>
+          <p:cNvPicPr>
+            <a:picLocks noGrp="1" noChangeAspect="1"/>
+          </p:cNvPicPr>
+          <p:nvPr>
+            <p:ph idx="1"/>
+          </p:nvPr>
+        </p:nvPicPr>
+        <p:blipFill>
+          <a:blip r:embed="rId2"/>
+          <a:stretch>
+            <a:fillRect/>
+          </a:stretch>
+        </p:blipFill>
+        <p:spPr>
+          <a:xfrm>
+            <a:off x="628650" y="2550368"/>
+            <a:ext cx="3738726" cy="2331405"/>
+          </a:xfrm>
+          <a:prstGeom prst="rect">
+            <a:avLst/>
+          </a:prstGeom>
+        </p:spPr>
+      </p:pic>
+      <p:pic>
+        <p:nvPicPr>
+          <p:cNvPr id="7" name="Picture 6"/>
+          <p:cNvPicPr>
+            <a:picLocks noChangeAspect="1"/>
+          </p:cNvPicPr>
+          <p:nvPr/>
+        </p:nvPicPr>
+        <p:blipFill>
+          <a:blip r:embed="rId3"/>
+          <a:stretch>
+            <a:fillRect/>
+          </a:stretch>
+        </p:blipFill>
+        <p:spPr>
+          <a:xfrm>
+            <a:off x="4572000" y="2550368"/>
+            <a:ext cx="4148660" cy="2331405"/>
+          </a:xfrm>
+          <a:prstGeom prst="rect">
+            <a:avLst/>
+          </a:prstGeom>
+        </p:spPr>
+      </p:pic>
+      <p:sp>
+        <p:nvSpPr>
+          <p:cNvPr id="8" name="Right Arrow 7"/>
+          <p:cNvSpPr/>
+          <p:nvPr/>
+        </p:nvSpPr>
+        <p:spPr>
+          <a:xfrm>
+            <a:off x="4124130" y="3342846"/>
+            <a:ext cx="802433" cy="746449"/>
+          </a:xfrm>
+          <a:prstGeom prst="rightArrow">
+            <a:avLst/>
+          </a:prstGeom>
+          <a:solidFill>
+            <a:schemeClr val="tx1"/>
+          </a:solidFill>
+          <a:ln>
+            <a:noFill/>
+          </a:ln>
+        </p:spPr>
+        <p:style>
+          <a:lnRef idx="2">
+            <a:schemeClr val="accent3">
+              <a:shade val="50000"/>
+            </a:schemeClr>
+          </a:lnRef>
+          <a:fillRef idx="1">
+            <a:schemeClr val="accent3"/>
+          </a:fillRef>
+          <a:effectRef idx="0">
+            <a:schemeClr val="accent3"/>
+          </a:effectRef>
+          <a:fontRef idx="minor">
+            <a:schemeClr val="lt1"/>
+          </a:fontRef>
+        </p:style>
+        <p:txBody>
+          <a:bodyPr rtlCol="0" anchor="ctr"/>
+          <a:lstStyle/>
+          <a:p>
+            <a:pPr algn="ctr"/>
+            <a:endParaRPr lang="en-US"/>
+          </a:p>
+        </p:txBody>
+      </p:sp>
+    </p:spTree>
+    <p:extLst>
+      <p:ext uri="{BB962C8B-B14F-4D97-AF65-F5344CB8AC3E}">
+        <p14:creationId xmlns:p14="http://schemas.microsoft.com/office/powerpoint/2010/main" val="545858431"/>
+      </p:ext>
+    </p:extLst>
+  </p:cSld>
+  <p:clrMapOvr>
+    <a:masterClrMapping/>
+  </p:clrMapOvr>
+  <p:timing>
+    <p:tnLst>
+      <p:par>
+        <p:cTn id="1" dur="indefinite" restart="never" nodeType="tmRoot"/>
+      </p:par>
+    </p:tnLst>
+  </p:timing>
+</p:sld>
+</file>
+
+<file path=ppt/slides/slide8.xml><?xml version="1.0" encoding="utf-8"?>
+<p:sld xmlns:a="http://schemas.openxmlformats.org/drawingml/2006/main" xmlns:r="http://schemas.openxmlformats.org/officeDocument/2006/relationships" xmlns:p="http://schemas.openxmlformats.org/presentationml/2006/main">
+  <p:cSld>
+    <p:bg>
+      <p:bgPr>
+        <a:solidFill>
+          <a:schemeClr val="tx1"/>
+        </a:solidFill>
+        <a:effectLst/>
+      </p:bgPr>
+    </p:bg>
     <p:spTree>
       <p:nvGrpSpPr>
         <p:cNvPr id="1" name=""/>
@@ -4373,18 +10664,115 @@
           <a:bodyPr/>
           <a:lstStyle/>
           <a:p>
-            <a:endParaRPr lang="ko-KR" altLang="en-US"/>
+            <a:r>
+              <a:rPr lang="ko-KR" altLang="en-US" dirty="0" smtClean="0">
+                <a:solidFill>
+                  <a:schemeClr val="bg1"/>
+                </a:solidFill>
+              </a:rPr>
+              <a:t>상속 관계</a:t>
+            </a:r>
+            <a:endParaRPr lang="ko-KR" altLang="en-US" dirty="0">
+              <a:solidFill>
+                <a:schemeClr val="bg1"/>
+              </a:solidFill>
+            </a:endParaRPr>
           </a:p>
         </p:txBody>
       </p:sp>
+      <p:graphicFrame>
+        <p:nvGraphicFramePr>
+          <p:cNvPr id="4" name="Content Placeholder 3"/>
+          <p:cNvGraphicFramePr>
+            <a:graphicFrameLocks noGrp="1"/>
+          </p:cNvGraphicFramePr>
+          <p:nvPr>
+            <p:ph idx="1"/>
+            <p:extLst>
+              <p:ext uri="{D42A27DB-BD31-4B8C-83A1-F6EECF244321}">
+                <p14:modId xmlns:p14="http://schemas.microsoft.com/office/powerpoint/2010/main" val="3144074155"/>
+              </p:ext>
+            </p:extLst>
+          </p:nvPr>
+        </p:nvGraphicFramePr>
+        <p:xfrm>
+          <a:off x="2090057" y="2264229"/>
+          <a:ext cx="6425292" cy="3912734"/>
+        </p:xfrm>
+        <a:graphic>
+          <a:graphicData uri="http://schemas.openxmlformats.org/drawingml/2006/diagram">
+            <dgm:relIds xmlns:dgm="http://schemas.openxmlformats.org/drawingml/2006/diagram" xmlns:r="http://schemas.openxmlformats.org/officeDocument/2006/relationships" r:dm="rId2" r:lo="rId3" r:qs="rId4" r:cs="rId5"/>
+          </a:graphicData>
+        </a:graphic>
+      </p:graphicFrame>
+      <p:pic>
+        <p:nvPicPr>
+          <p:cNvPr id="6" name="Content Placeholder 3"/>
+          <p:cNvPicPr>
+            <a:picLocks noChangeAspect="1"/>
+          </p:cNvPicPr>
+          <p:nvPr/>
+        </p:nvPicPr>
+        <p:blipFill rotWithShape="1">
+          <a:blip r:embed="rId7"/>
+          <a:srcRect t="21116" r="86754" b="8596"/>
+          <a:stretch/>
+        </p:blipFill>
+        <p:spPr>
+          <a:xfrm>
+            <a:off x="628650" y="2537926"/>
+            <a:ext cx="1181489" cy="3376940"/>
+          </a:xfrm>
+          <a:prstGeom prst="rect">
+            <a:avLst/>
+          </a:prstGeom>
+        </p:spPr>
+      </p:pic>
+    </p:spTree>
+    <p:extLst>
+      <p:ext uri="{BB962C8B-B14F-4D97-AF65-F5344CB8AC3E}">
+        <p14:creationId xmlns:p14="http://schemas.microsoft.com/office/powerpoint/2010/main" val="659090389"/>
+      </p:ext>
+    </p:extLst>
+  </p:cSld>
+  <p:clrMapOvr>
+    <a:masterClrMapping/>
+  </p:clrMapOvr>
+  <p:timing>
+    <p:tnLst>
+      <p:par>
+        <p:cTn id="1" dur="indefinite" restart="never" nodeType="tmRoot"/>
+      </p:par>
+    </p:tnLst>
+  </p:timing>
+</p:sld>
+</file>
+
+<file path=ppt/slides/slide9.xml><?xml version="1.0" encoding="utf-8"?>
+<p:sld xmlns:a="http://schemas.openxmlformats.org/drawingml/2006/main" xmlns:r="http://schemas.openxmlformats.org/officeDocument/2006/relationships" xmlns:p="http://schemas.openxmlformats.org/presentationml/2006/main">
+  <p:cSld>
+    <p:spTree>
+      <p:nvGrpSpPr>
+        <p:cNvPr id="1" name=""/>
+        <p:cNvGrpSpPr/>
+        <p:nvPr/>
+      </p:nvGrpSpPr>
+      <p:grpSpPr>
+        <a:xfrm>
+          <a:off x="0" y="0"/>
+          <a:ext cx="0" cy="0"/>
+          <a:chOff x="0" y="0"/>
+          <a:chExt cx="0" cy="0"/>
+        </a:xfrm>
+      </p:grpSpPr>
       <p:sp>
         <p:nvSpPr>
-          <p:cNvPr id="3" name="내용 개체 틀 2"/>
+          <p:cNvPr id="2" name="Title 1"/>
           <p:cNvSpPr>
             <a:spLocks noGrp="1"/>
           </p:cNvSpPr>
           <p:nvPr>
-            <p:ph idx="1"/>
+            <p:ph type="title"/>
           </p:nvPr>
         </p:nvSpPr>
         <p:spPr/>
@@ -4392,14 +10780,44 @@
           <a:bodyPr/>
           <a:lstStyle/>
           <a:p>
-            <a:endParaRPr lang="ko-KR" altLang="en-US" dirty="0"/>
+            <a:r>
+              <a:rPr lang="ko-KR" altLang="en-US" dirty="0" smtClean="0"/>
+              <a:t>예외 처리</a:t>
+            </a:r>
+            <a:endParaRPr lang="en-US" dirty="0"/>
           </a:p>
         </p:txBody>
       </p:sp>
+      <p:pic>
+        <p:nvPicPr>
+          <p:cNvPr id="4" name="Content Placeholder 3"/>
+          <p:cNvPicPr>
+            <a:picLocks noGrp="1" noChangeAspect="1"/>
+          </p:cNvPicPr>
+          <p:nvPr>
+            <p:ph idx="1"/>
+          </p:nvPr>
+        </p:nvPicPr>
+        <p:blipFill>
+          <a:blip r:embed="rId3"/>
+          <a:stretch>
+            <a:fillRect/>
+          </a:stretch>
+        </p:blipFill>
+        <p:spPr>
+          <a:xfrm>
+            <a:off x="628650" y="1877323"/>
+            <a:ext cx="7886700" cy="4247942"/>
+          </a:xfrm>
+          <a:prstGeom prst="rect">
+            <a:avLst/>
+          </a:prstGeom>
+        </p:spPr>
+      </p:pic>
     </p:spTree>
     <p:extLst>
       <p:ext uri="{BB962C8B-B14F-4D97-AF65-F5344CB8AC3E}">
-        <p14:creationId xmlns:p14="http://schemas.microsoft.com/office/powerpoint/2010/main" val="659090389"/>
+        <p14:creationId xmlns:p14="http://schemas.microsoft.com/office/powerpoint/2010/main" val="1243504725"/>
       </p:ext>
     </p:extLst>
   </p:cSld>
@@ -4675,4 +11093,265 @@
     </a:ext>
   </a:extLst>
 </a:theme>
+</file>
+
+<file path=ppt/theme/theme2.xml><?xml version="1.0" encoding="utf-8"?>
+<a:theme xmlns:a="http://schemas.openxmlformats.org/drawingml/2006/main" name="Office Theme">
+  <a:themeElements>
+    <a:clrScheme name="Office">
+      <a:dk1>
+        <a:sysClr val="windowText" lastClr="000000"/>
+      </a:dk1>
+      <a:lt1>
+        <a:sysClr val="window" lastClr="FFFFFF"/>
+      </a:lt1>
+      <a:dk2>
+        <a:srgbClr val="44546A"/>
+      </a:dk2>
+      <a:lt2>
+        <a:srgbClr val="E7E6E6"/>
+      </a:lt2>
+      <a:accent1>
+        <a:srgbClr val="5B9BD5"/>
+      </a:accent1>
+      <a:accent2>
+        <a:srgbClr val="ED7D31"/>
+      </a:accent2>
+      <a:accent3>
+        <a:srgbClr val="A5A5A5"/>
+      </a:accent3>
+      <a:accent4>
+        <a:srgbClr val="FFC000"/>
+      </a:accent4>
+      <a:accent5>
+        <a:srgbClr val="4472C4"/>
+      </a:accent5>
+      <a:accent6>
+        <a:srgbClr val="70AD47"/>
+      </a:accent6>
+      <a:hlink>
+        <a:srgbClr val="0563C1"/>
+      </a:hlink>
+      <a:folHlink>
+        <a:srgbClr val="954F72"/>
+      </a:folHlink>
+    </a:clrScheme>
+    <a:fontScheme name="Office">
+      <a:majorFont>
+        <a:latin typeface="Calibri Light" panose="020F0302020204030204"/>
+        <a:ea typeface=""/>
+        <a:cs typeface=""/>
+        <a:font script="Jpan" typeface="ＭＳ Ｐゴシック"/>
+        <a:font script="Hang" typeface="맑은 고딕"/>
+        <a:font script="Hans" typeface="宋体"/>
+        <a:font script="Hant" typeface="新細明體"/>
+        <a:font script="Arab" typeface="Times New Roman"/>
+        <a:font script="Hebr" typeface="Times New Roman"/>
+        <a:font script="Thai" typeface="Angsana New"/>
+        <a:font script="Ethi" typeface="Nyala"/>
+        <a:font script="Beng" typeface="Vrinda"/>
+        <a:font script="Gujr" typeface="Shruti"/>
+        <a:font script="Khmr" typeface="MoolBoran"/>
+        <a:font script="Knda" typeface="Tunga"/>
+        <a:font script="Guru" typeface="Raavi"/>
+        <a:font script="Cans" typeface="Euphemia"/>
+        <a:font script="Cher" typeface="Plantagenet Cherokee"/>
+        <a:font script="Yiii" typeface="Microsoft Yi Baiti"/>
+        <a:font script="Tibt" typeface="Microsoft Himalaya"/>
+        <a:font script="Thaa" typeface="MV Boli"/>
+        <a:font script="Deva" typeface="Mangal"/>
+        <a:font script="Telu" typeface="Gautami"/>
+        <a:font script="Taml" typeface="Latha"/>
+        <a:font script="Syrc" typeface="Estrangelo Edessa"/>
+        <a:font script="Orya" typeface="Kalinga"/>
+        <a:font script="Mlym" typeface="Kartika"/>
+        <a:font script="Laoo" typeface="DokChampa"/>
+        <a:font script="Sinh" typeface="Iskoola Pota"/>
+        <a:font script="Mong" typeface="Mongolian Baiti"/>
+        <a:font script="Viet" typeface="Times New Roman"/>
+        <a:font script="Uigh" typeface="Microsoft Uighur"/>
+        <a:font script="Geor" typeface="Sylfaen"/>
+      </a:majorFont>
+      <a:minorFont>
+        <a:latin typeface="Calibri" panose="020F0502020204030204"/>
+        <a:ea typeface=""/>
+        <a:cs typeface=""/>
+        <a:font script="Jpan" typeface="ＭＳ Ｐゴシック"/>
+        <a:font script="Hang" typeface="맑은 고딕"/>
+        <a:font script="Hans" typeface="宋体"/>
+        <a:font script="Hant" typeface="新細明體"/>
+        <a:font script="Arab" typeface="Arial"/>
+        <a:font script="Hebr" typeface="Arial"/>
+        <a:font script="Thai" typeface="Cordia New"/>
+        <a:font script="Ethi" typeface="Nyala"/>
+        <a:font script="Beng" typeface="Vrinda"/>
+        <a:font script="Gujr" typeface="Shruti"/>
+        <a:font script="Khmr" typeface="DaunPenh"/>
+        <a:font script="Knda" typeface="Tunga"/>
+        <a:font script="Guru" typeface="Raavi"/>
+        <a:font script="Cans" typeface="Euphemia"/>
+        <a:font script="Cher" typeface="Plantagenet Cherokee"/>
+        <a:font script="Yiii" typeface="Microsoft Yi Baiti"/>
+        <a:font script="Tibt" typeface="Microsoft Himalaya"/>
+        <a:font script="Thaa" typeface="MV Boli"/>
+        <a:font script="Deva" typeface="Mangal"/>
+        <a:font script="Telu" typeface="Gautami"/>
+        <a:font script="Taml" typeface="Latha"/>
+        <a:font script="Syrc" typeface="Estrangelo Edessa"/>
+        <a:font script="Orya" typeface="Kalinga"/>
+        <a:font script="Mlym" typeface="Kartika"/>
+        <a:font script="Laoo" typeface="DokChampa"/>
+        <a:font script="Sinh" typeface="Iskoola Pota"/>
+        <a:font script="Mong" typeface="Mongolian Baiti"/>
+        <a:font script="Viet" typeface="Arial"/>
+        <a:font script="Uigh" typeface="Microsoft Uighur"/>
+        <a:font script="Geor" typeface="Sylfaen"/>
+      </a:minorFont>
+    </a:fontScheme>
+    <a:fmtScheme name="Office">
+      <a:fillStyleLst>
+        <a:solidFill>
+          <a:schemeClr val="phClr"/>
+        </a:solidFill>
+        <a:gradFill rotWithShape="1">
+          <a:gsLst>
+            <a:gs pos="0">
+              <a:schemeClr val="phClr">
+                <a:lumMod val="110000"/>
+                <a:satMod val="105000"/>
+                <a:tint val="67000"/>
+              </a:schemeClr>
+            </a:gs>
+            <a:gs pos="50000">
+              <a:schemeClr val="phClr">
+                <a:lumMod val="105000"/>
+                <a:satMod val="103000"/>
+                <a:tint val="73000"/>
+              </a:schemeClr>
+            </a:gs>
+            <a:gs pos="100000">
+              <a:schemeClr val="phClr">
+                <a:lumMod val="105000"/>
+                <a:satMod val="109000"/>
+                <a:tint val="81000"/>
+              </a:schemeClr>
+            </a:gs>
+          </a:gsLst>
+          <a:lin ang="5400000" scaled="0"/>
+        </a:gradFill>
+        <a:gradFill rotWithShape="1">
+          <a:gsLst>
+            <a:gs pos="0">
+              <a:schemeClr val="phClr">
+                <a:satMod val="103000"/>
+                <a:lumMod val="102000"/>
+                <a:tint val="94000"/>
+              </a:schemeClr>
+            </a:gs>
+            <a:gs pos="50000">
+              <a:schemeClr val="phClr">
+                <a:satMod val="110000"/>
+                <a:lumMod val="100000"/>
+                <a:shade val="100000"/>
+              </a:schemeClr>
+            </a:gs>
+            <a:gs pos="100000">
+              <a:schemeClr val="phClr">
+                <a:lumMod val="99000"/>
+                <a:satMod val="120000"/>
+                <a:shade val="78000"/>
+              </a:schemeClr>
+            </a:gs>
+          </a:gsLst>
+          <a:lin ang="5400000" scaled="0"/>
+        </a:gradFill>
+      </a:fillStyleLst>
+      <a:lnStyleLst>
+        <a:ln w="6350" cap="flat" cmpd="sng" algn="ctr">
+          <a:solidFill>
+            <a:schemeClr val="phClr"/>
+          </a:solidFill>
+          <a:prstDash val="solid"/>
+          <a:miter lim="800000"/>
+        </a:ln>
+        <a:ln w="12700" cap="flat" cmpd="sng" algn="ctr">
+          <a:solidFill>
+            <a:schemeClr val="phClr"/>
+          </a:solidFill>
+          <a:prstDash val="solid"/>
+          <a:miter lim="800000"/>
+        </a:ln>
+        <a:ln w="19050" cap="flat" cmpd="sng" algn="ctr">
+          <a:solidFill>
+            <a:schemeClr val="phClr"/>
+          </a:solidFill>
+          <a:prstDash val="solid"/>
+          <a:miter lim="800000"/>
+        </a:ln>
+      </a:lnStyleLst>
+      <a:effectStyleLst>
+        <a:effectStyle>
+          <a:effectLst/>
+        </a:effectStyle>
+        <a:effectStyle>
+          <a:effectLst/>
+        </a:effectStyle>
+        <a:effectStyle>
+          <a:effectLst>
+            <a:outerShdw blurRad="57150" dist="19050" dir="5400000" algn="ctr" rotWithShape="0">
+              <a:srgbClr val="000000">
+                <a:alpha val="63000"/>
+              </a:srgbClr>
+            </a:outerShdw>
+          </a:effectLst>
+        </a:effectStyle>
+      </a:effectStyleLst>
+      <a:bgFillStyleLst>
+        <a:solidFill>
+          <a:schemeClr val="phClr"/>
+        </a:solidFill>
+        <a:solidFill>
+          <a:schemeClr val="phClr">
+            <a:tint val="95000"/>
+            <a:satMod val="170000"/>
+          </a:schemeClr>
+        </a:solidFill>
+        <a:gradFill rotWithShape="1">
+          <a:gsLst>
+            <a:gs pos="0">
+              <a:schemeClr val="phClr">
+                <a:tint val="93000"/>
+                <a:satMod val="150000"/>
+                <a:shade val="98000"/>
+                <a:lumMod val="102000"/>
+              </a:schemeClr>
+            </a:gs>
+            <a:gs pos="50000">
+              <a:schemeClr val="phClr">
+                <a:tint val="98000"/>
+                <a:satMod val="130000"/>
+                <a:shade val="90000"/>
+                <a:lumMod val="103000"/>
+              </a:schemeClr>
+            </a:gs>
+            <a:gs pos="100000">
+              <a:schemeClr val="phClr">
+                <a:shade val="63000"/>
+                <a:satMod val="120000"/>
+              </a:schemeClr>
+            </a:gs>
+          </a:gsLst>
+          <a:lin ang="5400000" scaled="0"/>
+        </a:gradFill>
+      </a:bgFillStyleLst>
+    </a:fmtScheme>
+  </a:themeElements>
+  <a:objectDefaults/>
+  <a:extraClrSchemeLst/>
+  <a:extLst>
+    <a:ext uri="{05A4C25C-085E-4340-85A3-A5531E510DB2}">
+      <thm15:themeFamily xmlns:thm15="http://schemas.microsoft.com/office/thememl/2012/main" name="Office Theme" id="{62F939B6-93AF-4DB8-9C6B-D6C7DFDC589F}" vid="{4A3C46E8-61CC-4603-A589-7422A47A8E4A}"/>
+    </a:ext>
+  </a:extLst>
+</a:theme>
 </file>
--- a/어메이징 첵스.pptx
+++ b/어메이징 첵스.pptx
@@ -1349,6 +1349,14 @@
         </dgm:presLayoutVars>
       </dgm:prSet>
       <dgm:spPr/>
+      <dgm:t>
+        <a:bodyPr/>
+        <a:lstStyle/>
+        <a:p>
+          <a:pPr latinLnBrk="1"/>
+          <a:endParaRPr lang="ko-KR" altLang="en-US"/>
+        </a:p>
+      </dgm:t>
     </dgm:pt>
     <dgm:pt modelId="{14451B00-6941-42B5-9F9D-1B51D8DAD3E4}" type="pres">
       <dgm:prSet presAssocID="{09EFDA44-C03D-482C-8D9A-3BCAD5E9FAA2}" presName="hierRoot1" presStyleCnt="0">
@@ -1380,6 +1388,14 @@
     <dgm:pt modelId="{256897F6-CEE9-47C4-BD03-0B3C1D19DD93}" type="pres">
       <dgm:prSet presAssocID="{09EFDA44-C03D-482C-8D9A-3BCAD5E9FAA2}" presName="rootConnector1" presStyleLbl="node1" presStyleIdx="0" presStyleCnt="0"/>
       <dgm:spPr/>
+      <dgm:t>
+        <a:bodyPr/>
+        <a:lstStyle/>
+        <a:p>
+          <a:pPr latinLnBrk="1"/>
+          <a:endParaRPr lang="ko-KR" altLang="en-US"/>
+        </a:p>
+      </dgm:t>
     </dgm:pt>
     <dgm:pt modelId="{10014FBD-7E75-4CB4-B6A7-077331DBFF92}" type="pres">
       <dgm:prSet presAssocID="{09EFDA44-C03D-482C-8D9A-3BCAD5E9FAA2}" presName="hierChild2" presStyleCnt="0"/>
@@ -1388,6 +1404,14 @@
     <dgm:pt modelId="{215B204D-C63C-4457-8C57-7DD22C6C8CBF}" type="pres">
       <dgm:prSet presAssocID="{93A17517-A907-433E-8AD7-1B2843E9081A}" presName="Name37" presStyleLbl="parChTrans1D2" presStyleIdx="0" presStyleCnt="6"/>
       <dgm:spPr/>
+      <dgm:t>
+        <a:bodyPr/>
+        <a:lstStyle/>
+        <a:p>
+          <a:pPr latinLnBrk="1"/>
+          <a:endParaRPr lang="ko-KR" altLang="en-US"/>
+        </a:p>
+      </dgm:t>
     </dgm:pt>
     <dgm:pt modelId="{C6C69650-0D70-41CF-8C03-DE21EA4048C1}" type="pres">
       <dgm:prSet presAssocID="{0A22099F-AA05-4C1E-8EA6-BE32E3DC285F}" presName="hierRoot2" presStyleCnt="0">
@@ -1408,10 +1432,26 @@
         </dgm:presLayoutVars>
       </dgm:prSet>
       <dgm:spPr/>
+      <dgm:t>
+        <a:bodyPr/>
+        <a:lstStyle/>
+        <a:p>
+          <a:pPr latinLnBrk="1"/>
+          <a:endParaRPr lang="ko-KR" altLang="en-US"/>
+        </a:p>
+      </dgm:t>
     </dgm:pt>
     <dgm:pt modelId="{21DE92BB-7016-47C7-933C-51AA22B4A412}" type="pres">
       <dgm:prSet presAssocID="{0A22099F-AA05-4C1E-8EA6-BE32E3DC285F}" presName="rootConnector" presStyleLbl="node2" presStyleIdx="0" presStyleCnt="6"/>
       <dgm:spPr/>
+      <dgm:t>
+        <a:bodyPr/>
+        <a:lstStyle/>
+        <a:p>
+          <a:pPr latinLnBrk="1"/>
+          <a:endParaRPr lang="ko-KR" altLang="en-US"/>
+        </a:p>
+      </dgm:t>
     </dgm:pt>
     <dgm:pt modelId="{9188C6F5-131C-45E3-9420-6A0892C25A64}" type="pres">
       <dgm:prSet presAssocID="{0A22099F-AA05-4C1E-8EA6-BE32E3DC285F}" presName="hierChild4" presStyleCnt="0"/>
@@ -1424,6 +1464,14 @@
     <dgm:pt modelId="{E4A93F4F-B23D-4A57-A426-43C5358C36C3}" type="pres">
       <dgm:prSet presAssocID="{4F3E24BA-FE54-475C-AD50-53D309A6C16A}" presName="Name37" presStyleLbl="parChTrans1D2" presStyleIdx="1" presStyleCnt="6"/>
       <dgm:spPr/>
+      <dgm:t>
+        <a:bodyPr/>
+        <a:lstStyle/>
+        <a:p>
+          <a:pPr latinLnBrk="1"/>
+          <a:endParaRPr lang="ko-KR" altLang="en-US"/>
+        </a:p>
+      </dgm:t>
     </dgm:pt>
     <dgm:pt modelId="{D9044937-286F-441E-A9B3-82D0C3D4B0A7}" type="pres">
       <dgm:prSet presAssocID="{944D2394-F00D-48E8-A7A2-80295C18C6B0}" presName="hierRoot2" presStyleCnt="0">
@@ -1444,10 +1492,26 @@
         </dgm:presLayoutVars>
       </dgm:prSet>
       <dgm:spPr/>
+      <dgm:t>
+        <a:bodyPr/>
+        <a:lstStyle/>
+        <a:p>
+          <a:pPr latinLnBrk="1"/>
+          <a:endParaRPr lang="ko-KR" altLang="en-US"/>
+        </a:p>
+      </dgm:t>
     </dgm:pt>
     <dgm:pt modelId="{7BD44A68-6CA4-45D0-AC86-663A575200BF}" type="pres">
       <dgm:prSet presAssocID="{944D2394-F00D-48E8-A7A2-80295C18C6B0}" presName="rootConnector" presStyleLbl="node2" presStyleIdx="1" presStyleCnt="6"/>
       <dgm:spPr/>
+      <dgm:t>
+        <a:bodyPr/>
+        <a:lstStyle/>
+        <a:p>
+          <a:pPr latinLnBrk="1"/>
+          <a:endParaRPr lang="ko-KR" altLang="en-US"/>
+        </a:p>
+      </dgm:t>
     </dgm:pt>
     <dgm:pt modelId="{AD37853B-C233-4CC0-9B7B-5F0E81EC422D}" type="pres">
       <dgm:prSet presAssocID="{944D2394-F00D-48E8-A7A2-80295C18C6B0}" presName="hierChild4" presStyleCnt="0"/>
@@ -1460,6 +1524,14 @@
     <dgm:pt modelId="{18AAB7A8-4998-4003-A91C-993F6C63A9B3}" type="pres">
       <dgm:prSet presAssocID="{7E9CDB11-5058-4486-AFDB-0684D922A654}" presName="Name37" presStyleLbl="parChTrans1D2" presStyleIdx="2" presStyleCnt="6"/>
       <dgm:spPr/>
+      <dgm:t>
+        <a:bodyPr/>
+        <a:lstStyle/>
+        <a:p>
+          <a:pPr latinLnBrk="1"/>
+          <a:endParaRPr lang="ko-KR" altLang="en-US"/>
+        </a:p>
+      </dgm:t>
     </dgm:pt>
     <dgm:pt modelId="{3255F9E5-4F4C-4433-A1F0-C672C4D9A3AA}" type="pres">
       <dgm:prSet presAssocID="{6CED97D0-A1AF-4C0D-8180-C507D7931F13}" presName="hierRoot2" presStyleCnt="0">
@@ -1480,10 +1552,26 @@
         </dgm:presLayoutVars>
       </dgm:prSet>
       <dgm:spPr/>
+      <dgm:t>
+        <a:bodyPr/>
+        <a:lstStyle/>
+        <a:p>
+          <a:pPr latinLnBrk="1"/>
+          <a:endParaRPr lang="ko-KR" altLang="en-US"/>
+        </a:p>
+      </dgm:t>
     </dgm:pt>
     <dgm:pt modelId="{87A6D035-F5DC-409B-A416-D7BAFEFC40D7}" type="pres">
       <dgm:prSet presAssocID="{6CED97D0-A1AF-4C0D-8180-C507D7931F13}" presName="rootConnector" presStyleLbl="node2" presStyleIdx="2" presStyleCnt="6"/>
       <dgm:spPr/>
+      <dgm:t>
+        <a:bodyPr/>
+        <a:lstStyle/>
+        <a:p>
+          <a:pPr latinLnBrk="1"/>
+          <a:endParaRPr lang="ko-KR" altLang="en-US"/>
+        </a:p>
+      </dgm:t>
     </dgm:pt>
     <dgm:pt modelId="{CA8AD71F-BC09-4CC1-99D7-B486A3C15641}" type="pres">
       <dgm:prSet presAssocID="{6CED97D0-A1AF-4C0D-8180-C507D7931F13}" presName="hierChild4" presStyleCnt="0"/>
@@ -1496,6 +1584,14 @@
     <dgm:pt modelId="{6934252C-5748-4093-90C7-F061D0DAAD1F}" type="pres">
       <dgm:prSet presAssocID="{00C13C7A-3552-4F8E-8BE8-50ADD0DE0ACA}" presName="Name37" presStyleLbl="parChTrans1D2" presStyleIdx="3" presStyleCnt="6"/>
       <dgm:spPr/>
+      <dgm:t>
+        <a:bodyPr/>
+        <a:lstStyle/>
+        <a:p>
+          <a:pPr latinLnBrk="1"/>
+          <a:endParaRPr lang="ko-KR" altLang="en-US"/>
+        </a:p>
+      </dgm:t>
     </dgm:pt>
     <dgm:pt modelId="{E62A2D0F-D2E8-4E2D-952A-A658047A6EBF}" type="pres">
       <dgm:prSet presAssocID="{F1C4BB12-6960-4CFC-B4D3-5963B33FB456}" presName="hierRoot2" presStyleCnt="0">
@@ -1527,6 +1623,14 @@
     <dgm:pt modelId="{9083C3B2-92D1-41D2-9856-5CEF321DD751}" type="pres">
       <dgm:prSet presAssocID="{F1C4BB12-6960-4CFC-B4D3-5963B33FB456}" presName="rootConnector" presStyleLbl="node2" presStyleIdx="3" presStyleCnt="6"/>
       <dgm:spPr/>
+      <dgm:t>
+        <a:bodyPr/>
+        <a:lstStyle/>
+        <a:p>
+          <a:pPr latinLnBrk="1"/>
+          <a:endParaRPr lang="ko-KR" altLang="en-US"/>
+        </a:p>
+      </dgm:t>
     </dgm:pt>
     <dgm:pt modelId="{317D1327-B85A-4149-8116-3BB5FE1FB22D}" type="pres">
       <dgm:prSet presAssocID="{F1C4BB12-6960-4CFC-B4D3-5963B33FB456}" presName="hierChild4" presStyleCnt="0"/>
@@ -1539,6 +1643,14 @@
     <dgm:pt modelId="{7FBD0CAC-341E-4E9A-A89F-0A9CB46BF04D}" type="pres">
       <dgm:prSet presAssocID="{33B2CCA2-A001-41CC-B63C-14365D57532F}" presName="Name37" presStyleLbl="parChTrans1D2" presStyleIdx="4" presStyleCnt="6"/>
       <dgm:spPr/>
+      <dgm:t>
+        <a:bodyPr/>
+        <a:lstStyle/>
+        <a:p>
+          <a:pPr latinLnBrk="1"/>
+          <a:endParaRPr lang="ko-KR" altLang="en-US"/>
+        </a:p>
+      </dgm:t>
     </dgm:pt>
     <dgm:pt modelId="{BB3CE19A-3FB4-47FE-BB34-462E018E984F}" type="pres">
       <dgm:prSet presAssocID="{97978136-BC51-4981-90BF-11C4F21D8B06}" presName="hierRoot2" presStyleCnt="0">
@@ -1570,6 +1682,14 @@
     <dgm:pt modelId="{5C76DCFF-A5AB-470A-BAB4-ABEA8B5F5F8E}" type="pres">
       <dgm:prSet presAssocID="{97978136-BC51-4981-90BF-11C4F21D8B06}" presName="rootConnector" presStyleLbl="node2" presStyleIdx="4" presStyleCnt="6"/>
       <dgm:spPr/>
+      <dgm:t>
+        <a:bodyPr/>
+        <a:lstStyle/>
+        <a:p>
+          <a:pPr latinLnBrk="1"/>
+          <a:endParaRPr lang="ko-KR" altLang="en-US"/>
+        </a:p>
+      </dgm:t>
     </dgm:pt>
     <dgm:pt modelId="{D9CF1AC7-E899-4162-A0DA-437200237F4C}" type="pres">
       <dgm:prSet presAssocID="{97978136-BC51-4981-90BF-11C4F21D8B06}" presName="hierChild4" presStyleCnt="0"/>
@@ -1582,6 +1702,14 @@
     <dgm:pt modelId="{A40CC5F2-3B0D-41CD-9846-8DA54221BCFF}" type="pres">
       <dgm:prSet presAssocID="{11257359-CDF4-446B-B922-70AFAC772C18}" presName="Name37" presStyleLbl="parChTrans1D2" presStyleIdx="5" presStyleCnt="6"/>
       <dgm:spPr/>
+      <dgm:t>
+        <a:bodyPr/>
+        <a:lstStyle/>
+        <a:p>
+          <a:pPr latinLnBrk="1"/>
+          <a:endParaRPr lang="ko-KR" altLang="en-US"/>
+        </a:p>
+      </dgm:t>
     </dgm:pt>
     <dgm:pt modelId="{76B92CAD-1279-4C34-AF7D-66123724AB0D}" type="pres">
       <dgm:prSet presAssocID="{7D7C0639-8964-421F-A0A2-567F323F7297}" presName="hierRoot2" presStyleCnt="0">
@@ -1602,10 +1730,26 @@
         </dgm:presLayoutVars>
       </dgm:prSet>
       <dgm:spPr/>
+      <dgm:t>
+        <a:bodyPr/>
+        <a:lstStyle/>
+        <a:p>
+          <a:pPr latinLnBrk="1"/>
+          <a:endParaRPr lang="ko-KR" altLang="en-US"/>
+        </a:p>
+      </dgm:t>
     </dgm:pt>
     <dgm:pt modelId="{4EBE6F6C-43A9-4595-A0DC-CB315D99D8B7}" type="pres">
       <dgm:prSet presAssocID="{7D7C0639-8964-421F-A0A2-567F323F7297}" presName="rootConnector" presStyleLbl="node2" presStyleIdx="5" presStyleCnt="6"/>
       <dgm:spPr/>
+      <dgm:t>
+        <a:bodyPr/>
+        <a:lstStyle/>
+        <a:p>
+          <a:pPr latinLnBrk="1"/>
+          <a:endParaRPr lang="ko-KR" altLang="en-US"/>
+        </a:p>
+      </dgm:t>
     </dgm:pt>
     <dgm:pt modelId="{5C6F29DE-9060-4CB9-88A9-6CA8295AA8FD}" type="pres">
       <dgm:prSet presAssocID="{7D7C0639-8964-421F-A0A2-567F323F7297}" presName="hierChild4" presStyleCnt="0"/>
@@ -4938,7 +5082,7 @@
           <a:p>
             <a:fld id="{BCFED37B-5E28-4644-A468-43AB991E6436}" type="datetimeFigureOut">
               <a:rPr lang="en-US" smtClean="0"/>
-              <a:t>6/25/2017</a:t>
+              <a:t>6/26/2017</a:t>
             </a:fld>
             <a:endParaRPr lang="en-US"/>
           </a:p>
@@ -5521,7 +5665,7 @@
           <a:p>
             <a:fld id="{D5A56EB4-82C6-44A6-95F9-E1932E3C740E}" type="datetimeFigureOut">
               <a:rPr lang="ko-KR" altLang="en-US" smtClean="0"/>
-              <a:t>2017-06-25</a:t>
+              <a:t>2017-06-26</a:t>
             </a:fld>
             <a:endParaRPr lang="ko-KR" altLang="en-US"/>
           </a:p>
@@ -5702,7 +5846,7 @@
           <a:p>
             <a:fld id="{D5A56EB4-82C6-44A6-95F9-E1932E3C740E}" type="datetimeFigureOut">
               <a:rPr lang="ko-KR" altLang="en-US" smtClean="0"/>
-              <a:t>2017-06-25</a:t>
+              <a:t>2017-06-26</a:t>
             </a:fld>
             <a:endParaRPr lang="ko-KR" altLang="en-US"/>
           </a:p>
@@ -5882,7 +6026,7 @@
           <a:p>
             <a:fld id="{D5A56EB4-82C6-44A6-95F9-E1932E3C740E}" type="datetimeFigureOut">
               <a:rPr lang="ko-KR" altLang="en-US" smtClean="0"/>
-              <a:t>2017-06-25</a:t>
+              <a:t>2017-06-26</a:t>
             </a:fld>
             <a:endParaRPr lang="ko-KR" altLang="en-US"/>
           </a:p>
@@ -6052,7 +6196,7 @@
           <a:p>
             <a:fld id="{D5A56EB4-82C6-44A6-95F9-E1932E3C740E}" type="datetimeFigureOut">
               <a:rPr lang="ko-KR" altLang="en-US" smtClean="0"/>
-              <a:t>2017-06-25</a:t>
+              <a:t>2017-06-26</a:t>
             </a:fld>
             <a:endParaRPr lang="ko-KR" altLang="en-US"/>
           </a:p>
@@ -6303,7 +6447,7 @@
           <a:p>
             <a:fld id="{D5A56EB4-82C6-44A6-95F9-E1932E3C740E}" type="datetimeFigureOut">
               <a:rPr lang="ko-KR" altLang="en-US" smtClean="0"/>
-              <a:t>2017-06-25</a:t>
+              <a:t>2017-06-26</a:t>
             </a:fld>
             <a:endParaRPr lang="ko-KR" altLang="en-US"/>
           </a:p>
@@ -6535,7 +6679,7 @@
           <a:p>
             <a:fld id="{D5A56EB4-82C6-44A6-95F9-E1932E3C740E}" type="datetimeFigureOut">
               <a:rPr lang="ko-KR" altLang="en-US" smtClean="0"/>
-              <a:t>2017-06-25</a:t>
+              <a:t>2017-06-26</a:t>
             </a:fld>
             <a:endParaRPr lang="ko-KR" altLang="en-US"/>
           </a:p>
@@ -6902,7 +7046,7 @@
           <a:p>
             <a:fld id="{D5A56EB4-82C6-44A6-95F9-E1932E3C740E}" type="datetimeFigureOut">
               <a:rPr lang="ko-KR" altLang="en-US" smtClean="0"/>
-              <a:t>2017-06-25</a:t>
+              <a:t>2017-06-26</a:t>
             </a:fld>
             <a:endParaRPr lang="ko-KR" altLang="en-US"/>
           </a:p>
@@ -7020,7 +7164,7 @@
           <a:p>
             <a:fld id="{D5A56EB4-82C6-44A6-95F9-E1932E3C740E}" type="datetimeFigureOut">
               <a:rPr lang="ko-KR" altLang="en-US" smtClean="0"/>
-              <a:t>2017-06-25</a:t>
+              <a:t>2017-06-26</a:t>
             </a:fld>
             <a:endParaRPr lang="ko-KR" altLang="en-US"/>
           </a:p>
@@ -7115,7 +7259,7 @@
           <a:p>
             <a:fld id="{D5A56EB4-82C6-44A6-95F9-E1932E3C740E}" type="datetimeFigureOut">
               <a:rPr lang="ko-KR" altLang="en-US" smtClean="0"/>
-              <a:t>2017-06-25</a:t>
+              <a:t>2017-06-26</a:t>
             </a:fld>
             <a:endParaRPr lang="ko-KR" altLang="en-US"/>
           </a:p>
@@ -7392,7 +7536,7 @@
           <a:p>
             <a:fld id="{D5A56EB4-82C6-44A6-95F9-E1932E3C740E}" type="datetimeFigureOut">
               <a:rPr lang="ko-KR" altLang="en-US" smtClean="0"/>
-              <a:t>2017-06-25</a:t>
+              <a:t>2017-06-26</a:t>
             </a:fld>
             <a:endParaRPr lang="ko-KR" altLang="en-US"/>
           </a:p>
@@ -7649,7 +7793,7 @@
           <a:p>
             <a:fld id="{D5A56EB4-82C6-44A6-95F9-E1932E3C740E}" type="datetimeFigureOut">
               <a:rPr lang="ko-KR" altLang="en-US" smtClean="0"/>
-              <a:t>2017-06-25</a:t>
+              <a:t>2017-06-26</a:t>
             </a:fld>
             <a:endParaRPr lang="ko-KR" altLang="en-US"/>
           </a:p>
@@ -7864,7 +8008,7 @@
             <a:fld id="{D5A56EB4-82C6-44A6-95F9-E1932E3C740E}" type="datetimeFigureOut">
               <a:rPr lang="ko-KR" altLang="en-US" smtClean="0"/>
               <a:pPr/>
-              <a:t>2017-06-25</a:t>
+              <a:t>2017-06-26</a:t>
             </a:fld>
             <a:endParaRPr lang="ko-KR" altLang="en-US"/>
           </a:p>
@@ -8493,6 +8637,9 @@
   <p:clrMapOvr>
     <a:masterClrMapping/>
   </p:clrMapOvr>
+  <p:transition spd="slow">
+    <p:push dir="r"/>
+  </p:transition>
   <p:timing>
     <p:tnLst>
       <p:par>
@@ -8604,6 +8751,9 @@
   <p:clrMapOvr>
     <a:masterClrMapping/>
   </p:clrMapOvr>
+  <p:transition spd="slow">
+    <p:push dir="d"/>
+  </p:transition>
   <p:timing>
     <p:tnLst>
       <p:par>
@@ -8713,6 +8863,9 @@
   <p:clrMapOvr>
     <a:masterClrMapping/>
   </p:clrMapOvr>
+  <p:transition spd="slow">
+    <p:push dir="r"/>
+  </p:transition>
   <p:timing>
     <p:tnLst>
       <p:par>
@@ -10378,6 +10531,9 @@
   <p:clrMapOvr>
     <a:masterClrMapping/>
   </p:clrMapOvr>
+  <p:transition spd="slow">
+    <p:push dir="u"/>
+  </p:transition>
   <p:timing>
     <p:tnLst>
       <p:par>
@@ -10614,6 +10770,9 @@
   <p:clrMapOvr>
     <a:masterClrMapping/>
   </p:clrMapOvr>
+  <p:transition spd="slow">
+    <p:push dir="u"/>
+  </p:transition>
   <p:timing>
     <p:tnLst>
       <p:par>
@@ -10738,6 +10897,9 @@
   <p:clrMapOvr>
     <a:masterClrMapping/>
   </p:clrMapOvr>
+  <p:transition spd="slow">
+    <p:push/>
+  </p:transition>
   <p:timing>
     <p:tnLst>
       <p:par>
@@ -10824,6 +10986,9 @@
   <p:clrMapOvr>
     <a:masterClrMapping/>
   </p:clrMapOvr>
+  <p:transition spd="slow">
+    <p:push dir="u"/>
+  </p:transition>
   <p:timing>
     <p:tnLst>
       <p:par>
